--- a/Pictures/Figures/Figure 8.pptx
+++ b/Pictures/Figures/Figure 8.pptx
@@ -2,12 +2,12 @@
 <file path=ppt/presentation.xml><?xml version="1.0" encoding="utf-8"?>
 <p:presentation xmlns:a="http://schemas.openxmlformats.org/drawingml/2006/main" xmlns:r="http://schemas.openxmlformats.org/officeDocument/2006/relationships" xmlns:p="http://schemas.openxmlformats.org/presentationml/2006/main" saveSubsetFonts="1">
   <p:sldMasterIdLst>
-    <p:sldMasterId id="2147483660" r:id="rId1"/>
+    <p:sldMasterId id="2147483672" r:id="rId1"/>
   </p:sldMasterIdLst>
   <p:sldIdLst>
     <p:sldId id="256" r:id="rId2"/>
   </p:sldIdLst>
-  <p:sldSz cx="10379075" cy="5284788"/>
+  <p:sldSz cx="9144000" cy="4572000"/>
   <p:notesSz cx="6858000" cy="9144000"/>
   <p:defaultTextStyle>
     <a:defPPr>
@@ -104,6 +104,11 @@
       </a:defRPr>
     </a:lvl9pPr>
   </p:defaultTextStyle>
+  <p:extLst>
+    <p:ext uri="{EFAFB233-063F-42B5-8137-9DF3F51BA10A}">
+      <p15:sldGuideLst xmlns:p15="http://schemas.microsoft.com/office/powerpoint/2012/main"/>
+    </p:ext>
+  </p:extLst>
 </p:presentation>
 </file>
 
@@ -136,15 +141,15 @@
         </p:nvSpPr>
         <p:spPr>
           <a:xfrm>
-            <a:off x="1297385" y="864895"/>
-            <a:ext cx="7784306" cy="1839889"/>
+            <a:off x="1143000" y="748242"/>
+            <a:ext cx="6858000" cy="1591733"/>
           </a:xfrm>
         </p:spPr>
         <p:txBody>
           <a:bodyPr anchor="b"/>
           <a:lstStyle>
             <a:lvl1pPr algn="ctr">
-              <a:defRPr sz="4624"/>
+              <a:defRPr sz="4000"/>
             </a:lvl1pPr>
           </a:lstStyle>
           <a:p>
@@ -168,8 +173,8 @@
         </p:nvSpPr>
         <p:spPr>
           <a:xfrm>
-            <a:off x="1297385" y="2775738"/>
-            <a:ext cx="7784306" cy="1275933"/>
+            <a:off x="1143000" y="2401359"/>
+            <a:ext cx="6858000" cy="1103841"/>
           </a:xfrm>
         </p:spPr>
         <p:txBody>
@@ -177,39 +182,39 @@
           <a:lstStyle>
             <a:lvl1pPr marL="0" indent="0" algn="ctr">
               <a:buNone/>
-              <a:defRPr sz="1849"/>
+              <a:defRPr sz="1600"/>
             </a:lvl1pPr>
-            <a:lvl2pPr marL="352318" indent="0" algn="ctr">
-              <a:buNone/>
-              <a:defRPr sz="1541"/>
+            <a:lvl2pPr marL="304815" indent="0" algn="ctr">
+              <a:buNone/>
+              <a:defRPr sz="1333"/>
             </a:lvl2pPr>
-            <a:lvl3pPr marL="704637" indent="0" algn="ctr">
-              <a:buNone/>
-              <a:defRPr sz="1387"/>
+            <a:lvl3pPr marL="609630" indent="0" algn="ctr">
+              <a:buNone/>
+              <a:defRPr sz="1200"/>
             </a:lvl3pPr>
-            <a:lvl4pPr marL="1056955" indent="0" algn="ctr">
-              <a:buNone/>
-              <a:defRPr sz="1233"/>
+            <a:lvl4pPr marL="914446" indent="0" algn="ctr">
+              <a:buNone/>
+              <a:defRPr sz="1067"/>
             </a:lvl4pPr>
-            <a:lvl5pPr marL="1409273" indent="0" algn="ctr">
-              <a:buNone/>
-              <a:defRPr sz="1233"/>
+            <a:lvl5pPr marL="1219261" indent="0" algn="ctr">
+              <a:buNone/>
+              <a:defRPr sz="1067"/>
             </a:lvl5pPr>
-            <a:lvl6pPr marL="1761592" indent="0" algn="ctr">
-              <a:buNone/>
-              <a:defRPr sz="1233"/>
+            <a:lvl6pPr marL="1524076" indent="0" algn="ctr">
+              <a:buNone/>
+              <a:defRPr sz="1067"/>
             </a:lvl6pPr>
-            <a:lvl7pPr marL="2113910" indent="0" algn="ctr">
-              <a:buNone/>
-              <a:defRPr sz="1233"/>
+            <a:lvl7pPr marL="1828891" indent="0" algn="ctr">
+              <a:buNone/>
+              <a:defRPr sz="1067"/>
             </a:lvl7pPr>
-            <a:lvl8pPr marL="2466228" indent="0" algn="ctr">
-              <a:buNone/>
-              <a:defRPr sz="1233"/>
+            <a:lvl8pPr marL="2133707" indent="0" algn="ctr">
+              <a:buNone/>
+              <a:defRPr sz="1067"/>
             </a:lvl8pPr>
-            <a:lvl9pPr marL="2818547" indent="0" algn="ctr">
-              <a:buNone/>
-              <a:defRPr sz="1233"/>
+            <a:lvl9pPr marL="2438522" indent="0" algn="ctr">
+              <a:buNone/>
+              <a:defRPr sz="1067"/>
             </a:lvl9pPr>
           </a:lstStyle>
           <a:p>
@@ -238,7 +243,7 @@
           <a:p>
             <a:fld id="{DF659CEE-7ED8-4475-A00F-9EBDFFED20DC}" type="datetimeFigureOut">
               <a:rPr lang="en-US" smtClean="0"/>
-              <a:t>11/3/2022</a:t>
+              <a:t>11/4/2022</a:t>
             </a:fld>
             <a:endParaRPr lang="en-US"/>
           </a:p>
@@ -289,7 +294,7 @@
     </p:spTree>
     <p:extLst>
       <p:ext uri="{BB962C8B-B14F-4D97-AF65-F5344CB8AC3E}">
-        <p14:creationId xmlns:p14="http://schemas.microsoft.com/office/powerpoint/2010/main" val="3465697013"/>
+        <p14:creationId xmlns:p14="http://schemas.microsoft.com/office/powerpoint/2010/main" val="1659604076"/>
       </p:ext>
     </p:extLst>
   </p:cSld>
@@ -408,7 +413,7 @@
           <a:p>
             <a:fld id="{DF659CEE-7ED8-4475-A00F-9EBDFFED20DC}" type="datetimeFigureOut">
               <a:rPr lang="en-US" smtClean="0"/>
-              <a:t>11/3/2022</a:t>
+              <a:t>11/4/2022</a:t>
             </a:fld>
             <a:endParaRPr lang="en-US"/>
           </a:p>
@@ -459,7 +464,7 @@
     </p:spTree>
     <p:extLst>
       <p:ext uri="{BB962C8B-B14F-4D97-AF65-F5344CB8AC3E}">
-        <p14:creationId xmlns:p14="http://schemas.microsoft.com/office/powerpoint/2010/main" val="393565065"/>
+        <p14:creationId xmlns:p14="http://schemas.microsoft.com/office/powerpoint/2010/main" val="4050145543"/>
       </p:ext>
     </p:extLst>
   </p:cSld>
@@ -498,8 +503,8 @@
         </p:nvSpPr>
         <p:spPr>
           <a:xfrm>
-            <a:off x="7427526" y="281366"/>
-            <a:ext cx="2237988" cy="4478614"/>
+            <a:off x="6543675" y="243417"/>
+            <a:ext cx="1971675" cy="3874559"/>
           </a:xfrm>
         </p:spPr>
         <p:txBody>
@@ -526,8 +531,8 @@
         </p:nvSpPr>
         <p:spPr>
           <a:xfrm>
-            <a:off x="713561" y="281366"/>
-            <a:ext cx="6584226" cy="4478614"/>
+            <a:off x="628650" y="243417"/>
+            <a:ext cx="5800725" cy="3874559"/>
           </a:xfrm>
         </p:spPr>
         <p:txBody>
@@ -588,7 +593,7 @@
           <a:p>
             <a:fld id="{DF659CEE-7ED8-4475-A00F-9EBDFFED20DC}" type="datetimeFigureOut">
               <a:rPr lang="en-US" smtClean="0"/>
-              <a:t>11/3/2022</a:t>
+              <a:t>11/4/2022</a:t>
             </a:fld>
             <a:endParaRPr lang="en-US"/>
           </a:p>
@@ -639,7 +644,7 @@
     </p:spTree>
     <p:extLst>
       <p:ext uri="{BB962C8B-B14F-4D97-AF65-F5344CB8AC3E}">
-        <p14:creationId xmlns:p14="http://schemas.microsoft.com/office/powerpoint/2010/main" val="2673417345"/>
+        <p14:creationId xmlns:p14="http://schemas.microsoft.com/office/powerpoint/2010/main" val="2813139676"/>
       </p:ext>
     </p:extLst>
   </p:cSld>
@@ -758,7 +763,7 @@
           <a:p>
             <a:fld id="{DF659CEE-7ED8-4475-A00F-9EBDFFED20DC}" type="datetimeFigureOut">
               <a:rPr lang="en-US" smtClean="0"/>
-              <a:t>11/3/2022</a:t>
+              <a:t>11/4/2022</a:t>
             </a:fld>
             <a:endParaRPr lang="en-US"/>
           </a:p>
@@ -809,7 +814,7 @@
     </p:spTree>
     <p:extLst>
       <p:ext uri="{BB962C8B-B14F-4D97-AF65-F5344CB8AC3E}">
-        <p14:creationId xmlns:p14="http://schemas.microsoft.com/office/powerpoint/2010/main" val="223763850"/>
+        <p14:creationId xmlns:p14="http://schemas.microsoft.com/office/powerpoint/2010/main" val="681558382"/>
       </p:ext>
     </p:extLst>
   </p:cSld>
@@ -848,15 +853,15 @@
         </p:nvSpPr>
         <p:spPr>
           <a:xfrm>
-            <a:off x="708156" y="1317528"/>
-            <a:ext cx="8951952" cy="2198325"/>
+            <a:off x="623888" y="1139826"/>
+            <a:ext cx="7886700" cy="1901825"/>
           </a:xfrm>
         </p:spPr>
         <p:txBody>
           <a:bodyPr anchor="b"/>
           <a:lstStyle>
             <a:lvl1pPr>
-              <a:defRPr sz="4624"/>
+              <a:defRPr sz="4000"/>
             </a:lvl1pPr>
           </a:lstStyle>
           <a:p>
@@ -880,8 +885,8 @@
         </p:nvSpPr>
         <p:spPr>
           <a:xfrm>
-            <a:off x="708156" y="3536649"/>
-            <a:ext cx="8951952" cy="1156047"/>
+            <a:off x="623888" y="3059642"/>
+            <a:ext cx="7886700" cy="1000125"/>
           </a:xfrm>
         </p:spPr>
         <p:txBody>
@@ -889,7 +894,7 @@
           <a:lstStyle>
             <a:lvl1pPr marL="0" indent="0">
               <a:buNone/>
-              <a:defRPr sz="1849">
+              <a:defRPr sz="1600">
                 <a:solidFill>
                   <a:schemeClr val="tx1">
                     <a:tint val="75000"/>
@@ -897,9 +902,9 @@
                 </a:solidFill>
               </a:defRPr>
             </a:lvl1pPr>
-            <a:lvl2pPr marL="352318" indent="0">
-              <a:buNone/>
-              <a:defRPr sz="1541">
+            <a:lvl2pPr marL="304815" indent="0">
+              <a:buNone/>
+              <a:defRPr sz="1333">
                 <a:solidFill>
                   <a:schemeClr val="tx1">
                     <a:tint val="75000"/>
@@ -907,9 +912,9 @@
                 </a:solidFill>
               </a:defRPr>
             </a:lvl2pPr>
-            <a:lvl3pPr marL="704637" indent="0">
-              <a:buNone/>
-              <a:defRPr sz="1387">
+            <a:lvl3pPr marL="609630" indent="0">
+              <a:buNone/>
+              <a:defRPr sz="1200">
                 <a:solidFill>
                   <a:schemeClr val="tx1">
                     <a:tint val="75000"/>
@@ -917,9 +922,9 @@
                 </a:solidFill>
               </a:defRPr>
             </a:lvl3pPr>
-            <a:lvl4pPr marL="1056955" indent="0">
-              <a:buNone/>
-              <a:defRPr sz="1233">
+            <a:lvl4pPr marL="914446" indent="0">
+              <a:buNone/>
+              <a:defRPr sz="1067">
                 <a:solidFill>
                   <a:schemeClr val="tx1">
                     <a:tint val="75000"/>
@@ -927,9 +932,9 @@
                 </a:solidFill>
               </a:defRPr>
             </a:lvl4pPr>
-            <a:lvl5pPr marL="1409273" indent="0">
-              <a:buNone/>
-              <a:defRPr sz="1233">
+            <a:lvl5pPr marL="1219261" indent="0">
+              <a:buNone/>
+              <a:defRPr sz="1067">
                 <a:solidFill>
                   <a:schemeClr val="tx1">
                     <a:tint val="75000"/>
@@ -937,9 +942,9 @@
                 </a:solidFill>
               </a:defRPr>
             </a:lvl5pPr>
-            <a:lvl6pPr marL="1761592" indent="0">
-              <a:buNone/>
-              <a:defRPr sz="1233">
+            <a:lvl6pPr marL="1524076" indent="0">
+              <a:buNone/>
+              <a:defRPr sz="1067">
                 <a:solidFill>
                   <a:schemeClr val="tx1">
                     <a:tint val="75000"/>
@@ -947,9 +952,9 @@
                 </a:solidFill>
               </a:defRPr>
             </a:lvl6pPr>
-            <a:lvl7pPr marL="2113910" indent="0">
-              <a:buNone/>
-              <a:defRPr sz="1233">
+            <a:lvl7pPr marL="1828891" indent="0">
+              <a:buNone/>
+              <a:defRPr sz="1067">
                 <a:solidFill>
                   <a:schemeClr val="tx1">
                     <a:tint val="75000"/>
@@ -957,9 +962,9 @@
                 </a:solidFill>
               </a:defRPr>
             </a:lvl7pPr>
-            <a:lvl8pPr marL="2466228" indent="0">
-              <a:buNone/>
-              <a:defRPr sz="1233">
+            <a:lvl8pPr marL="2133707" indent="0">
+              <a:buNone/>
+              <a:defRPr sz="1067">
                 <a:solidFill>
                   <a:schemeClr val="tx1">
                     <a:tint val="75000"/>
@@ -967,9 +972,9 @@
                 </a:solidFill>
               </a:defRPr>
             </a:lvl8pPr>
-            <a:lvl9pPr marL="2818547" indent="0">
-              <a:buNone/>
-              <a:defRPr sz="1233">
+            <a:lvl9pPr marL="2438522" indent="0">
+              <a:buNone/>
+              <a:defRPr sz="1067">
                 <a:solidFill>
                   <a:schemeClr val="tx1">
                     <a:tint val="75000"/>
@@ -1004,7 +1009,7 @@
           <a:p>
             <a:fld id="{DF659CEE-7ED8-4475-A00F-9EBDFFED20DC}" type="datetimeFigureOut">
               <a:rPr lang="en-US" smtClean="0"/>
-              <a:t>11/3/2022</a:t>
+              <a:t>11/4/2022</a:t>
             </a:fld>
             <a:endParaRPr lang="en-US"/>
           </a:p>
@@ -1055,7 +1060,7 @@
     </p:spTree>
     <p:extLst>
       <p:ext uri="{BB962C8B-B14F-4D97-AF65-F5344CB8AC3E}">
-        <p14:creationId xmlns:p14="http://schemas.microsoft.com/office/powerpoint/2010/main" val="4182554031"/>
+        <p14:creationId xmlns:p14="http://schemas.microsoft.com/office/powerpoint/2010/main" val="1899211461"/>
       </p:ext>
     </p:extLst>
   </p:cSld>
@@ -1117,8 +1122,8 @@
         </p:nvSpPr>
         <p:spPr>
           <a:xfrm>
-            <a:off x="713561" y="1406830"/>
-            <a:ext cx="4411107" cy="3353149"/>
+            <a:off x="628650" y="1217083"/>
+            <a:ext cx="3886200" cy="2900892"/>
           </a:xfrm>
         </p:spPr>
         <p:txBody>
@@ -1174,8 +1179,8 @@
         </p:nvSpPr>
         <p:spPr>
           <a:xfrm>
-            <a:off x="5254407" y="1406830"/>
-            <a:ext cx="4411107" cy="3353149"/>
+            <a:off x="4629150" y="1217083"/>
+            <a:ext cx="3886200" cy="2900892"/>
           </a:xfrm>
         </p:spPr>
         <p:txBody>
@@ -1236,7 +1241,7 @@
           <a:p>
             <a:fld id="{DF659CEE-7ED8-4475-A00F-9EBDFFED20DC}" type="datetimeFigureOut">
               <a:rPr lang="en-US" smtClean="0"/>
-              <a:t>11/3/2022</a:t>
+              <a:t>11/4/2022</a:t>
             </a:fld>
             <a:endParaRPr lang="en-US"/>
           </a:p>
@@ -1287,7 +1292,7 @@
     </p:spTree>
     <p:extLst>
       <p:ext uri="{BB962C8B-B14F-4D97-AF65-F5344CB8AC3E}">
-        <p14:creationId xmlns:p14="http://schemas.microsoft.com/office/powerpoint/2010/main" val="1441447527"/>
+        <p14:creationId xmlns:p14="http://schemas.microsoft.com/office/powerpoint/2010/main" val="3844827066"/>
       </p:ext>
     </p:extLst>
   </p:cSld>
@@ -1326,8 +1331,8 @@
         </p:nvSpPr>
         <p:spPr>
           <a:xfrm>
-            <a:off x="714913" y="281367"/>
-            <a:ext cx="8951952" cy="1021481"/>
+            <a:off x="629841" y="243417"/>
+            <a:ext cx="7886700" cy="883709"/>
           </a:xfrm>
         </p:spPr>
         <p:txBody>
@@ -1354,8 +1359,8 @@
         </p:nvSpPr>
         <p:spPr>
           <a:xfrm>
-            <a:off x="714914" y="1295508"/>
-            <a:ext cx="4390835" cy="634908"/>
+            <a:off x="629842" y="1120775"/>
+            <a:ext cx="3868340" cy="549275"/>
           </a:xfrm>
         </p:spPr>
         <p:txBody>
@@ -1363,39 +1368,39 @@
           <a:lstStyle>
             <a:lvl1pPr marL="0" indent="0">
               <a:buNone/>
-              <a:defRPr sz="1849" b="1"/>
+              <a:defRPr sz="1600" b="1"/>
             </a:lvl1pPr>
-            <a:lvl2pPr marL="352318" indent="0">
-              <a:buNone/>
-              <a:defRPr sz="1541" b="1"/>
+            <a:lvl2pPr marL="304815" indent="0">
+              <a:buNone/>
+              <a:defRPr sz="1333" b="1"/>
             </a:lvl2pPr>
-            <a:lvl3pPr marL="704637" indent="0">
-              <a:buNone/>
-              <a:defRPr sz="1387" b="1"/>
+            <a:lvl3pPr marL="609630" indent="0">
+              <a:buNone/>
+              <a:defRPr sz="1200" b="1"/>
             </a:lvl3pPr>
-            <a:lvl4pPr marL="1056955" indent="0">
-              <a:buNone/>
-              <a:defRPr sz="1233" b="1"/>
+            <a:lvl4pPr marL="914446" indent="0">
+              <a:buNone/>
+              <a:defRPr sz="1067" b="1"/>
             </a:lvl4pPr>
-            <a:lvl5pPr marL="1409273" indent="0">
-              <a:buNone/>
-              <a:defRPr sz="1233" b="1"/>
+            <a:lvl5pPr marL="1219261" indent="0">
+              <a:buNone/>
+              <a:defRPr sz="1067" b="1"/>
             </a:lvl5pPr>
-            <a:lvl6pPr marL="1761592" indent="0">
-              <a:buNone/>
-              <a:defRPr sz="1233" b="1"/>
+            <a:lvl6pPr marL="1524076" indent="0">
+              <a:buNone/>
+              <a:defRPr sz="1067" b="1"/>
             </a:lvl6pPr>
-            <a:lvl7pPr marL="2113910" indent="0">
-              <a:buNone/>
-              <a:defRPr sz="1233" b="1"/>
+            <a:lvl7pPr marL="1828891" indent="0">
+              <a:buNone/>
+              <a:defRPr sz="1067" b="1"/>
             </a:lvl7pPr>
-            <a:lvl8pPr marL="2466228" indent="0">
-              <a:buNone/>
-              <a:defRPr sz="1233" b="1"/>
+            <a:lvl8pPr marL="2133707" indent="0">
+              <a:buNone/>
+              <a:defRPr sz="1067" b="1"/>
             </a:lvl8pPr>
-            <a:lvl9pPr marL="2818547" indent="0">
-              <a:buNone/>
-              <a:defRPr sz="1233" b="1"/>
+            <a:lvl9pPr marL="2438522" indent="0">
+              <a:buNone/>
+              <a:defRPr sz="1067" b="1"/>
             </a:lvl9pPr>
           </a:lstStyle>
           <a:p>
@@ -1419,8 +1424,8 @@
         </p:nvSpPr>
         <p:spPr>
           <a:xfrm>
-            <a:off x="714914" y="1930415"/>
-            <a:ext cx="4390835" cy="2839351"/>
+            <a:off x="629842" y="1670050"/>
+            <a:ext cx="3868340" cy="2456392"/>
           </a:xfrm>
         </p:spPr>
         <p:txBody>
@@ -1476,8 +1481,8 @@
         </p:nvSpPr>
         <p:spPr>
           <a:xfrm>
-            <a:off x="5254407" y="1295508"/>
-            <a:ext cx="4412459" cy="634908"/>
+            <a:off x="4629150" y="1120775"/>
+            <a:ext cx="3887391" cy="549275"/>
           </a:xfrm>
         </p:spPr>
         <p:txBody>
@@ -1485,39 +1490,39 @@
           <a:lstStyle>
             <a:lvl1pPr marL="0" indent="0">
               <a:buNone/>
-              <a:defRPr sz="1849" b="1"/>
+              <a:defRPr sz="1600" b="1"/>
             </a:lvl1pPr>
-            <a:lvl2pPr marL="352318" indent="0">
-              <a:buNone/>
-              <a:defRPr sz="1541" b="1"/>
+            <a:lvl2pPr marL="304815" indent="0">
+              <a:buNone/>
+              <a:defRPr sz="1333" b="1"/>
             </a:lvl2pPr>
-            <a:lvl3pPr marL="704637" indent="0">
-              <a:buNone/>
-              <a:defRPr sz="1387" b="1"/>
+            <a:lvl3pPr marL="609630" indent="0">
+              <a:buNone/>
+              <a:defRPr sz="1200" b="1"/>
             </a:lvl3pPr>
-            <a:lvl4pPr marL="1056955" indent="0">
-              <a:buNone/>
-              <a:defRPr sz="1233" b="1"/>
+            <a:lvl4pPr marL="914446" indent="0">
+              <a:buNone/>
+              <a:defRPr sz="1067" b="1"/>
             </a:lvl4pPr>
-            <a:lvl5pPr marL="1409273" indent="0">
-              <a:buNone/>
-              <a:defRPr sz="1233" b="1"/>
+            <a:lvl5pPr marL="1219261" indent="0">
+              <a:buNone/>
+              <a:defRPr sz="1067" b="1"/>
             </a:lvl5pPr>
-            <a:lvl6pPr marL="1761592" indent="0">
-              <a:buNone/>
-              <a:defRPr sz="1233" b="1"/>
+            <a:lvl6pPr marL="1524076" indent="0">
+              <a:buNone/>
+              <a:defRPr sz="1067" b="1"/>
             </a:lvl6pPr>
-            <a:lvl7pPr marL="2113910" indent="0">
-              <a:buNone/>
-              <a:defRPr sz="1233" b="1"/>
+            <a:lvl7pPr marL="1828891" indent="0">
+              <a:buNone/>
+              <a:defRPr sz="1067" b="1"/>
             </a:lvl7pPr>
-            <a:lvl8pPr marL="2466228" indent="0">
-              <a:buNone/>
-              <a:defRPr sz="1233" b="1"/>
+            <a:lvl8pPr marL="2133707" indent="0">
+              <a:buNone/>
+              <a:defRPr sz="1067" b="1"/>
             </a:lvl8pPr>
-            <a:lvl9pPr marL="2818547" indent="0">
-              <a:buNone/>
-              <a:defRPr sz="1233" b="1"/>
+            <a:lvl9pPr marL="2438522" indent="0">
+              <a:buNone/>
+              <a:defRPr sz="1067" b="1"/>
             </a:lvl9pPr>
           </a:lstStyle>
           <a:p>
@@ -1541,8 +1546,8 @@
         </p:nvSpPr>
         <p:spPr>
           <a:xfrm>
-            <a:off x="5254407" y="1930415"/>
-            <a:ext cx="4412459" cy="2839351"/>
+            <a:off x="4629150" y="1670050"/>
+            <a:ext cx="3887391" cy="2456392"/>
           </a:xfrm>
         </p:spPr>
         <p:txBody>
@@ -1603,7 +1608,7 @@
           <a:p>
             <a:fld id="{DF659CEE-7ED8-4475-A00F-9EBDFFED20DC}" type="datetimeFigureOut">
               <a:rPr lang="en-US" smtClean="0"/>
-              <a:t>11/3/2022</a:t>
+              <a:t>11/4/2022</a:t>
             </a:fld>
             <a:endParaRPr lang="en-US"/>
           </a:p>
@@ -1654,7 +1659,7 @@
     </p:spTree>
     <p:extLst>
       <p:ext uri="{BB962C8B-B14F-4D97-AF65-F5344CB8AC3E}">
-        <p14:creationId xmlns:p14="http://schemas.microsoft.com/office/powerpoint/2010/main" val="2456111049"/>
+        <p14:creationId xmlns:p14="http://schemas.microsoft.com/office/powerpoint/2010/main" val="1596915979"/>
       </p:ext>
     </p:extLst>
   </p:cSld>
@@ -1721,7 +1726,7 @@
           <a:p>
             <a:fld id="{DF659CEE-7ED8-4475-A00F-9EBDFFED20DC}" type="datetimeFigureOut">
               <a:rPr lang="en-US" smtClean="0"/>
-              <a:t>11/3/2022</a:t>
+              <a:t>11/4/2022</a:t>
             </a:fld>
             <a:endParaRPr lang="en-US"/>
           </a:p>
@@ -1772,7 +1777,7 @@
     </p:spTree>
     <p:extLst>
       <p:ext uri="{BB962C8B-B14F-4D97-AF65-F5344CB8AC3E}">
-        <p14:creationId xmlns:p14="http://schemas.microsoft.com/office/powerpoint/2010/main" val="3581011916"/>
+        <p14:creationId xmlns:p14="http://schemas.microsoft.com/office/powerpoint/2010/main" val="2553747048"/>
       </p:ext>
     </p:extLst>
   </p:cSld>
@@ -1816,7 +1821,7 @@
           <a:p>
             <a:fld id="{DF659CEE-7ED8-4475-A00F-9EBDFFED20DC}" type="datetimeFigureOut">
               <a:rPr lang="en-US" smtClean="0"/>
-              <a:t>11/3/2022</a:t>
+              <a:t>11/4/2022</a:t>
             </a:fld>
             <a:endParaRPr lang="en-US"/>
           </a:p>
@@ -1867,7 +1872,7 @@
     </p:spTree>
     <p:extLst>
       <p:ext uri="{BB962C8B-B14F-4D97-AF65-F5344CB8AC3E}">
-        <p14:creationId xmlns:p14="http://schemas.microsoft.com/office/powerpoint/2010/main" val="2326996355"/>
+        <p14:creationId xmlns:p14="http://schemas.microsoft.com/office/powerpoint/2010/main" val="14595500"/>
       </p:ext>
     </p:extLst>
   </p:cSld>
@@ -1906,15 +1911,15 @@
         </p:nvSpPr>
         <p:spPr>
           <a:xfrm>
-            <a:off x="714913" y="352319"/>
-            <a:ext cx="3347522" cy="1233117"/>
+            <a:off x="629841" y="304800"/>
+            <a:ext cx="2949178" cy="1066800"/>
           </a:xfrm>
         </p:spPr>
         <p:txBody>
           <a:bodyPr anchor="b"/>
           <a:lstStyle>
             <a:lvl1pPr>
-              <a:defRPr sz="2466"/>
+              <a:defRPr sz="2133"/>
             </a:lvl1pPr>
           </a:lstStyle>
           <a:p>
@@ -1938,39 +1943,39 @@
         </p:nvSpPr>
         <p:spPr>
           <a:xfrm>
-            <a:off x="4412459" y="760912"/>
-            <a:ext cx="5254407" cy="3755625"/>
+            <a:off x="3887391" y="658284"/>
+            <a:ext cx="4629150" cy="3249083"/>
           </a:xfrm>
         </p:spPr>
         <p:txBody>
           <a:bodyPr/>
           <a:lstStyle>
             <a:lvl1pPr>
-              <a:defRPr sz="2466"/>
+              <a:defRPr sz="2133"/>
             </a:lvl1pPr>
             <a:lvl2pPr>
-              <a:defRPr sz="2158"/>
+              <a:defRPr sz="1867"/>
             </a:lvl2pPr>
             <a:lvl3pPr>
-              <a:defRPr sz="1849"/>
+              <a:defRPr sz="1600"/>
             </a:lvl3pPr>
             <a:lvl4pPr>
-              <a:defRPr sz="1541"/>
+              <a:defRPr sz="1333"/>
             </a:lvl4pPr>
             <a:lvl5pPr>
-              <a:defRPr sz="1541"/>
+              <a:defRPr sz="1333"/>
             </a:lvl5pPr>
             <a:lvl6pPr>
-              <a:defRPr sz="1541"/>
+              <a:defRPr sz="1333"/>
             </a:lvl6pPr>
             <a:lvl7pPr>
-              <a:defRPr sz="1541"/>
+              <a:defRPr sz="1333"/>
             </a:lvl7pPr>
             <a:lvl8pPr>
-              <a:defRPr sz="1541"/>
+              <a:defRPr sz="1333"/>
             </a:lvl8pPr>
             <a:lvl9pPr>
-              <a:defRPr sz="1541"/>
+              <a:defRPr sz="1333"/>
             </a:lvl9pPr>
           </a:lstStyle>
           <a:p>
@@ -2023,8 +2028,8 @@
         </p:nvSpPr>
         <p:spPr>
           <a:xfrm>
-            <a:off x="714913" y="1585436"/>
-            <a:ext cx="3347522" cy="2937217"/>
+            <a:off x="629841" y="1371600"/>
+            <a:ext cx="2949178" cy="2541059"/>
           </a:xfrm>
         </p:spPr>
         <p:txBody>
@@ -2032,39 +2037,39 @@
           <a:lstStyle>
             <a:lvl1pPr marL="0" indent="0">
               <a:buNone/>
-              <a:defRPr sz="1233"/>
+              <a:defRPr sz="1067"/>
             </a:lvl1pPr>
-            <a:lvl2pPr marL="352318" indent="0">
-              <a:buNone/>
-              <a:defRPr sz="1079"/>
+            <a:lvl2pPr marL="304815" indent="0">
+              <a:buNone/>
+              <a:defRPr sz="933"/>
             </a:lvl2pPr>
-            <a:lvl3pPr marL="704637" indent="0">
-              <a:buNone/>
-              <a:defRPr sz="925"/>
+            <a:lvl3pPr marL="609630" indent="0">
+              <a:buNone/>
+              <a:defRPr sz="800"/>
             </a:lvl3pPr>
-            <a:lvl4pPr marL="1056955" indent="0">
-              <a:buNone/>
-              <a:defRPr sz="771"/>
+            <a:lvl4pPr marL="914446" indent="0">
+              <a:buNone/>
+              <a:defRPr sz="667"/>
             </a:lvl4pPr>
-            <a:lvl5pPr marL="1409273" indent="0">
-              <a:buNone/>
-              <a:defRPr sz="771"/>
+            <a:lvl5pPr marL="1219261" indent="0">
+              <a:buNone/>
+              <a:defRPr sz="667"/>
             </a:lvl5pPr>
-            <a:lvl6pPr marL="1761592" indent="0">
-              <a:buNone/>
-              <a:defRPr sz="771"/>
+            <a:lvl6pPr marL="1524076" indent="0">
+              <a:buNone/>
+              <a:defRPr sz="667"/>
             </a:lvl6pPr>
-            <a:lvl7pPr marL="2113910" indent="0">
-              <a:buNone/>
-              <a:defRPr sz="771"/>
+            <a:lvl7pPr marL="1828891" indent="0">
+              <a:buNone/>
+              <a:defRPr sz="667"/>
             </a:lvl7pPr>
-            <a:lvl8pPr marL="2466228" indent="0">
-              <a:buNone/>
-              <a:defRPr sz="771"/>
+            <a:lvl8pPr marL="2133707" indent="0">
+              <a:buNone/>
+              <a:defRPr sz="667"/>
             </a:lvl8pPr>
-            <a:lvl9pPr marL="2818547" indent="0">
-              <a:buNone/>
-              <a:defRPr sz="771"/>
+            <a:lvl9pPr marL="2438522" indent="0">
+              <a:buNone/>
+              <a:defRPr sz="667"/>
             </a:lvl9pPr>
           </a:lstStyle>
           <a:p>
@@ -2093,7 +2098,7 @@
           <a:p>
             <a:fld id="{DF659CEE-7ED8-4475-A00F-9EBDFFED20DC}" type="datetimeFigureOut">
               <a:rPr lang="en-US" smtClean="0"/>
-              <a:t>11/3/2022</a:t>
+              <a:t>11/4/2022</a:t>
             </a:fld>
             <a:endParaRPr lang="en-US"/>
           </a:p>
@@ -2144,7 +2149,7 @@
     </p:spTree>
     <p:extLst>
       <p:ext uri="{BB962C8B-B14F-4D97-AF65-F5344CB8AC3E}">
-        <p14:creationId xmlns:p14="http://schemas.microsoft.com/office/powerpoint/2010/main" val="2353111944"/>
+        <p14:creationId xmlns:p14="http://schemas.microsoft.com/office/powerpoint/2010/main" val="184106293"/>
       </p:ext>
     </p:extLst>
   </p:cSld>
@@ -2183,15 +2188,15 @@
         </p:nvSpPr>
         <p:spPr>
           <a:xfrm>
-            <a:off x="714913" y="352319"/>
-            <a:ext cx="3347522" cy="1233117"/>
+            <a:off x="629841" y="304800"/>
+            <a:ext cx="2949178" cy="1066800"/>
           </a:xfrm>
         </p:spPr>
         <p:txBody>
           <a:bodyPr anchor="b"/>
           <a:lstStyle>
             <a:lvl1pPr>
-              <a:defRPr sz="2466"/>
+              <a:defRPr sz="2133"/>
             </a:lvl1pPr>
           </a:lstStyle>
           <a:p>
@@ -2215,8 +2220,8 @@
         </p:nvSpPr>
         <p:spPr>
           <a:xfrm>
-            <a:off x="4412459" y="760912"/>
-            <a:ext cx="5254407" cy="3755625"/>
+            <a:off x="3887391" y="658284"/>
+            <a:ext cx="4629150" cy="3249083"/>
           </a:xfrm>
         </p:spPr>
         <p:txBody>
@@ -2224,39 +2229,39 @@
           <a:lstStyle>
             <a:lvl1pPr marL="0" indent="0">
               <a:buNone/>
-              <a:defRPr sz="2466"/>
+              <a:defRPr sz="2133"/>
             </a:lvl1pPr>
-            <a:lvl2pPr marL="352318" indent="0">
-              <a:buNone/>
-              <a:defRPr sz="2158"/>
+            <a:lvl2pPr marL="304815" indent="0">
+              <a:buNone/>
+              <a:defRPr sz="1867"/>
             </a:lvl2pPr>
-            <a:lvl3pPr marL="704637" indent="0">
-              <a:buNone/>
-              <a:defRPr sz="1849"/>
+            <a:lvl3pPr marL="609630" indent="0">
+              <a:buNone/>
+              <a:defRPr sz="1600"/>
             </a:lvl3pPr>
-            <a:lvl4pPr marL="1056955" indent="0">
-              <a:buNone/>
-              <a:defRPr sz="1541"/>
+            <a:lvl4pPr marL="914446" indent="0">
+              <a:buNone/>
+              <a:defRPr sz="1333"/>
             </a:lvl4pPr>
-            <a:lvl5pPr marL="1409273" indent="0">
-              <a:buNone/>
-              <a:defRPr sz="1541"/>
+            <a:lvl5pPr marL="1219261" indent="0">
+              <a:buNone/>
+              <a:defRPr sz="1333"/>
             </a:lvl5pPr>
-            <a:lvl6pPr marL="1761592" indent="0">
-              <a:buNone/>
-              <a:defRPr sz="1541"/>
+            <a:lvl6pPr marL="1524076" indent="0">
+              <a:buNone/>
+              <a:defRPr sz="1333"/>
             </a:lvl6pPr>
-            <a:lvl7pPr marL="2113910" indent="0">
-              <a:buNone/>
-              <a:defRPr sz="1541"/>
+            <a:lvl7pPr marL="1828891" indent="0">
+              <a:buNone/>
+              <a:defRPr sz="1333"/>
             </a:lvl7pPr>
-            <a:lvl8pPr marL="2466228" indent="0">
-              <a:buNone/>
-              <a:defRPr sz="1541"/>
+            <a:lvl8pPr marL="2133707" indent="0">
+              <a:buNone/>
+              <a:defRPr sz="1333"/>
             </a:lvl8pPr>
-            <a:lvl9pPr marL="2818547" indent="0">
-              <a:buNone/>
-              <a:defRPr sz="1541"/>
+            <a:lvl9pPr marL="2438522" indent="0">
+              <a:buNone/>
+              <a:defRPr sz="1333"/>
             </a:lvl9pPr>
           </a:lstStyle>
           <a:p>
@@ -2280,8 +2285,8 @@
         </p:nvSpPr>
         <p:spPr>
           <a:xfrm>
-            <a:off x="714913" y="1585436"/>
-            <a:ext cx="3347522" cy="2937217"/>
+            <a:off x="629841" y="1371600"/>
+            <a:ext cx="2949178" cy="2541059"/>
           </a:xfrm>
         </p:spPr>
         <p:txBody>
@@ -2289,39 +2294,39 @@
           <a:lstStyle>
             <a:lvl1pPr marL="0" indent="0">
               <a:buNone/>
-              <a:defRPr sz="1233"/>
+              <a:defRPr sz="1067"/>
             </a:lvl1pPr>
-            <a:lvl2pPr marL="352318" indent="0">
-              <a:buNone/>
-              <a:defRPr sz="1079"/>
+            <a:lvl2pPr marL="304815" indent="0">
+              <a:buNone/>
+              <a:defRPr sz="933"/>
             </a:lvl2pPr>
-            <a:lvl3pPr marL="704637" indent="0">
-              <a:buNone/>
-              <a:defRPr sz="925"/>
+            <a:lvl3pPr marL="609630" indent="0">
+              <a:buNone/>
+              <a:defRPr sz="800"/>
             </a:lvl3pPr>
-            <a:lvl4pPr marL="1056955" indent="0">
-              <a:buNone/>
-              <a:defRPr sz="771"/>
+            <a:lvl4pPr marL="914446" indent="0">
+              <a:buNone/>
+              <a:defRPr sz="667"/>
             </a:lvl4pPr>
-            <a:lvl5pPr marL="1409273" indent="0">
-              <a:buNone/>
-              <a:defRPr sz="771"/>
+            <a:lvl5pPr marL="1219261" indent="0">
+              <a:buNone/>
+              <a:defRPr sz="667"/>
             </a:lvl5pPr>
-            <a:lvl6pPr marL="1761592" indent="0">
-              <a:buNone/>
-              <a:defRPr sz="771"/>
+            <a:lvl6pPr marL="1524076" indent="0">
+              <a:buNone/>
+              <a:defRPr sz="667"/>
             </a:lvl6pPr>
-            <a:lvl7pPr marL="2113910" indent="0">
-              <a:buNone/>
-              <a:defRPr sz="771"/>
+            <a:lvl7pPr marL="1828891" indent="0">
+              <a:buNone/>
+              <a:defRPr sz="667"/>
             </a:lvl7pPr>
-            <a:lvl8pPr marL="2466228" indent="0">
-              <a:buNone/>
-              <a:defRPr sz="771"/>
+            <a:lvl8pPr marL="2133707" indent="0">
+              <a:buNone/>
+              <a:defRPr sz="667"/>
             </a:lvl8pPr>
-            <a:lvl9pPr marL="2818547" indent="0">
-              <a:buNone/>
-              <a:defRPr sz="771"/>
+            <a:lvl9pPr marL="2438522" indent="0">
+              <a:buNone/>
+              <a:defRPr sz="667"/>
             </a:lvl9pPr>
           </a:lstStyle>
           <a:p>
@@ -2350,7 +2355,7 @@
           <a:p>
             <a:fld id="{DF659CEE-7ED8-4475-A00F-9EBDFFED20DC}" type="datetimeFigureOut">
               <a:rPr lang="en-US" smtClean="0"/>
-              <a:t>11/3/2022</a:t>
+              <a:t>11/4/2022</a:t>
             </a:fld>
             <a:endParaRPr lang="en-US"/>
           </a:p>
@@ -2401,7 +2406,7 @@
     </p:spTree>
     <p:extLst>
       <p:ext uri="{BB962C8B-B14F-4D97-AF65-F5344CB8AC3E}">
-        <p14:creationId xmlns:p14="http://schemas.microsoft.com/office/powerpoint/2010/main" val="3653984641"/>
+        <p14:creationId xmlns:p14="http://schemas.microsoft.com/office/powerpoint/2010/main" val="3521881686"/>
       </p:ext>
     </p:extLst>
   </p:cSld>
@@ -2445,8 +2450,8 @@
         </p:nvSpPr>
         <p:spPr>
           <a:xfrm>
-            <a:off x="713562" y="281367"/>
-            <a:ext cx="8951952" cy="1021481"/>
+            <a:off x="628650" y="243417"/>
+            <a:ext cx="7886700" cy="883709"/>
           </a:xfrm>
           <a:prstGeom prst="rect">
             <a:avLst/>
@@ -2478,8 +2483,8 @@
         </p:nvSpPr>
         <p:spPr>
           <a:xfrm>
-            <a:off x="713562" y="1406830"/>
-            <a:ext cx="8951952" cy="3353149"/>
+            <a:off x="628650" y="1217083"/>
+            <a:ext cx="7886700" cy="2900892"/>
           </a:xfrm>
           <a:prstGeom prst="rect">
             <a:avLst/>
@@ -2540,8 +2545,8 @@
         </p:nvSpPr>
         <p:spPr>
           <a:xfrm>
-            <a:off x="713561" y="4898216"/>
-            <a:ext cx="2335292" cy="281366"/>
+            <a:off x="628650" y="4237567"/>
+            <a:ext cx="2057400" cy="243417"/>
           </a:xfrm>
           <a:prstGeom prst="rect">
             <a:avLst/>
@@ -2551,7 +2556,7 @@
           <a:bodyPr vert="horz" lIns="91440" tIns="45720" rIns="91440" bIns="45720" rtlCol="0" anchor="ctr"/>
           <a:lstStyle>
             <a:lvl1pPr algn="l">
-              <a:defRPr sz="925">
+              <a:defRPr sz="800">
                 <a:solidFill>
                   <a:schemeClr val="tx1">
                     <a:tint val="75000"/>
@@ -2563,7 +2568,7 @@
           <a:p>
             <a:fld id="{DF659CEE-7ED8-4475-A00F-9EBDFFED20DC}" type="datetimeFigureOut">
               <a:rPr lang="en-US" smtClean="0"/>
-              <a:t>11/3/2022</a:t>
+              <a:t>11/4/2022</a:t>
             </a:fld>
             <a:endParaRPr lang="en-US"/>
           </a:p>
@@ -2581,8 +2586,8 @@
         </p:nvSpPr>
         <p:spPr>
           <a:xfrm>
-            <a:off x="3438069" y="4898216"/>
-            <a:ext cx="3502938" cy="281366"/>
+            <a:off x="3028950" y="4237567"/>
+            <a:ext cx="3086100" cy="243417"/>
           </a:xfrm>
           <a:prstGeom prst="rect">
             <a:avLst/>
@@ -2592,7 +2597,7 @@
           <a:bodyPr vert="horz" lIns="91440" tIns="45720" rIns="91440" bIns="45720" rtlCol="0" anchor="ctr"/>
           <a:lstStyle>
             <a:lvl1pPr algn="ctr">
-              <a:defRPr sz="925">
+              <a:defRPr sz="800">
                 <a:solidFill>
                   <a:schemeClr val="tx1">
                     <a:tint val="75000"/>
@@ -2618,8 +2623,8 @@
         </p:nvSpPr>
         <p:spPr>
           <a:xfrm>
-            <a:off x="7330222" y="4898216"/>
-            <a:ext cx="2335292" cy="281366"/>
+            <a:off x="6457950" y="4237567"/>
+            <a:ext cx="2057400" cy="243417"/>
           </a:xfrm>
           <a:prstGeom prst="rect">
             <a:avLst/>
@@ -2629,7 +2634,7 @@
           <a:bodyPr vert="horz" lIns="91440" tIns="45720" rIns="91440" bIns="45720" rtlCol="0" anchor="ctr"/>
           <a:lstStyle>
             <a:lvl1pPr algn="r">
-              <a:defRPr sz="925">
+              <a:defRPr sz="800">
                 <a:solidFill>
                   <a:schemeClr val="tx1">
                     <a:tint val="75000"/>
@@ -2650,27 +2655,27 @@
     </p:spTree>
     <p:extLst>
       <p:ext uri="{BB962C8B-B14F-4D97-AF65-F5344CB8AC3E}">
-        <p14:creationId xmlns:p14="http://schemas.microsoft.com/office/powerpoint/2010/main" val="345413472"/>
+        <p14:creationId xmlns:p14="http://schemas.microsoft.com/office/powerpoint/2010/main" val="888570336"/>
       </p:ext>
     </p:extLst>
   </p:cSld>
   <p:clrMap bg1="lt1" tx1="dk1" bg2="lt2" tx2="dk2" accent1="accent1" accent2="accent2" accent3="accent3" accent4="accent4" accent5="accent5" accent6="accent6" hlink="hlink" folHlink="folHlink"/>
   <p:sldLayoutIdLst>
-    <p:sldLayoutId id="2147483661" r:id="rId1"/>
-    <p:sldLayoutId id="2147483662" r:id="rId2"/>
-    <p:sldLayoutId id="2147483663" r:id="rId3"/>
-    <p:sldLayoutId id="2147483664" r:id="rId4"/>
-    <p:sldLayoutId id="2147483665" r:id="rId5"/>
-    <p:sldLayoutId id="2147483666" r:id="rId6"/>
-    <p:sldLayoutId id="2147483667" r:id="rId7"/>
-    <p:sldLayoutId id="2147483668" r:id="rId8"/>
-    <p:sldLayoutId id="2147483669" r:id="rId9"/>
-    <p:sldLayoutId id="2147483670" r:id="rId10"/>
-    <p:sldLayoutId id="2147483671" r:id="rId11"/>
+    <p:sldLayoutId id="2147483673" r:id="rId1"/>
+    <p:sldLayoutId id="2147483674" r:id="rId2"/>
+    <p:sldLayoutId id="2147483675" r:id="rId3"/>
+    <p:sldLayoutId id="2147483676" r:id="rId4"/>
+    <p:sldLayoutId id="2147483677" r:id="rId5"/>
+    <p:sldLayoutId id="2147483678" r:id="rId6"/>
+    <p:sldLayoutId id="2147483679" r:id="rId7"/>
+    <p:sldLayoutId id="2147483680" r:id="rId8"/>
+    <p:sldLayoutId id="2147483681" r:id="rId9"/>
+    <p:sldLayoutId id="2147483682" r:id="rId10"/>
+    <p:sldLayoutId id="2147483683" r:id="rId11"/>
   </p:sldLayoutIdLst>
   <p:txStyles>
     <p:titleStyle>
-      <a:lvl1pPr algn="l" defTabSz="704637" rtl="0" eaLnBrk="1" latinLnBrk="0" hangingPunct="1">
+      <a:lvl1pPr algn="l" defTabSz="609630" rtl="0" eaLnBrk="1" latinLnBrk="0" hangingPunct="1">
         <a:lnSpc>
           <a:spcPct val="90000"/>
         </a:lnSpc>
@@ -2678,7 +2683,7 @@
           <a:spcPct val="0"/>
         </a:spcBef>
         <a:buNone/>
-        <a:defRPr sz="3391" kern="1200">
+        <a:defRPr sz="2933" kern="1200">
           <a:solidFill>
             <a:schemeClr val="tx1"/>
           </a:solidFill>
@@ -2689,16 +2694,16 @@
       </a:lvl1pPr>
     </p:titleStyle>
     <p:bodyStyle>
-      <a:lvl1pPr marL="176159" indent="-176159" algn="l" defTabSz="704637" rtl="0" eaLnBrk="1" latinLnBrk="0" hangingPunct="1">
+      <a:lvl1pPr marL="152408" indent="-152408" algn="l" defTabSz="609630" rtl="0" eaLnBrk="1" latinLnBrk="0" hangingPunct="1">
         <a:lnSpc>
           <a:spcPct val="90000"/>
         </a:lnSpc>
         <a:spcBef>
-          <a:spcPts val="771"/>
+          <a:spcPts val="667"/>
         </a:spcBef>
         <a:buFont typeface="Arial" panose="020B0604020202020204" pitchFamily="34" charset="0"/>
         <a:buChar char="•"/>
-        <a:defRPr sz="2158" kern="1200">
+        <a:defRPr sz="1867" kern="1200">
           <a:solidFill>
             <a:schemeClr val="tx1"/>
           </a:solidFill>
@@ -2707,16 +2712,16 @@
           <a:cs typeface="+mn-cs"/>
         </a:defRPr>
       </a:lvl1pPr>
-      <a:lvl2pPr marL="528477" indent="-176159" algn="l" defTabSz="704637" rtl="0" eaLnBrk="1" latinLnBrk="0" hangingPunct="1">
+      <a:lvl2pPr marL="457223" indent="-152408" algn="l" defTabSz="609630" rtl="0" eaLnBrk="1" latinLnBrk="0" hangingPunct="1">
         <a:lnSpc>
           <a:spcPct val="90000"/>
         </a:lnSpc>
         <a:spcBef>
-          <a:spcPts val="385"/>
+          <a:spcPts val="333"/>
         </a:spcBef>
         <a:buFont typeface="Arial" panose="020B0604020202020204" pitchFamily="34" charset="0"/>
         <a:buChar char="•"/>
-        <a:defRPr sz="1849" kern="1200">
+        <a:defRPr sz="1600" kern="1200">
           <a:solidFill>
             <a:schemeClr val="tx1"/>
           </a:solidFill>
@@ -2725,16 +2730,16 @@
           <a:cs typeface="+mn-cs"/>
         </a:defRPr>
       </a:lvl2pPr>
-      <a:lvl3pPr marL="880796" indent="-176159" algn="l" defTabSz="704637" rtl="0" eaLnBrk="1" latinLnBrk="0" hangingPunct="1">
+      <a:lvl3pPr marL="762038" indent="-152408" algn="l" defTabSz="609630" rtl="0" eaLnBrk="1" latinLnBrk="0" hangingPunct="1">
         <a:lnSpc>
           <a:spcPct val="90000"/>
         </a:lnSpc>
         <a:spcBef>
-          <a:spcPts val="385"/>
+          <a:spcPts val="333"/>
         </a:spcBef>
         <a:buFont typeface="Arial" panose="020B0604020202020204" pitchFamily="34" charset="0"/>
         <a:buChar char="•"/>
-        <a:defRPr sz="1541" kern="1200">
+        <a:defRPr sz="1333" kern="1200">
           <a:solidFill>
             <a:schemeClr val="tx1"/>
           </a:solidFill>
@@ -2743,16 +2748,16 @@
           <a:cs typeface="+mn-cs"/>
         </a:defRPr>
       </a:lvl3pPr>
-      <a:lvl4pPr marL="1233114" indent="-176159" algn="l" defTabSz="704637" rtl="0" eaLnBrk="1" latinLnBrk="0" hangingPunct="1">
+      <a:lvl4pPr marL="1066853" indent="-152408" algn="l" defTabSz="609630" rtl="0" eaLnBrk="1" latinLnBrk="0" hangingPunct="1">
         <a:lnSpc>
           <a:spcPct val="90000"/>
         </a:lnSpc>
         <a:spcBef>
-          <a:spcPts val="385"/>
+          <a:spcPts val="333"/>
         </a:spcBef>
         <a:buFont typeface="Arial" panose="020B0604020202020204" pitchFamily="34" charset="0"/>
         <a:buChar char="•"/>
-        <a:defRPr sz="1387" kern="1200">
+        <a:defRPr sz="1200" kern="1200">
           <a:solidFill>
             <a:schemeClr val="tx1"/>
           </a:solidFill>
@@ -2761,16 +2766,16 @@
           <a:cs typeface="+mn-cs"/>
         </a:defRPr>
       </a:lvl4pPr>
-      <a:lvl5pPr marL="1585432" indent="-176159" algn="l" defTabSz="704637" rtl="0" eaLnBrk="1" latinLnBrk="0" hangingPunct="1">
+      <a:lvl5pPr marL="1371669" indent="-152408" algn="l" defTabSz="609630" rtl="0" eaLnBrk="1" latinLnBrk="0" hangingPunct="1">
         <a:lnSpc>
           <a:spcPct val="90000"/>
         </a:lnSpc>
         <a:spcBef>
-          <a:spcPts val="385"/>
+          <a:spcPts val="333"/>
         </a:spcBef>
         <a:buFont typeface="Arial" panose="020B0604020202020204" pitchFamily="34" charset="0"/>
         <a:buChar char="•"/>
-        <a:defRPr sz="1387" kern="1200">
+        <a:defRPr sz="1200" kern="1200">
           <a:solidFill>
             <a:schemeClr val="tx1"/>
           </a:solidFill>
@@ -2779,16 +2784,16 @@
           <a:cs typeface="+mn-cs"/>
         </a:defRPr>
       </a:lvl5pPr>
-      <a:lvl6pPr marL="1937751" indent="-176159" algn="l" defTabSz="704637" rtl="0" eaLnBrk="1" latinLnBrk="0" hangingPunct="1">
+      <a:lvl6pPr marL="1676484" indent="-152408" algn="l" defTabSz="609630" rtl="0" eaLnBrk="1" latinLnBrk="0" hangingPunct="1">
         <a:lnSpc>
           <a:spcPct val="90000"/>
         </a:lnSpc>
         <a:spcBef>
-          <a:spcPts val="385"/>
+          <a:spcPts val="333"/>
         </a:spcBef>
         <a:buFont typeface="Arial" panose="020B0604020202020204" pitchFamily="34" charset="0"/>
         <a:buChar char="•"/>
-        <a:defRPr sz="1387" kern="1200">
+        <a:defRPr sz="1200" kern="1200">
           <a:solidFill>
             <a:schemeClr val="tx1"/>
           </a:solidFill>
@@ -2797,16 +2802,16 @@
           <a:cs typeface="+mn-cs"/>
         </a:defRPr>
       </a:lvl6pPr>
-      <a:lvl7pPr marL="2290069" indent="-176159" algn="l" defTabSz="704637" rtl="0" eaLnBrk="1" latinLnBrk="0" hangingPunct="1">
+      <a:lvl7pPr marL="1981299" indent="-152408" algn="l" defTabSz="609630" rtl="0" eaLnBrk="1" latinLnBrk="0" hangingPunct="1">
         <a:lnSpc>
           <a:spcPct val="90000"/>
         </a:lnSpc>
         <a:spcBef>
-          <a:spcPts val="385"/>
+          <a:spcPts val="333"/>
         </a:spcBef>
         <a:buFont typeface="Arial" panose="020B0604020202020204" pitchFamily="34" charset="0"/>
         <a:buChar char="•"/>
-        <a:defRPr sz="1387" kern="1200">
+        <a:defRPr sz="1200" kern="1200">
           <a:solidFill>
             <a:schemeClr val="tx1"/>
           </a:solidFill>
@@ -2815,16 +2820,16 @@
           <a:cs typeface="+mn-cs"/>
         </a:defRPr>
       </a:lvl7pPr>
-      <a:lvl8pPr marL="2642387" indent="-176159" algn="l" defTabSz="704637" rtl="0" eaLnBrk="1" latinLnBrk="0" hangingPunct="1">
+      <a:lvl8pPr marL="2286114" indent="-152408" algn="l" defTabSz="609630" rtl="0" eaLnBrk="1" latinLnBrk="0" hangingPunct="1">
         <a:lnSpc>
           <a:spcPct val="90000"/>
         </a:lnSpc>
         <a:spcBef>
-          <a:spcPts val="385"/>
+          <a:spcPts val="333"/>
         </a:spcBef>
         <a:buFont typeface="Arial" panose="020B0604020202020204" pitchFamily="34" charset="0"/>
         <a:buChar char="•"/>
-        <a:defRPr sz="1387" kern="1200">
+        <a:defRPr sz="1200" kern="1200">
           <a:solidFill>
             <a:schemeClr val="tx1"/>
           </a:solidFill>
@@ -2833,16 +2838,16 @@
           <a:cs typeface="+mn-cs"/>
         </a:defRPr>
       </a:lvl8pPr>
-      <a:lvl9pPr marL="2994706" indent="-176159" algn="l" defTabSz="704637" rtl="0" eaLnBrk="1" latinLnBrk="0" hangingPunct="1">
+      <a:lvl9pPr marL="2590930" indent="-152408" algn="l" defTabSz="609630" rtl="0" eaLnBrk="1" latinLnBrk="0" hangingPunct="1">
         <a:lnSpc>
           <a:spcPct val="90000"/>
         </a:lnSpc>
         <a:spcBef>
-          <a:spcPts val="385"/>
+          <a:spcPts val="333"/>
         </a:spcBef>
         <a:buFont typeface="Arial" panose="020B0604020202020204" pitchFamily="34" charset="0"/>
         <a:buChar char="•"/>
-        <a:defRPr sz="1387" kern="1200">
+        <a:defRPr sz="1200" kern="1200">
           <a:solidFill>
             <a:schemeClr val="tx1"/>
           </a:solidFill>
@@ -2856,8 +2861,8 @@
       <a:defPPr>
         <a:defRPr lang="en-US"/>
       </a:defPPr>
-      <a:lvl1pPr marL="0" algn="l" defTabSz="704637" rtl="0" eaLnBrk="1" latinLnBrk="0" hangingPunct="1">
-        <a:defRPr sz="1387" kern="1200">
+      <a:lvl1pPr marL="0" algn="l" defTabSz="609630" rtl="0" eaLnBrk="1" latinLnBrk="0" hangingPunct="1">
+        <a:defRPr sz="1200" kern="1200">
           <a:solidFill>
             <a:schemeClr val="tx1"/>
           </a:solidFill>
@@ -2866,8 +2871,8 @@
           <a:cs typeface="+mn-cs"/>
         </a:defRPr>
       </a:lvl1pPr>
-      <a:lvl2pPr marL="352318" algn="l" defTabSz="704637" rtl="0" eaLnBrk="1" latinLnBrk="0" hangingPunct="1">
-        <a:defRPr sz="1387" kern="1200">
+      <a:lvl2pPr marL="304815" algn="l" defTabSz="609630" rtl="0" eaLnBrk="1" latinLnBrk="0" hangingPunct="1">
+        <a:defRPr sz="1200" kern="1200">
           <a:solidFill>
             <a:schemeClr val="tx1"/>
           </a:solidFill>
@@ -2876,8 +2881,8 @@
           <a:cs typeface="+mn-cs"/>
         </a:defRPr>
       </a:lvl2pPr>
-      <a:lvl3pPr marL="704637" algn="l" defTabSz="704637" rtl="0" eaLnBrk="1" latinLnBrk="0" hangingPunct="1">
-        <a:defRPr sz="1387" kern="1200">
+      <a:lvl3pPr marL="609630" algn="l" defTabSz="609630" rtl="0" eaLnBrk="1" latinLnBrk="0" hangingPunct="1">
+        <a:defRPr sz="1200" kern="1200">
           <a:solidFill>
             <a:schemeClr val="tx1"/>
           </a:solidFill>
@@ -2886,8 +2891,8 @@
           <a:cs typeface="+mn-cs"/>
         </a:defRPr>
       </a:lvl3pPr>
-      <a:lvl4pPr marL="1056955" algn="l" defTabSz="704637" rtl="0" eaLnBrk="1" latinLnBrk="0" hangingPunct="1">
-        <a:defRPr sz="1387" kern="1200">
+      <a:lvl4pPr marL="914446" algn="l" defTabSz="609630" rtl="0" eaLnBrk="1" latinLnBrk="0" hangingPunct="1">
+        <a:defRPr sz="1200" kern="1200">
           <a:solidFill>
             <a:schemeClr val="tx1"/>
           </a:solidFill>
@@ -2896,8 +2901,8 @@
           <a:cs typeface="+mn-cs"/>
         </a:defRPr>
       </a:lvl4pPr>
-      <a:lvl5pPr marL="1409273" algn="l" defTabSz="704637" rtl="0" eaLnBrk="1" latinLnBrk="0" hangingPunct="1">
-        <a:defRPr sz="1387" kern="1200">
+      <a:lvl5pPr marL="1219261" algn="l" defTabSz="609630" rtl="0" eaLnBrk="1" latinLnBrk="0" hangingPunct="1">
+        <a:defRPr sz="1200" kern="1200">
           <a:solidFill>
             <a:schemeClr val="tx1"/>
           </a:solidFill>
@@ -2906,8 +2911,8 @@
           <a:cs typeface="+mn-cs"/>
         </a:defRPr>
       </a:lvl5pPr>
-      <a:lvl6pPr marL="1761592" algn="l" defTabSz="704637" rtl="0" eaLnBrk="1" latinLnBrk="0" hangingPunct="1">
-        <a:defRPr sz="1387" kern="1200">
+      <a:lvl6pPr marL="1524076" algn="l" defTabSz="609630" rtl="0" eaLnBrk="1" latinLnBrk="0" hangingPunct="1">
+        <a:defRPr sz="1200" kern="1200">
           <a:solidFill>
             <a:schemeClr val="tx1"/>
           </a:solidFill>
@@ -2916,8 +2921,8 @@
           <a:cs typeface="+mn-cs"/>
         </a:defRPr>
       </a:lvl6pPr>
-      <a:lvl7pPr marL="2113910" algn="l" defTabSz="704637" rtl="0" eaLnBrk="1" latinLnBrk="0" hangingPunct="1">
-        <a:defRPr sz="1387" kern="1200">
+      <a:lvl7pPr marL="1828891" algn="l" defTabSz="609630" rtl="0" eaLnBrk="1" latinLnBrk="0" hangingPunct="1">
+        <a:defRPr sz="1200" kern="1200">
           <a:solidFill>
             <a:schemeClr val="tx1"/>
           </a:solidFill>
@@ -2926,8 +2931,8 @@
           <a:cs typeface="+mn-cs"/>
         </a:defRPr>
       </a:lvl7pPr>
-      <a:lvl8pPr marL="2466228" algn="l" defTabSz="704637" rtl="0" eaLnBrk="1" latinLnBrk="0" hangingPunct="1">
-        <a:defRPr sz="1387" kern="1200">
+      <a:lvl8pPr marL="2133707" algn="l" defTabSz="609630" rtl="0" eaLnBrk="1" latinLnBrk="0" hangingPunct="1">
+        <a:defRPr sz="1200" kern="1200">
           <a:solidFill>
             <a:schemeClr val="tx1"/>
           </a:solidFill>
@@ -2936,8 +2941,8 @@
           <a:cs typeface="+mn-cs"/>
         </a:defRPr>
       </a:lvl8pPr>
-      <a:lvl9pPr marL="2818547" algn="l" defTabSz="704637" rtl="0" eaLnBrk="1" latinLnBrk="0" hangingPunct="1">
-        <a:defRPr sz="1387" kern="1200">
+      <a:lvl9pPr marL="2438522" algn="l" defTabSz="609630" rtl="0" eaLnBrk="1" latinLnBrk="0" hangingPunct="1">
+        <a:defRPr sz="1200" kern="1200">
           <a:solidFill>
             <a:schemeClr val="tx1"/>
           </a:solidFill>
@@ -2970,30 +2975,32 @@
       </p:grpSpPr>
       <p:grpSp>
         <p:nvGrpSpPr>
-          <p:cNvPr id="37" name="Group 36">
+          <p:cNvPr id="39" name="Group 38">
             <a:extLst>
               <a:ext uri="{FF2B5EF4-FFF2-40B4-BE49-F238E27FC236}">
-                <a16:creationId xmlns:a16="http://schemas.microsoft.com/office/drawing/2014/main" id="{D19543F7-F4CE-42FA-B68F-EC0FBAA03D7C}"/>
+                <a16:creationId xmlns:a16="http://schemas.microsoft.com/office/drawing/2014/main" id="{7E845F57-F477-4D2B-9211-F7A527E5418C}"/>
               </a:ext>
             </a:extLst>
           </p:cNvPr>
-          <p:cNvGrpSpPr/>
+          <p:cNvGrpSpPr>
+            <a:grpSpLocks noChangeAspect="1"/>
+          </p:cNvGrpSpPr>
           <p:nvPr/>
         </p:nvGrpSpPr>
         <p:grpSpPr>
           <a:xfrm>
-            <a:off x="69273" y="48347"/>
-            <a:ext cx="10378440" cy="5188093"/>
-            <a:chOff x="287382" y="252549"/>
-            <a:chExt cx="10378440" cy="5188093"/>
+            <a:off x="275013" y="4816"/>
+            <a:ext cx="9013767" cy="4567184"/>
+            <a:chOff x="287382" y="252548"/>
+            <a:chExt cx="10655816" cy="5399193"/>
           </a:xfrm>
         </p:grpSpPr>
         <p:pic>
           <p:nvPicPr>
-            <p:cNvPr id="7" name="Picture 6">
+            <p:cNvPr id="40" name="Picture 39">
               <a:extLst>
                 <a:ext uri="{FF2B5EF4-FFF2-40B4-BE49-F238E27FC236}">
-                  <a16:creationId xmlns:a16="http://schemas.microsoft.com/office/drawing/2014/main" id="{E6A7F83D-3CCA-4035-B319-3769BCF78F43}"/>
+                  <a16:creationId xmlns:a16="http://schemas.microsoft.com/office/drawing/2014/main" id="{042E7644-59DC-4E5D-BE66-206C55548E50}"/>
                 </a:ext>
               </a:extLst>
             </p:cNvPr>
@@ -3026,10 +3033,10 @@
         </p:pic>
         <p:pic>
           <p:nvPicPr>
-            <p:cNvPr id="9" name="Picture 8">
+            <p:cNvPr id="41" name="Picture 40">
               <a:extLst>
                 <a:ext uri="{FF2B5EF4-FFF2-40B4-BE49-F238E27FC236}">
-                  <a16:creationId xmlns:a16="http://schemas.microsoft.com/office/drawing/2014/main" id="{E1D2AE51-F547-4499-A10F-B31363CA876C}"/>
+                  <a16:creationId xmlns:a16="http://schemas.microsoft.com/office/drawing/2014/main" id="{71F11F1A-BDDE-4709-A520-8A4699B20A80}"/>
                 </a:ext>
               </a:extLst>
             </p:cNvPr>
@@ -3052,8 +3059,8 @@
           </p:blipFill>
           <p:spPr>
             <a:xfrm rot="5400000">
-              <a:off x="6571236" y="1206819"/>
-              <a:ext cx="4650439" cy="2741899"/>
+              <a:off x="6574370" y="1062031"/>
+              <a:ext cx="4648607" cy="3029642"/>
             </a:xfrm>
             <a:prstGeom prst="rect">
               <a:avLst/>
@@ -3062,10 +3069,10 @@
         </p:pic>
         <p:sp>
           <p:nvSpPr>
-            <p:cNvPr id="10" name="TextBox 9">
+            <p:cNvPr id="42" name="TextBox 41">
               <a:extLst>
                 <a:ext uri="{FF2B5EF4-FFF2-40B4-BE49-F238E27FC236}">
-                  <a16:creationId xmlns:a16="http://schemas.microsoft.com/office/drawing/2014/main" id="{EB7A91F5-B4DC-477B-9416-F01B00C22753}"/>
+                  <a16:creationId xmlns:a16="http://schemas.microsoft.com/office/drawing/2014/main" id="{FF80968E-DAE5-45F1-9C9E-55118609C275}"/>
                 </a:ext>
               </a:extLst>
             </p:cNvPr>
@@ -3074,7 +3081,7 @@
           </p:nvSpPr>
           <p:spPr>
             <a:xfrm>
-              <a:off x="7620000" y="775062"/>
+              <a:off x="7564581" y="483132"/>
               <a:ext cx="931817" cy="646331"/>
             </a:xfrm>
             <a:prstGeom prst="rect">
@@ -3130,10 +3137,10 @@
         </p:sp>
         <p:sp>
           <p:nvSpPr>
-            <p:cNvPr id="11" name="TextBox 10">
+            <p:cNvPr id="43" name="TextBox 42">
               <a:extLst>
                 <a:ext uri="{FF2B5EF4-FFF2-40B4-BE49-F238E27FC236}">
-                  <a16:creationId xmlns:a16="http://schemas.microsoft.com/office/drawing/2014/main" id="{D5116C59-8650-4116-957D-F55ABD1146D7}"/>
+                  <a16:creationId xmlns:a16="http://schemas.microsoft.com/office/drawing/2014/main" id="{45035D72-97EE-4CF3-9354-B88AC6BF5C0E}"/>
                 </a:ext>
               </a:extLst>
             </p:cNvPr>
@@ -3142,7 +3149,7 @@
           </p:nvSpPr>
           <p:spPr>
             <a:xfrm>
-              <a:off x="9183188" y="775061"/>
+              <a:off x="9300952" y="483132"/>
               <a:ext cx="931817" cy="646331"/>
             </a:xfrm>
             <a:prstGeom prst="rect">
@@ -3198,10 +3205,10 @@
         </p:sp>
         <p:sp>
           <p:nvSpPr>
-            <p:cNvPr id="13" name="TextBox 12">
+            <p:cNvPr id="44" name="TextBox 43">
               <a:extLst>
                 <a:ext uri="{FF2B5EF4-FFF2-40B4-BE49-F238E27FC236}">
-                  <a16:creationId xmlns:a16="http://schemas.microsoft.com/office/drawing/2014/main" id="{2DF6E661-E233-4669-9802-4E319E8602D5}"/>
+                  <a16:creationId xmlns:a16="http://schemas.microsoft.com/office/drawing/2014/main" id="{D25D69CE-0D73-44A9-B054-C600A4A9DB68}"/>
                 </a:ext>
               </a:extLst>
             </p:cNvPr>
@@ -3210,7 +3217,7 @@
           </p:nvSpPr>
           <p:spPr>
             <a:xfrm>
-              <a:off x="7620000" y="2329542"/>
+              <a:off x="7564580" y="2203217"/>
               <a:ext cx="931817" cy="646331"/>
             </a:xfrm>
             <a:prstGeom prst="rect">
@@ -3266,10 +3273,10 @@
         </p:sp>
         <p:sp>
           <p:nvSpPr>
-            <p:cNvPr id="14" name="TextBox 13">
+            <p:cNvPr id="45" name="TextBox 44">
               <a:extLst>
                 <a:ext uri="{FF2B5EF4-FFF2-40B4-BE49-F238E27FC236}">
-                  <a16:creationId xmlns:a16="http://schemas.microsoft.com/office/drawing/2014/main" id="{E025AA3E-6D85-4E00-993F-71F1ADB5FF28}"/>
+                  <a16:creationId xmlns:a16="http://schemas.microsoft.com/office/drawing/2014/main" id="{5B6BB447-F194-410A-926A-67FA12713FA2}"/>
                 </a:ext>
               </a:extLst>
             </p:cNvPr>
@@ -3278,7 +3285,7 @@
           </p:nvSpPr>
           <p:spPr>
             <a:xfrm>
-              <a:off x="9183188" y="2329541"/>
+              <a:off x="9300952" y="2203217"/>
               <a:ext cx="931817" cy="646331"/>
             </a:xfrm>
             <a:prstGeom prst="rect">
@@ -3334,10 +3341,10 @@
         </p:sp>
         <p:sp>
           <p:nvSpPr>
-            <p:cNvPr id="15" name="TextBox 14">
+            <p:cNvPr id="46" name="TextBox 45">
               <a:extLst>
                 <a:ext uri="{FF2B5EF4-FFF2-40B4-BE49-F238E27FC236}">
-                  <a16:creationId xmlns:a16="http://schemas.microsoft.com/office/drawing/2014/main" id="{BCAE1DC2-2D93-40C1-8485-AFFC1D37BED6}"/>
+                  <a16:creationId xmlns:a16="http://schemas.microsoft.com/office/drawing/2014/main" id="{5B3C20FE-914B-44D4-9728-171B59DA01F5}"/>
                 </a:ext>
               </a:extLst>
             </p:cNvPr>
@@ -3346,7 +3353,7 @@
           </p:nvSpPr>
           <p:spPr>
             <a:xfrm>
-              <a:off x="7620000" y="3740330"/>
+              <a:off x="7564581" y="3780858"/>
               <a:ext cx="931817" cy="646331"/>
             </a:xfrm>
             <a:prstGeom prst="rect">
@@ -3402,10 +3409,10 @@
         </p:sp>
         <p:sp>
           <p:nvSpPr>
-            <p:cNvPr id="16" name="TextBox 15">
+            <p:cNvPr id="47" name="TextBox 46">
               <a:extLst>
                 <a:ext uri="{FF2B5EF4-FFF2-40B4-BE49-F238E27FC236}">
-                  <a16:creationId xmlns:a16="http://schemas.microsoft.com/office/drawing/2014/main" id="{52AC7DF8-1C6C-4501-AB01-C388CBBC7DDA}"/>
+                  <a16:creationId xmlns:a16="http://schemas.microsoft.com/office/drawing/2014/main" id="{583FCF5C-07F8-4723-891B-B80D71B7CB9E}"/>
                 </a:ext>
               </a:extLst>
             </p:cNvPr>
@@ -3414,7 +3421,7 @@
           </p:nvSpPr>
           <p:spPr>
             <a:xfrm>
-              <a:off x="9183188" y="3740329"/>
+              <a:off x="9300951" y="3780858"/>
               <a:ext cx="931817" cy="646331"/>
             </a:xfrm>
             <a:prstGeom prst="rect">
@@ -3470,24 +3477,24 @@
         </p:sp>
         <p:cxnSp>
           <p:nvCxnSpPr>
-            <p:cNvPr id="18" name="Straight Arrow Connector 17">
+            <p:cNvPr id="48" name="Straight Arrow Connector 47">
               <a:extLst>
                 <a:ext uri="{FF2B5EF4-FFF2-40B4-BE49-F238E27FC236}">
-                  <a16:creationId xmlns:a16="http://schemas.microsoft.com/office/drawing/2014/main" id="{2C29429C-33A6-495C-8D11-94EED1AFD7B4}"/>
+                  <a16:creationId xmlns:a16="http://schemas.microsoft.com/office/drawing/2014/main" id="{599BE48B-0015-4E15-93F7-A4B25E72DBC1}"/>
                 </a:ext>
               </a:extLst>
             </p:cNvPr>
             <p:cNvCxnSpPr>
               <a:cxnSpLocks/>
-              <a:stCxn id="11" idx="1"/>
-              <a:endCxn id="10" idx="3"/>
+              <a:stCxn id="43" idx="1"/>
+              <a:endCxn id="42" idx="3"/>
             </p:cNvCxnSpPr>
             <p:nvPr/>
           </p:nvCxnSpPr>
           <p:spPr>
             <a:xfrm flipH="1">
-              <a:off x="8551817" y="1098227"/>
-              <a:ext cx="631371" cy="1"/>
+              <a:off x="8496398" y="806297"/>
+              <a:ext cx="804554" cy="0"/>
             </a:xfrm>
             <a:prstGeom prst="straightConnector1">
               <a:avLst/>
@@ -3516,24 +3523,24 @@
         </p:cxnSp>
         <p:cxnSp>
           <p:nvCxnSpPr>
-            <p:cNvPr id="20" name="Straight Arrow Connector 19">
+            <p:cNvPr id="49" name="Straight Arrow Connector 48">
               <a:extLst>
                 <a:ext uri="{FF2B5EF4-FFF2-40B4-BE49-F238E27FC236}">
-                  <a16:creationId xmlns:a16="http://schemas.microsoft.com/office/drawing/2014/main" id="{AB79D348-652B-4A68-A325-107EC417DC4A}"/>
+                  <a16:creationId xmlns:a16="http://schemas.microsoft.com/office/drawing/2014/main" id="{798837F7-E3C8-4598-A7C4-2F79FE6E37EA}"/>
                 </a:ext>
               </a:extLst>
             </p:cNvPr>
             <p:cNvCxnSpPr>
               <a:cxnSpLocks/>
-              <a:stCxn id="14" idx="1"/>
-              <a:endCxn id="13" idx="3"/>
+              <a:stCxn id="45" idx="1"/>
+              <a:endCxn id="44" idx="3"/>
             </p:cNvCxnSpPr>
             <p:nvPr/>
           </p:nvCxnSpPr>
           <p:spPr>
             <a:xfrm flipH="1">
-              <a:off x="8551817" y="2652707"/>
-              <a:ext cx="631371" cy="1"/>
+              <a:off x="8496397" y="2526382"/>
+              <a:ext cx="804555" cy="0"/>
             </a:xfrm>
             <a:prstGeom prst="straightConnector1">
               <a:avLst/>
@@ -3562,24 +3569,24 @@
         </p:cxnSp>
         <p:cxnSp>
           <p:nvCxnSpPr>
-            <p:cNvPr id="22" name="Straight Arrow Connector 21">
+            <p:cNvPr id="50" name="Straight Arrow Connector 49">
               <a:extLst>
                 <a:ext uri="{FF2B5EF4-FFF2-40B4-BE49-F238E27FC236}">
-                  <a16:creationId xmlns:a16="http://schemas.microsoft.com/office/drawing/2014/main" id="{6E058A76-DF46-466A-A193-620E4477501E}"/>
+                  <a16:creationId xmlns:a16="http://schemas.microsoft.com/office/drawing/2014/main" id="{17A6C106-FE6F-4B53-8B41-61C38371F97A}"/>
                 </a:ext>
               </a:extLst>
             </p:cNvPr>
             <p:cNvCxnSpPr>
               <a:cxnSpLocks/>
-              <a:stCxn id="16" idx="1"/>
-              <a:endCxn id="15" idx="3"/>
+              <a:stCxn id="47" idx="1"/>
+              <a:endCxn id="46" idx="3"/>
             </p:cNvCxnSpPr>
             <p:nvPr/>
           </p:nvCxnSpPr>
           <p:spPr>
             <a:xfrm flipH="1">
-              <a:off x="8551817" y="4063495"/>
-              <a:ext cx="631371" cy="1"/>
+              <a:off x="8496398" y="4104024"/>
+              <a:ext cx="804553" cy="0"/>
             </a:xfrm>
             <a:prstGeom prst="straightConnector1">
               <a:avLst/>
@@ -3608,24 +3615,24 @@
         </p:cxnSp>
         <p:cxnSp>
           <p:nvCxnSpPr>
-            <p:cNvPr id="24" name="Straight Arrow Connector 23">
+            <p:cNvPr id="51" name="Straight Arrow Connector 50">
               <a:extLst>
                 <a:ext uri="{FF2B5EF4-FFF2-40B4-BE49-F238E27FC236}">
-                  <a16:creationId xmlns:a16="http://schemas.microsoft.com/office/drawing/2014/main" id="{0429C866-301D-41A4-A199-5EEB2D535B84}"/>
+                  <a16:creationId xmlns:a16="http://schemas.microsoft.com/office/drawing/2014/main" id="{CCAEB725-399B-4562-B033-02AB680F7262}"/>
                 </a:ext>
               </a:extLst>
             </p:cNvPr>
             <p:cNvCxnSpPr>
               <a:cxnSpLocks/>
-              <a:stCxn id="15" idx="0"/>
-              <a:endCxn id="13" idx="2"/>
+              <a:stCxn id="46" idx="0"/>
+              <a:endCxn id="44" idx="2"/>
             </p:cNvCxnSpPr>
             <p:nvPr/>
           </p:nvCxnSpPr>
           <p:spPr>
-            <a:xfrm flipV="1">
-              <a:off x="8085909" y="2975873"/>
-              <a:ext cx="0" cy="764457"/>
+            <a:xfrm flipH="1" flipV="1">
+              <a:off x="8030489" y="3134526"/>
+              <a:ext cx="1" cy="646332"/>
             </a:xfrm>
             <a:prstGeom prst="straightConnector1">
               <a:avLst/>
@@ -3654,24 +3661,24 @@
         </p:cxnSp>
         <p:cxnSp>
           <p:nvCxnSpPr>
-            <p:cNvPr id="29" name="Straight Arrow Connector 28">
+            <p:cNvPr id="52" name="Straight Arrow Connector 51">
               <a:extLst>
                 <a:ext uri="{FF2B5EF4-FFF2-40B4-BE49-F238E27FC236}">
-                  <a16:creationId xmlns:a16="http://schemas.microsoft.com/office/drawing/2014/main" id="{3140C9B8-C915-4722-A8EF-35B069B39799}"/>
+                  <a16:creationId xmlns:a16="http://schemas.microsoft.com/office/drawing/2014/main" id="{D93E2D4E-51A7-460D-828F-BB539457AA3B}"/>
                 </a:ext>
               </a:extLst>
             </p:cNvPr>
             <p:cNvCxnSpPr>
               <a:cxnSpLocks/>
-              <a:stCxn id="16" idx="0"/>
-              <a:endCxn id="14" idx="2"/>
+              <a:stCxn id="47" idx="0"/>
+              <a:endCxn id="45" idx="2"/>
             </p:cNvCxnSpPr>
             <p:nvPr/>
           </p:nvCxnSpPr>
           <p:spPr>
             <a:xfrm flipV="1">
-              <a:off x="9649097" y="2975872"/>
-              <a:ext cx="0" cy="764457"/>
+              <a:off x="9766860" y="3134526"/>
+              <a:ext cx="1" cy="646332"/>
             </a:xfrm>
             <a:prstGeom prst="straightConnector1">
               <a:avLst/>
@@ -3700,24 +3707,24 @@
         </p:cxnSp>
         <p:cxnSp>
           <p:nvCxnSpPr>
-            <p:cNvPr id="31" name="Straight Arrow Connector 30">
+            <p:cNvPr id="53" name="Straight Arrow Connector 52">
               <a:extLst>
                 <a:ext uri="{FF2B5EF4-FFF2-40B4-BE49-F238E27FC236}">
-                  <a16:creationId xmlns:a16="http://schemas.microsoft.com/office/drawing/2014/main" id="{A1A6771D-69BB-466F-94D0-4A50D6472456}"/>
+                  <a16:creationId xmlns:a16="http://schemas.microsoft.com/office/drawing/2014/main" id="{055F69F8-BC73-40AC-B9A5-6EB8B62F17A7}"/>
                 </a:ext>
               </a:extLst>
             </p:cNvPr>
             <p:cNvCxnSpPr>
               <a:cxnSpLocks/>
-              <a:stCxn id="13" idx="0"/>
-              <a:endCxn id="10" idx="2"/>
+              <a:stCxn id="44" idx="0"/>
+              <a:endCxn id="42" idx="2"/>
             </p:cNvCxnSpPr>
             <p:nvPr/>
           </p:nvCxnSpPr>
           <p:spPr>
             <a:xfrm flipV="1">
-              <a:off x="8085909" y="1421393"/>
-              <a:ext cx="0" cy="908149"/>
+              <a:off x="8030489" y="1129462"/>
+              <a:ext cx="1" cy="1073754"/>
             </a:xfrm>
             <a:prstGeom prst="straightConnector1">
               <a:avLst/>
@@ -3746,24 +3753,24 @@
         </p:cxnSp>
         <p:cxnSp>
           <p:nvCxnSpPr>
-            <p:cNvPr id="33" name="Straight Arrow Connector 32">
+            <p:cNvPr id="54" name="Straight Arrow Connector 53">
               <a:extLst>
                 <a:ext uri="{FF2B5EF4-FFF2-40B4-BE49-F238E27FC236}">
-                  <a16:creationId xmlns:a16="http://schemas.microsoft.com/office/drawing/2014/main" id="{06579D4C-69C2-41D1-93B6-44AB7FDE2C49}"/>
+                  <a16:creationId xmlns:a16="http://schemas.microsoft.com/office/drawing/2014/main" id="{13D54304-05BD-4FC5-8DCB-D2075505596F}"/>
                 </a:ext>
               </a:extLst>
             </p:cNvPr>
             <p:cNvCxnSpPr>
               <a:cxnSpLocks/>
-              <a:stCxn id="14" idx="0"/>
-              <a:endCxn id="11" idx="2"/>
+              <a:stCxn id="45" idx="0"/>
+              <a:endCxn id="43" idx="2"/>
             </p:cNvCxnSpPr>
             <p:nvPr/>
           </p:nvCxnSpPr>
           <p:spPr>
             <a:xfrm flipV="1">
-              <a:off x="9649097" y="1421392"/>
-              <a:ext cx="0" cy="908149"/>
+              <a:off x="9766861" y="1129462"/>
+              <a:ext cx="0" cy="1073754"/>
             </a:xfrm>
             <a:prstGeom prst="straightConnector1">
               <a:avLst/>
@@ -3792,10 +3799,10 @@
         </p:cxnSp>
         <p:sp>
           <p:nvSpPr>
-            <p:cNvPr id="34" name="TextBox 33">
+            <p:cNvPr id="55" name="TextBox 54">
               <a:extLst>
                 <a:ext uri="{FF2B5EF4-FFF2-40B4-BE49-F238E27FC236}">
-                  <a16:creationId xmlns:a16="http://schemas.microsoft.com/office/drawing/2014/main" id="{46B64C77-9A1E-4E26-B756-AB928481029F}"/>
+                  <a16:creationId xmlns:a16="http://schemas.microsoft.com/office/drawing/2014/main" id="{853F2E35-564A-4A01-BE52-6BB37539D1B9}"/>
                 </a:ext>
               </a:extLst>
             </p:cNvPr>
@@ -3831,10 +3838,10 @@
         </p:sp>
         <p:sp>
           <p:nvSpPr>
-            <p:cNvPr id="35" name="TextBox 34">
+            <p:cNvPr id="56" name="TextBox 55">
               <a:extLst>
                 <a:ext uri="{FF2B5EF4-FFF2-40B4-BE49-F238E27FC236}">
-                  <a16:creationId xmlns:a16="http://schemas.microsoft.com/office/drawing/2014/main" id="{84E2D8AE-DDEF-4F88-B4C3-112AC89133D1}"/>
+                  <a16:creationId xmlns:a16="http://schemas.microsoft.com/office/drawing/2014/main" id="{9AD20D12-D7C7-4AEF-A343-B880E5F9B4A2}"/>
                 </a:ext>
               </a:extLst>
             </p:cNvPr>
@@ -3843,8 +3850,8 @@
           </p:nvSpPr>
           <p:spPr>
             <a:xfrm>
-              <a:off x="7069182" y="4892800"/>
-              <a:ext cx="3596640" cy="547842"/>
+              <a:off x="6810102" y="4892800"/>
+              <a:ext cx="4133096" cy="758941"/>
             </a:xfrm>
             <a:prstGeom prst="rect">
               <a:avLst/>

--- a/Pictures/Figures/Figure 8.pptx
+++ b/Pictures/Figures/Figure 8.pptx
@@ -243,7 +243,7 @@
           <a:p>
             <a:fld id="{DF659CEE-7ED8-4475-A00F-9EBDFFED20DC}" type="datetimeFigureOut">
               <a:rPr lang="en-US" smtClean="0"/>
-              <a:t>11/4/2022</a:t>
+              <a:t>11/7/2022</a:t>
             </a:fld>
             <a:endParaRPr lang="en-US"/>
           </a:p>
@@ -413,7 +413,7 @@
           <a:p>
             <a:fld id="{DF659CEE-7ED8-4475-A00F-9EBDFFED20DC}" type="datetimeFigureOut">
               <a:rPr lang="en-US" smtClean="0"/>
-              <a:t>11/4/2022</a:t>
+              <a:t>11/7/2022</a:t>
             </a:fld>
             <a:endParaRPr lang="en-US"/>
           </a:p>
@@ -593,7 +593,7 @@
           <a:p>
             <a:fld id="{DF659CEE-7ED8-4475-A00F-9EBDFFED20DC}" type="datetimeFigureOut">
               <a:rPr lang="en-US" smtClean="0"/>
-              <a:t>11/4/2022</a:t>
+              <a:t>11/7/2022</a:t>
             </a:fld>
             <a:endParaRPr lang="en-US"/>
           </a:p>
@@ -763,7 +763,7 @@
           <a:p>
             <a:fld id="{DF659CEE-7ED8-4475-A00F-9EBDFFED20DC}" type="datetimeFigureOut">
               <a:rPr lang="en-US" smtClean="0"/>
-              <a:t>11/4/2022</a:t>
+              <a:t>11/7/2022</a:t>
             </a:fld>
             <a:endParaRPr lang="en-US"/>
           </a:p>
@@ -1009,7 +1009,7 @@
           <a:p>
             <a:fld id="{DF659CEE-7ED8-4475-A00F-9EBDFFED20DC}" type="datetimeFigureOut">
               <a:rPr lang="en-US" smtClean="0"/>
-              <a:t>11/4/2022</a:t>
+              <a:t>11/7/2022</a:t>
             </a:fld>
             <a:endParaRPr lang="en-US"/>
           </a:p>
@@ -1241,7 +1241,7 @@
           <a:p>
             <a:fld id="{DF659CEE-7ED8-4475-A00F-9EBDFFED20DC}" type="datetimeFigureOut">
               <a:rPr lang="en-US" smtClean="0"/>
-              <a:t>11/4/2022</a:t>
+              <a:t>11/7/2022</a:t>
             </a:fld>
             <a:endParaRPr lang="en-US"/>
           </a:p>
@@ -1608,7 +1608,7 @@
           <a:p>
             <a:fld id="{DF659CEE-7ED8-4475-A00F-9EBDFFED20DC}" type="datetimeFigureOut">
               <a:rPr lang="en-US" smtClean="0"/>
-              <a:t>11/4/2022</a:t>
+              <a:t>11/7/2022</a:t>
             </a:fld>
             <a:endParaRPr lang="en-US"/>
           </a:p>
@@ -1726,7 +1726,7 @@
           <a:p>
             <a:fld id="{DF659CEE-7ED8-4475-A00F-9EBDFFED20DC}" type="datetimeFigureOut">
               <a:rPr lang="en-US" smtClean="0"/>
-              <a:t>11/4/2022</a:t>
+              <a:t>11/7/2022</a:t>
             </a:fld>
             <a:endParaRPr lang="en-US"/>
           </a:p>
@@ -1821,7 +1821,7 @@
           <a:p>
             <a:fld id="{DF659CEE-7ED8-4475-A00F-9EBDFFED20DC}" type="datetimeFigureOut">
               <a:rPr lang="en-US" smtClean="0"/>
-              <a:t>11/4/2022</a:t>
+              <a:t>11/7/2022</a:t>
             </a:fld>
             <a:endParaRPr lang="en-US"/>
           </a:p>
@@ -2098,7 +2098,7 @@
           <a:p>
             <a:fld id="{DF659CEE-7ED8-4475-A00F-9EBDFFED20DC}" type="datetimeFigureOut">
               <a:rPr lang="en-US" smtClean="0"/>
-              <a:t>11/4/2022</a:t>
+              <a:t>11/7/2022</a:t>
             </a:fld>
             <a:endParaRPr lang="en-US"/>
           </a:p>
@@ -2355,7 +2355,7 @@
           <a:p>
             <a:fld id="{DF659CEE-7ED8-4475-A00F-9EBDFFED20DC}" type="datetimeFigureOut">
               <a:rPr lang="en-US" smtClean="0"/>
-              <a:t>11/4/2022</a:t>
+              <a:t>11/7/2022</a:t>
             </a:fld>
             <a:endParaRPr lang="en-US"/>
           </a:p>
@@ -2568,7 +2568,7 @@
           <a:p>
             <a:fld id="{DF659CEE-7ED8-4475-A00F-9EBDFFED20DC}" type="datetimeFigureOut">
               <a:rPr lang="en-US" smtClean="0"/>
-              <a:t>11/4/2022</a:t>
+              <a:t>11/7/2022</a:t>
             </a:fld>
             <a:endParaRPr lang="en-US"/>
           </a:p>
@@ -3812,7 +3812,7 @@
           <p:spPr>
             <a:xfrm>
               <a:off x="1750422" y="4901155"/>
-              <a:ext cx="3596640" cy="320088"/>
+              <a:ext cx="3596640" cy="436614"/>
             </a:xfrm>
             <a:prstGeom prst="rect">
               <a:avLst/>
@@ -3831,7 +3831,7 @@
                   <a:latin typeface="Arial" panose="020B0604020202020204" pitchFamily="34" charset="0"/>
                   <a:cs typeface="Arial" panose="020B0604020202020204" pitchFamily="34" charset="0"/>
                 </a:rPr>
-                <a:t>(A) Tall Box Layers</a:t>
+                <a:t>(A) Tall Box Jobs</a:t>
               </a:r>
             </a:p>
           </p:txBody>
@@ -3876,11 +3876,18 @@
             <a:p>
               <a:pPr algn="ctr"/>
               <a:r>
+                <a:rPr lang="en-US">
+                  <a:latin typeface="Arial" panose="020B0604020202020204" pitchFamily="34" charset="0"/>
+                  <a:cs typeface="Arial" panose="020B0604020202020204" pitchFamily="34" charset="0"/>
+                </a:rPr>
+                <a:t>Jobs </a:t>
+              </a:r>
+              <a:r>
                 <a:rPr lang="en-US" dirty="0">
                   <a:latin typeface="Arial" panose="020B0604020202020204" pitchFamily="34" charset="0"/>
                   <a:cs typeface="Arial" panose="020B0604020202020204" pitchFamily="34" charset="0"/>
                 </a:rPr>
-                <a:t>Layers 0-3</a:t>
+                <a:t>0-3</a:t>
               </a:r>
             </a:p>
           </p:txBody>

--- a/Pictures/Figures/Figure 8.pptx
+++ b/Pictures/Figures/Figure 8.pptx
@@ -4,6 +4,9 @@
   <p:sldMasterIdLst>
     <p:sldMasterId id="2147483672" r:id="rId1"/>
   </p:sldMasterIdLst>
+  <p:notesMasterIdLst>
+    <p:notesMasterId r:id="rId3"/>
+  </p:notesMasterIdLst>
   <p:sldIdLst>
     <p:sldId id="256" r:id="rId2"/>
   </p:sldIdLst>
@@ -112,6 +115,439 @@
 </p:presentation>
 </file>
 
+<file path=ppt/notesMasters/notesMaster1.xml><?xml version="1.0" encoding="utf-8"?>
+<p:notesMaster xmlns:a="http://schemas.openxmlformats.org/drawingml/2006/main" xmlns:r="http://schemas.openxmlformats.org/officeDocument/2006/relationships" xmlns:p="http://schemas.openxmlformats.org/presentationml/2006/main">
+  <p:cSld>
+    <p:bg>
+      <p:bgRef idx="1001">
+        <a:schemeClr val="bg1"/>
+      </p:bgRef>
+    </p:bg>
+    <p:spTree>
+      <p:nvGrpSpPr>
+        <p:cNvPr id="1" name=""/>
+        <p:cNvGrpSpPr/>
+        <p:nvPr/>
+      </p:nvGrpSpPr>
+      <p:grpSpPr>
+        <a:xfrm>
+          <a:off x="0" y="0"/>
+          <a:ext cx="0" cy="0"/>
+          <a:chOff x="0" y="0"/>
+          <a:chExt cx="0" cy="0"/>
+        </a:xfrm>
+      </p:grpSpPr>
+      <p:sp>
+        <p:nvSpPr>
+          <p:cNvPr id="2" name="Header Placeholder 1"/>
+          <p:cNvSpPr>
+            <a:spLocks noGrp="1"/>
+          </p:cNvSpPr>
+          <p:nvPr>
+            <p:ph type="hdr" sz="quarter"/>
+          </p:nvPr>
+        </p:nvSpPr>
+        <p:spPr>
+          <a:xfrm>
+            <a:off x="0" y="0"/>
+            <a:ext cx="2971800" cy="458788"/>
+          </a:xfrm>
+          <a:prstGeom prst="rect">
+            <a:avLst/>
+          </a:prstGeom>
+        </p:spPr>
+        <p:txBody>
+          <a:bodyPr vert="horz" lIns="91440" tIns="45720" rIns="91440" bIns="45720" rtlCol="0"/>
+          <a:lstStyle>
+            <a:lvl1pPr algn="l">
+              <a:defRPr sz="1200"/>
+            </a:lvl1pPr>
+          </a:lstStyle>
+          <a:p>
+            <a:endParaRPr lang="en-US"/>
+          </a:p>
+        </p:txBody>
+      </p:sp>
+      <p:sp>
+        <p:nvSpPr>
+          <p:cNvPr id="3" name="Date Placeholder 2"/>
+          <p:cNvSpPr>
+            <a:spLocks noGrp="1"/>
+          </p:cNvSpPr>
+          <p:nvPr>
+            <p:ph type="dt" idx="1"/>
+          </p:nvPr>
+        </p:nvSpPr>
+        <p:spPr>
+          <a:xfrm>
+            <a:off x="3884613" y="0"/>
+            <a:ext cx="2971800" cy="458788"/>
+          </a:xfrm>
+          <a:prstGeom prst="rect">
+            <a:avLst/>
+          </a:prstGeom>
+        </p:spPr>
+        <p:txBody>
+          <a:bodyPr vert="horz" lIns="91440" tIns="45720" rIns="91440" bIns="45720" rtlCol="0"/>
+          <a:lstStyle>
+            <a:lvl1pPr algn="r">
+              <a:defRPr sz="1200"/>
+            </a:lvl1pPr>
+          </a:lstStyle>
+          <a:p>
+            <a:fld id="{909F552A-A5DF-434C-8A11-28744204938F}" type="datetimeFigureOut">
+              <a:rPr lang="en-US" smtClean="0"/>
+              <a:t>11/13/2022</a:t>
+            </a:fld>
+            <a:endParaRPr lang="en-US"/>
+          </a:p>
+        </p:txBody>
+      </p:sp>
+      <p:sp>
+        <p:nvSpPr>
+          <p:cNvPr id="4" name="Slide Image Placeholder 3"/>
+          <p:cNvSpPr>
+            <a:spLocks noGrp="1" noRot="1" noChangeAspect="1"/>
+          </p:cNvSpPr>
+          <p:nvPr>
+            <p:ph type="sldImg" idx="2"/>
+          </p:nvPr>
+        </p:nvSpPr>
+        <p:spPr>
+          <a:xfrm>
+            <a:off x="342900" y="1143000"/>
+            <a:ext cx="6172200" cy="3086100"/>
+          </a:xfrm>
+          <a:prstGeom prst="rect">
+            <a:avLst/>
+          </a:prstGeom>
+          <a:noFill/>
+          <a:ln w="12700">
+            <a:solidFill>
+              <a:prstClr val="black"/>
+            </a:solidFill>
+          </a:ln>
+        </p:spPr>
+        <p:txBody>
+          <a:bodyPr vert="horz" lIns="91440" tIns="45720" rIns="91440" bIns="45720" rtlCol="0" anchor="ctr"/>
+          <a:lstStyle/>
+          <a:p>
+            <a:endParaRPr lang="en-US"/>
+          </a:p>
+        </p:txBody>
+      </p:sp>
+      <p:sp>
+        <p:nvSpPr>
+          <p:cNvPr id="5" name="Notes Placeholder 4"/>
+          <p:cNvSpPr>
+            <a:spLocks noGrp="1"/>
+          </p:cNvSpPr>
+          <p:nvPr>
+            <p:ph type="body" sz="quarter" idx="3"/>
+          </p:nvPr>
+        </p:nvSpPr>
+        <p:spPr>
+          <a:xfrm>
+            <a:off x="685800" y="4400550"/>
+            <a:ext cx="5486400" cy="3600450"/>
+          </a:xfrm>
+          <a:prstGeom prst="rect">
+            <a:avLst/>
+          </a:prstGeom>
+        </p:spPr>
+        <p:txBody>
+          <a:bodyPr vert="horz" lIns="91440" tIns="45720" rIns="91440" bIns="45720" rtlCol="0"/>
+          <a:lstStyle/>
+          <a:p>
+            <a:pPr lvl="0"/>
+            <a:r>
+              <a:rPr lang="en-US"/>
+              <a:t>Edit Master text styles</a:t>
+            </a:r>
+          </a:p>
+          <a:p>
+            <a:pPr lvl="1"/>
+            <a:r>
+              <a:rPr lang="en-US"/>
+              <a:t>Second level</a:t>
+            </a:r>
+          </a:p>
+          <a:p>
+            <a:pPr lvl="2"/>
+            <a:r>
+              <a:rPr lang="en-US"/>
+              <a:t>Third level</a:t>
+            </a:r>
+          </a:p>
+          <a:p>
+            <a:pPr lvl="3"/>
+            <a:r>
+              <a:rPr lang="en-US"/>
+              <a:t>Fourth level</a:t>
+            </a:r>
+          </a:p>
+          <a:p>
+            <a:pPr lvl="4"/>
+            <a:r>
+              <a:rPr lang="en-US"/>
+              <a:t>Fifth level</a:t>
+            </a:r>
+          </a:p>
+        </p:txBody>
+      </p:sp>
+      <p:sp>
+        <p:nvSpPr>
+          <p:cNvPr id="6" name="Footer Placeholder 5"/>
+          <p:cNvSpPr>
+            <a:spLocks noGrp="1"/>
+          </p:cNvSpPr>
+          <p:nvPr>
+            <p:ph type="ftr" sz="quarter" idx="4"/>
+          </p:nvPr>
+        </p:nvSpPr>
+        <p:spPr>
+          <a:xfrm>
+            <a:off x="0" y="8685213"/>
+            <a:ext cx="2971800" cy="458787"/>
+          </a:xfrm>
+          <a:prstGeom prst="rect">
+            <a:avLst/>
+          </a:prstGeom>
+        </p:spPr>
+        <p:txBody>
+          <a:bodyPr vert="horz" lIns="91440" tIns="45720" rIns="91440" bIns="45720" rtlCol="0" anchor="b"/>
+          <a:lstStyle>
+            <a:lvl1pPr algn="l">
+              <a:defRPr sz="1200"/>
+            </a:lvl1pPr>
+          </a:lstStyle>
+          <a:p>
+            <a:endParaRPr lang="en-US"/>
+          </a:p>
+        </p:txBody>
+      </p:sp>
+      <p:sp>
+        <p:nvSpPr>
+          <p:cNvPr id="7" name="Slide Number Placeholder 6"/>
+          <p:cNvSpPr>
+            <a:spLocks noGrp="1"/>
+          </p:cNvSpPr>
+          <p:nvPr>
+            <p:ph type="sldNum" sz="quarter" idx="5"/>
+          </p:nvPr>
+        </p:nvSpPr>
+        <p:spPr>
+          <a:xfrm>
+            <a:off x="3884613" y="8685213"/>
+            <a:ext cx="2971800" cy="458787"/>
+          </a:xfrm>
+          <a:prstGeom prst="rect">
+            <a:avLst/>
+          </a:prstGeom>
+        </p:spPr>
+        <p:txBody>
+          <a:bodyPr vert="horz" lIns="91440" tIns="45720" rIns="91440" bIns="45720" rtlCol="0" anchor="b"/>
+          <a:lstStyle>
+            <a:lvl1pPr algn="r">
+              <a:defRPr sz="1200"/>
+            </a:lvl1pPr>
+          </a:lstStyle>
+          <a:p>
+            <a:fld id="{36598997-EC29-495B-BFBA-AB1902DE69CE}" type="slidenum">
+              <a:rPr lang="en-US" smtClean="0"/>
+              <a:t>‹#›</a:t>
+            </a:fld>
+            <a:endParaRPr lang="en-US"/>
+          </a:p>
+        </p:txBody>
+      </p:sp>
+    </p:spTree>
+    <p:extLst>
+      <p:ext uri="{BB962C8B-B14F-4D97-AF65-F5344CB8AC3E}">
+        <p14:creationId xmlns:p14="http://schemas.microsoft.com/office/powerpoint/2010/main" val="43310538"/>
+      </p:ext>
+    </p:extLst>
+  </p:cSld>
+  <p:clrMap bg1="lt1" tx1="dk1" bg2="lt2" tx2="dk2" accent1="accent1" accent2="accent2" accent3="accent3" accent4="accent4" accent5="accent5" accent6="accent6" hlink="hlink" folHlink="folHlink"/>
+  <p:notesStyle>
+    <a:lvl1pPr marL="0" algn="l" defTabSz="914400" rtl="0" eaLnBrk="1" latinLnBrk="0" hangingPunct="1">
+      <a:defRPr sz="1200" kern="1200">
+        <a:solidFill>
+          <a:schemeClr val="tx1"/>
+        </a:solidFill>
+        <a:latin typeface="+mn-lt"/>
+        <a:ea typeface="+mn-ea"/>
+        <a:cs typeface="+mn-cs"/>
+      </a:defRPr>
+    </a:lvl1pPr>
+    <a:lvl2pPr marL="457200" algn="l" defTabSz="914400" rtl="0" eaLnBrk="1" latinLnBrk="0" hangingPunct="1">
+      <a:defRPr sz="1200" kern="1200">
+        <a:solidFill>
+          <a:schemeClr val="tx1"/>
+        </a:solidFill>
+        <a:latin typeface="+mn-lt"/>
+        <a:ea typeface="+mn-ea"/>
+        <a:cs typeface="+mn-cs"/>
+      </a:defRPr>
+    </a:lvl2pPr>
+    <a:lvl3pPr marL="914400" algn="l" defTabSz="914400" rtl="0" eaLnBrk="1" latinLnBrk="0" hangingPunct="1">
+      <a:defRPr sz="1200" kern="1200">
+        <a:solidFill>
+          <a:schemeClr val="tx1"/>
+        </a:solidFill>
+        <a:latin typeface="+mn-lt"/>
+        <a:ea typeface="+mn-ea"/>
+        <a:cs typeface="+mn-cs"/>
+      </a:defRPr>
+    </a:lvl3pPr>
+    <a:lvl4pPr marL="1371600" algn="l" defTabSz="914400" rtl="0" eaLnBrk="1" latinLnBrk="0" hangingPunct="1">
+      <a:defRPr sz="1200" kern="1200">
+        <a:solidFill>
+          <a:schemeClr val="tx1"/>
+        </a:solidFill>
+        <a:latin typeface="+mn-lt"/>
+        <a:ea typeface="+mn-ea"/>
+        <a:cs typeface="+mn-cs"/>
+      </a:defRPr>
+    </a:lvl4pPr>
+    <a:lvl5pPr marL="1828800" algn="l" defTabSz="914400" rtl="0" eaLnBrk="1" latinLnBrk="0" hangingPunct="1">
+      <a:defRPr sz="1200" kern="1200">
+        <a:solidFill>
+          <a:schemeClr val="tx1"/>
+        </a:solidFill>
+        <a:latin typeface="+mn-lt"/>
+        <a:ea typeface="+mn-ea"/>
+        <a:cs typeface="+mn-cs"/>
+      </a:defRPr>
+    </a:lvl5pPr>
+    <a:lvl6pPr marL="2286000" algn="l" defTabSz="914400" rtl="0" eaLnBrk="1" latinLnBrk="0" hangingPunct="1">
+      <a:defRPr sz="1200" kern="1200">
+        <a:solidFill>
+          <a:schemeClr val="tx1"/>
+        </a:solidFill>
+        <a:latin typeface="+mn-lt"/>
+        <a:ea typeface="+mn-ea"/>
+        <a:cs typeface="+mn-cs"/>
+      </a:defRPr>
+    </a:lvl6pPr>
+    <a:lvl7pPr marL="2743200" algn="l" defTabSz="914400" rtl="0" eaLnBrk="1" latinLnBrk="0" hangingPunct="1">
+      <a:defRPr sz="1200" kern="1200">
+        <a:solidFill>
+          <a:schemeClr val="tx1"/>
+        </a:solidFill>
+        <a:latin typeface="+mn-lt"/>
+        <a:ea typeface="+mn-ea"/>
+        <a:cs typeface="+mn-cs"/>
+      </a:defRPr>
+    </a:lvl7pPr>
+    <a:lvl8pPr marL="3200400" algn="l" defTabSz="914400" rtl="0" eaLnBrk="1" latinLnBrk="0" hangingPunct="1">
+      <a:defRPr sz="1200" kern="1200">
+        <a:solidFill>
+          <a:schemeClr val="tx1"/>
+        </a:solidFill>
+        <a:latin typeface="+mn-lt"/>
+        <a:ea typeface="+mn-ea"/>
+        <a:cs typeface="+mn-cs"/>
+      </a:defRPr>
+    </a:lvl8pPr>
+    <a:lvl9pPr marL="3657600" algn="l" defTabSz="914400" rtl="0" eaLnBrk="1" latinLnBrk="0" hangingPunct="1">
+      <a:defRPr sz="1200" kern="1200">
+        <a:solidFill>
+          <a:schemeClr val="tx1"/>
+        </a:solidFill>
+        <a:latin typeface="+mn-lt"/>
+        <a:ea typeface="+mn-ea"/>
+        <a:cs typeface="+mn-cs"/>
+      </a:defRPr>
+    </a:lvl9pPr>
+  </p:notesStyle>
+</p:notesMaster>
+</file>
+
+<file path=ppt/notesSlides/notesSlide1.xml><?xml version="1.0" encoding="utf-8"?>
+<p:notes xmlns:a="http://schemas.openxmlformats.org/drawingml/2006/main" xmlns:r="http://schemas.openxmlformats.org/officeDocument/2006/relationships" xmlns:p="http://schemas.openxmlformats.org/presentationml/2006/main">
+  <p:cSld>
+    <p:spTree>
+      <p:nvGrpSpPr>
+        <p:cNvPr id="1" name=""/>
+        <p:cNvGrpSpPr/>
+        <p:nvPr/>
+      </p:nvGrpSpPr>
+      <p:grpSpPr>
+        <a:xfrm>
+          <a:off x="0" y="0"/>
+          <a:ext cx="0" cy="0"/>
+          <a:chOff x="0" y="0"/>
+          <a:chExt cx="0" cy="0"/>
+        </a:xfrm>
+      </p:grpSpPr>
+      <p:sp>
+        <p:nvSpPr>
+          <p:cNvPr id="2" name="Slide Image Placeholder 1"/>
+          <p:cNvSpPr>
+            <a:spLocks noGrp="1" noRot="1" noChangeAspect="1"/>
+          </p:cNvSpPr>
+          <p:nvPr>
+            <p:ph type="sldImg"/>
+          </p:nvPr>
+        </p:nvSpPr>
+        <p:spPr/>
+      </p:sp>
+      <p:sp>
+        <p:nvSpPr>
+          <p:cNvPr id="3" name="Notes Placeholder 2"/>
+          <p:cNvSpPr>
+            <a:spLocks noGrp="1"/>
+          </p:cNvSpPr>
+          <p:nvPr>
+            <p:ph type="body" idx="1"/>
+          </p:nvPr>
+        </p:nvSpPr>
+        <p:spPr/>
+        <p:txBody>
+          <a:bodyPr/>
+          <a:lstStyle/>
+          <a:p>
+            <a:endParaRPr lang="en-US" dirty="0"/>
+          </a:p>
+        </p:txBody>
+      </p:sp>
+      <p:sp>
+        <p:nvSpPr>
+          <p:cNvPr id="4" name="Slide Number Placeholder 3"/>
+          <p:cNvSpPr>
+            <a:spLocks noGrp="1"/>
+          </p:cNvSpPr>
+          <p:nvPr>
+            <p:ph type="sldNum" sz="quarter" idx="5"/>
+          </p:nvPr>
+        </p:nvSpPr>
+        <p:spPr/>
+        <p:txBody>
+          <a:bodyPr/>
+          <a:lstStyle/>
+          <a:p>
+            <a:fld id="{36598997-EC29-495B-BFBA-AB1902DE69CE}" type="slidenum">
+              <a:rPr lang="en-US" smtClean="0"/>
+              <a:t>1</a:t>
+            </a:fld>
+            <a:endParaRPr lang="en-US"/>
+          </a:p>
+        </p:txBody>
+      </p:sp>
+    </p:spTree>
+    <p:extLst>
+      <p:ext uri="{BB962C8B-B14F-4D97-AF65-F5344CB8AC3E}">
+        <p14:creationId xmlns:p14="http://schemas.microsoft.com/office/powerpoint/2010/main" val="4139950664"/>
+      </p:ext>
+    </p:extLst>
+  </p:cSld>
+  <p:clrMapOvr>
+    <a:masterClrMapping/>
+  </p:clrMapOvr>
+</p:notes>
+</file>
+
 <file path=ppt/slideLayouts/slideLayout1.xml><?xml version="1.0" encoding="utf-8"?>
 <p:sldLayout xmlns:a="http://schemas.openxmlformats.org/drawingml/2006/main" xmlns:r="http://schemas.openxmlformats.org/officeDocument/2006/relationships" xmlns:p="http://schemas.openxmlformats.org/presentationml/2006/main" type="title" preserve="1">
   <p:cSld name="Title Slide">
@@ -243,7 +679,7 @@
           <a:p>
             <a:fld id="{DF659CEE-7ED8-4475-A00F-9EBDFFED20DC}" type="datetimeFigureOut">
               <a:rPr lang="en-US" smtClean="0"/>
-              <a:t>11/7/2022</a:t>
+              <a:t>11/13/2022</a:t>
             </a:fld>
             <a:endParaRPr lang="en-US"/>
           </a:p>
@@ -413,7 +849,7 @@
           <a:p>
             <a:fld id="{DF659CEE-7ED8-4475-A00F-9EBDFFED20DC}" type="datetimeFigureOut">
               <a:rPr lang="en-US" smtClean="0"/>
-              <a:t>11/7/2022</a:t>
+              <a:t>11/13/2022</a:t>
             </a:fld>
             <a:endParaRPr lang="en-US"/>
           </a:p>
@@ -593,7 +1029,7 @@
           <a:p>
             <a:fld id="{DF659CEE-7ED8-4475-A00F-9EBDFFED20DC}" type="datetimeFigureOut">
               <a:rPr lang="en-US" smtClean="0"/>
-              <a:t>11/7/2022</a:t>
+              <a:t>11/13/2022</a:t>
             </a:fld>
             <a:endParaRPr lang="en-US"/>
           </a:p>
@@ -763,7 +1199,7 @@
           <a:p>
             <a:fld id="{DF659CEE-7ED8-4475-A00F-9EBDFFED20DC}" type="datetimeFigureOut">
               <a:rPr lang="en-US" smtClean="0"/>
-              <a:t>11/7/2022</a:t>
+              <a:t>11/13/2022</a:t>
             </a:fld>
             <a:endParaRPr lang="en-US"/>
           </a:p>
@@ -1009,7 +1445,7 @@
           <a:p>
             <a:fld id="{DF659CEE-7ED8-4475-A00F-9EBDFFED20DC}" type="datetimeFigureOut">
               <a:rPr lang="en-US" smtClean="0"/>
-              <a:t>11/7/2022</a:t>
+              <a:t>11/13/2022</a:t>
             </a:fld>
             <a:endParaRPr lang="en-US"/>
           </a:p>
@@ -1241,7 +1677,7 @@
           <a:p>
             <a:fld id="{DF659CEE-7ED8-4475-A00F-9EBDFFED20DC}" type="datetimeFigureOut">
               <a:rPr lang="en-US" smtClean="0"/>
-              <a:t>11/7/2022</a:t>
+              <a:t>11/13/2022</a:t>
             </a:fld>
             <a:endParaRPr lang="en-US"/>
           </a:p>
@@ -1608,7 +2044,7 @@
           <a:p>
             <a:fld id="{DF659CEE-7ED8-4475-A00F-9EBDFFED20DC}" type="datetimeFigureOut">
               <a:rPr lang="en-US" smtClean="0"/>
-              <a:t>11/7/2022</a:t>
+              <a:t>11/13/2022</a:t>
             </a:fld>
             <a:endParaRPr lang="en-US"/>
           </a:p>
@@ -1726,7 +2162,7 @@
           <a:p>
             <a:fld id="{DF659CEE-7ED8-4475-A00F-9EBDFFED20DC}" type="datetimeFigureOut">
               <a:rPr lang="en-US" smtClean="0"/>
-              <a:t>11/7/2022</a:t>
+              <a:t>11/13/2022</a:t>
             </a:fld>
             <a:endParaRPr lang="en-US"/>
           </a:p>
@@ -1821,7 +2257,7 @@
           <a:p>
             <a:fld id="{DF659CEE-7ED8-4475-A00F-9EBDFFED20DC}" type="datetimeFigureOut">
               <a:rPr lang="en-US" smtClean="0"/>
-              <a:t>11/7/2022</a:t>
+              <a:t>11/13/2022</a:t>
             </a:fld>
             <a:endParaRPr lang="en-US"/>
           </a:p>
@@ -2098,7 +2534,7 @@
           <a:p>
             <a:fld id="{DF659CEE-7ED8-4475-A00F-9EBDFFED20DC}" type="datetimeFigureOut">
               <a:rPr lang="en-US" smtClean="0"/>
-              <a:t>11/7/2022</a:t>
+              <a:t>11/13/2022</a:t>
             </a:fld>
             <a:endParaRPr lang="en-US"/>
           </a:p>
@@ -2355,7 +2791,7 @@
           <a:p>
             <a:fld id="{DF659CEE-7ED8-4475-A00F-9EBDFFED20DC}" type="datetimeFigureOut">
               <a:rPr lang="en-US" smtClean="0"/>
-              <a:t>11/7/2022</a:t>
+              <a:t>11/13/2022</a:t>
             </a:fld>
             <a:endParaRPr lang="en-US"/>
           </a:p>
@@ -2568,7 +3004,7 @@
           <a:p>
             <a:fld id="{DF659CEE-7ED8-4475-A00F-9EBDFFED20DC}" type="datetimeFigureOut">
               <a:rPr lang="en-US" smtClean="0"/>
-              <a:t>11/7/2022</a:t>
+              <a:t>11/13/2022</a:t>
             </a:fld>
             <a:endParaRPr lang="en-US"/>
           </a:p>
@@ -2973,106 +3409,224 @@
           <a:chExt cx="0" cy="0"/>
         </a:xfrm>
       </p:grpSpPr>
-      <p:grpSp>
-        <p:nvGrpSpPr>
-          <p:cNvPr id="39" name="Group 38">
+      <p:sp>
+        <p:nvSpPr>
+          <p:cNvPr id="22" name="Rectangle 21">
             <a:extLst>
               <a:ext uri="{FF2B5EF4-FFF2-40B4-BE49-F238E27FC236}">
-                <a16:creationId xmlns:a16="http://schemas.microsoft.com/office/drawing/2014/main" id="{7E845F57-F477-4D2B-9211-F7A527E5418C}"/>
+                <a16:creationId xmlns:a16="http://schemas.microsoft.com/office/drawing/2014/main" id="{E437322D-423A-0017-CE45-D3E10CBCE399}"/>
               </a:ext>
             </a:extLst>
           </p:cNvPr>
-          <p:cNvGrpSpPr>
-            <a:grpSpLocks noChangeAspect="1"/>
-          </p:cNvGrpSpPr>
+          <p:cNvSpPr/>
+          <p:nvPr/>
+        </p:nvSpPr>
+        <p:spPr>
+          <a:xfrm>
+            <a:off x="7332051" y="1999989"/>
+            <a:ext cx="860271" cy="572309"/>
+          </a:xfrm>
+          <a:prstGeom prst="rect">
+            <a:avLst/>
+          </a:prstGeom>
+        </p:spPr>
+        <p:style>
+          <a:lnRef idx="2">
+            <a:schemeClr val="accent1">
+              <a:shade val="50000"/>
+            </a:schemeClr>
+          </a:lnRef>
+          <a:fillRef idx="1">
+            <a:schemeClr val="accent1"/>
+          </a:fillRef>
+          <a:effectRef idx="0">
+            <a:schemeClr val="accent1"/>
+          </a:effectRef>
+          <a:fontRef idx="minor">
+            <a:schemeClr val="lt1"/>
+          </a:fontRef>
+        </p:style>
+        <p:txBody>
+          <a:bodyPr rtlCol="0" anchor="ctr"/>
+          <a:lstStyle/>
+          <a:p>
+            <a:pPr algn="ctr"/>
+            <a:r>
+              <a:rPr lang="en-US" sz="1400" dirty="0">
+                <a:latin typeface="Arial" panose="020B0604020202020204" pitchFamily="34" charset="0"/>
+                <a:cs typeface="Arial" panose="020B0604020202020204" pitchFamily="34" charset="0"/>
+              </a:rPr>
+              <a:t>Pass Time</a:t>
+            </a:r>
+          </a:p>
+        </p:txBody>
+      </p:sp>
+      <p:sp>
+        <p:nvSpPr>
+          <p:cNvPr id="34" name="Rectangle 33">
+            <a:extLst>
+              <a:ext uri="{FF2B5EF4-FFF2-40B4-BE49-F238E27FC236}">
+                <a16:creationId xmlns:a16="http://schemas.microsoft.com/office/drawing/2014/main" id="{880BF40F-B412-ECBD-FBD4-2DFDE6C2DAC3}"/>
+              </a:ext>
+            </a:extLst>
+          </p:cNvPr>
+          <p:cNvSpPr/>
+          <p:nvPr/>
+        </p:nvSpPr>
+        <p:spPr>
+          <a:xfrm>
+            <a:off x="3948759" y="512824"/>
+            <a:ext cx="1243368" cy="595717"/>
+          </a:xfrm>
+          <a:prstGeom prst="rect">
+            <a:avLst/>
+          </a:prstGeom>
+        </p:spPr>
+        <p:style>
+          <a:lnRef idx="2">
+            <a:schemeClr val="accent1">
+              <a:shade val="50000"/>
+            </a:schemeClr>
+          </a:lnRef>
+          <a:fillRef idx="1">
+            <a:schemeClr val="accent1"/>
+          </a:fillRef>
+          <a:effectRef idx="0">
+            <a:schemeClr val="accent1"/>
+          </a:effectRef>
+          <a:fontRef idx="minor">
+            <a:schemeClr val="lt1"/>
+          </a:fontRef>
+        </p:style>
+        <p:txBody>
+          <a:bodyPr rtlCol="0" anchor="ctr"/>
+          <a:lstStyle/>
+          <a:p>
+            <a:pPr algn="ctr"/>
+            <a:r>
+              <a:rPr lang="en-US" sz="1400" dirty="0">
+                <a:latin typeface="Arial" panose="020B0604020202020204" pitchFamily="34" charset="0"/>
+                <a:cs typeface="Arial" panose="020B0604020202020204" pitchFamily="34" charset="0"/>
+              </a:rPr>
+              <a:t>Generate a Path Using CBS</a:t>
+            </a:r>
+          </a:p>
+        </p:txBody>
+      </p:sp>
+      <p:sp>
+        <p:nvSpPr>
+          <p:cNvPr id="59" name="TextBox 58">
+            <a:extLst>
+              <a:ext uri="{FF2B5EF4-FFF2-40B4-BE49-F238E27FC236}">
+                <a16:creationId xmlns:a16="http://schemas.microsoft.com/office/drawing/2014/main" id="{89066323-BB98-5246-1942-9F2D9C67B3F5}"/>
+              </a:ext>
+            </a:extLst>
+          </p:cNvPr>
+          <p:cNvSpPr txBox="1"/>
+          <p:nvPr/>
+        </p:nvSpPr>
+        <p:spPr>
+          <a:xfrm>
+            <a:off x="6522251" y="2039234"/>
+            <a:ext cx="1257300" cy="307777"/>
+          </a:xfrm>
+          <a:prstGeom prst="rect">
+            <a:avLst/>
+          </a:prstGeom>
+          <a:noFill/>
+        </p:spPr>
+        <p:txBody>
+          <a:bodyPr wrap="square" rtlCol="0">
+            <a:spAutoFit/>
+          </a:bodyPr>
+          <a:lstStyle/>
+          <a:p>
+            <a:pPr algn="ctr"/>
+            <a:r>
+              <a:rPr lang="en-US" sz="1400" dirty="0">
+                <a:solidFill>
+                  <a:schemeClr val="accent4"/>
+                </a:solidFill>
+                <a:latin typeface="Arial" panose="020B0604020202020204" pitchFamily="34" charset="0"/>
+                <a:cs typeface="Arial" panose="020B0604020202020204" pitchFamily="34" charset="0"/>
+              </a:rPr>
+              <a:t>No</a:t>
+            </a:r>
+          </a:p>
+        </p:txBody>
+      </p:sp>
+      <p:grpSp>
+        <p:nvGrpSpPr>
+          <p:cNvPr id="2" name="Group 1">
+            <a:extLst>
+              <a:ext uri="{FF2B5EF4-FFF2-40B4-BE49-F238E27FC236}">
+                <a16:creationId xmlns:a16="http://schemas.microsoft.com/office/drawing/2014/main" id="{6F100123-A172-D359-0A8E-4E4C4BA84C10}"/>
+              </a:ext>
+            </a:extLst>
+          </p:cNvPr>
+          <p:cNvGrpSpPr/>
           <p:nvPr/>
         </p:nvGrpSpPr>
         <p:grpSpPr>
           <a:xfrm>
-            <a:off x="275013" y="4816"/>
-            <a:ext cx="9013767" cy="4567184"/>
-            <a:chOff x="287382" y="252548"/>
-            <a:chExt cx="10655816" cy="5399193"/>
+            <a:off x="129052" y="298238"/>
+            <a:ext cx="1739590" cy="993430"/>
+            <a:chOff x="263170" y="286294"/>
+            <a:chExt cx="1739590" cy="993430"/>
           </a:xfrm>
         </p:grpSpPr>
-        <p:pic>
-          <p:nvPicPr>
-            <p:cNvPr id="40" name="Picture 39">
+        <p:sp>
+          <p:nvSpPr>
+            <p:cNvPr id="3" name="Parallelogram 2">
               <a:extLst>
                 <a:ext uri="{FF2B5EF4-FFF2-40B4-BE49-F238E27FC236}">
-                  <a16:creationId xmlns:a16="http://schemas.microsoft.com/office/drawing/2014/main" id="{042E7644-59DC-4E5D-BE66-206C55548E50}"/>
+                  <a16:creationId xmlns:a16="http://schemas.microsoft.com/office/drawing/2014/main" id="{4F08C0D6-95C1-263E-BA41-A4F9A711DC07}"/>
                 </a:ext>
               </a:extLst>
             </p:cNvPr>
-            <p:cNvPicPr>
-              <a:picLocks noChangeAspect="1"/>
-            </p:cNvPicPr>
+            <p:cNvSpPr/>
             <p:nvPr/>
-          </p:nvPicPr>
-          <p:blipFill>
-            <a:blip r:embed="rId2">
-              <a:extLst>
-                <a:ext uri="{28A0092B-C50C-407E-A947-70E740481C1C}">
-                  <a14:useLocalDpi xmlns:a14="http://schemas.microsoft.com/office/drawing/2010/main" val="0"/>
-                </a:ext>
-              </a:extLst>
-            </a:blip>
-            <a:stretch>
-              <a:fillRect/>
-            </a:stretch>
-          </p:blipFill>
+          </p:nvSpPr>
           <p:spPr>
             <a:xfrm>
-              <a:off x="287382" y="252549"/>
-              <a:ext cx="6522721" cy="4648606"/>
+              <a:off x="263170" y="325617"/>
+              <a:ext cx="1739590" cy="954107"/>
             </a:xfrm>
-            <a:prstGeom prst="rect">
+            <a:prstGeom prst="parallelogram">
               <a:avLst/>
             </a:prstGeom>
           </p:spPr>
-        </p:pic>
-        <p:pic>
-          <p:nvPicPr>
-            <p:cNvPr id="41" name="Picture 40">
+          <p:style>
+            <a:lnRef idx="2">
+              <a:schemeClr val="accent6">
+                <a:shade val="50000"/>
+              </a:schemeClr>
+            </a:lnRef>
+            <a:fillRef idx="1">
+              <a:schemeClr val="accent6"/>
+            </a:fillRef>
+            <a:effectRef idx="0">
+              <a:schemeClr val="accent6"/>
+            </a:effectRef>
+            <a:fontRef idx="minor">
+              <a:schemeClr val="lt1"/>
+            </a:fontRef>
+          </p:style>
+          <p:txBody>
+            <a:bodyPr rtlCol="0" anchor="ctr"/>
+            <a:lstStyle/>
+            <a:p>
+              <a:pPr algn="ctr"/>
+              <a:endParaRPr lang="en-US"/>
+            </a:p>
+          </p:txBody>
+        </p:sp>
+        <p:sp>
+          <p:nvSpPr>
+            <p:cNvPr id="4" name="TextBox 3">
               <a:extLst>
                 <a:ext uri="{FF2B5EF4-FFF2-40B4-BE49-F238E27FC236}">
-                  <a16:creationId xmlns:a16="http://schemas.microsoft.com/office/drawing/2014/main" id="{71F11F1A-BDDE-4709-A520-8A4699B20A80}"/>
-                </a:ext>
-              </a:extLst>
-            </p:cNvPr>
-            <p:cNvPicPr>
-              <a:picLocks noChangeAspect="1"/>
-            </p:cNvPicPr>
-            <p:nvPr/>
-          </p:nvPicPr>
-          <p:blipFill>
-            <a:blip r:embed="rId3">
-              <a:extLst>
-                <a:ext uri="{28A0092B-C50C-407E-A947-70E740481C1C}">
-                  <a14:useLocalDpi xmlns:a14="http://schemas.microsoft.com/office/drawing/2010/main" val="0"/>
-                </a:ext>
-              </a:extLst>
-            </a:blip>
-            <a:stretch>
-              <a:fillRect/>
-            </a:stretch>
-          </p:blipFill>
-          <p:spPr>
-            <a:xfrm rot="5400000">
-              <a:off x="6574370" y="1062031"/>
-              <a:ext cx="4648607" cy="3029642"/>
-            </a:xfrm>
-            <a:prstGeom prst="rect">
-              <a:avLst/>
-            </a:prstGeom>
-          </p:spPr>
-        </p:pic>
-        <p:sp>
-          <p:nvSpPr>
-            <p:cNvPr id="42" name="TextBox 41">
-              <a:extLst>
-                <a:ext uri="{FF2B5EF4-FFF2-40B4-BE49-F238E27FC236}">
-                  <a16:creationId xmlns:a16="http://schemas.microsoft.com/office/drawing/2014/main" id="{FF80968E-DAE5-45F1-9C9E-55118609C275}"/>
+                  <a16:creationId xmlns:a16="http://schemas.microsoft.com/office/drawing/2014/main" id="{554DF726-FB6F-6886-D664-A29F70E3DD85}"/>
                 </a:ext>
               </a:extLst>
             </p:cNvPr>
@@ -3081,8 +3635,8 @@
           </p:nvSpPr>
           <p:spPr>
             <a:xfrm>
-              <a:off x="7564581" y="483132"/>
-              <a:ext cx="931817" cy="646331"/>
+              <a:off x="428573" y="286294"/>
+              <a:ext cx="1416085" cy="954107"/>
             </a:xfrm>
             <a:prstGeom prst="rect">
               <a:avLst/>
@@ -3097,50 +3651,107 @@
             <a:p>
               <a:pPr algn="ctr"/>
               <a:r>
-                <a:rPr lang="en-US" sz="1200" dirty="0">
+                <a:rPr lang="en-US" sz="1400" dirty="0">
                   <a:solidFill>
                     <a:schemeClr val="bg1"/>
                   </a:solidFill>
                   <a:latin typeface="Arial" panose="020B0604020202020204" pitchFamily="34" charset="0"/>
                   <a:cs typeface="Arial" panose="020B0604020202020204" pitchFamily="34" charset="0"/>
                 </a:rPr>
-                <a:t>Chunk 0</a:t>
+                <a:t>Import Chunk Dependencies and </a:t>
               </a:r>
             </a:p>
             <a:p>
               <a:pPr algn="ctr"/>
               <a:r>
-                <a:rPr lang="en-US" sz="1200" dirty="0">
+                <a:rPr lang="en-US" sz="1400" dirty="0">
                   <a:solidFill>
                     <a:schemeClr val="bg1"/>
                   </a:solidFill>
                   <a:latin typeface="Arial" panose="020B0604020202020204" pitchFamily="34" charset="0"/>
                   <a:cs typeface="Arial" panose="020B0604020202020204" pitchFamily="34" charset="0"/>
                 </a:rPr>
-                <a:t>Print Time:</a:t>
+                <a:t>Print Times</a:t>
               </a:r>
             </a:p>
+          </p:txBody>
+        </p:sp>
+      </p:grpSp>
+      <p:grpSp>
+        <p:nvGrpSpPr>
+          <p:cNvPr id="8" name="Group 7">
+            <a:extLst>
+              <a:ext uri="{FF2B5EF4-FFF2-40B4-BE49-F238E27FC236}">
+                <a16:creationId xmlns:a16="http://schemas.microsoft.com/office/drawing/2014/main" id="{D3D77635-3776-117C-6A2A-7837599532F6}"/>
+              </a:ext>
+            </a:extLst>
+          </p:cNvPr>
+          <p:cNvGrpSpPr/>
+          <p:nvPr/>
+        </p:nvGrpSpPr>
+        <p:grpSpPr>
+          <a:xfrm>
+            <a:off x="5418251" y="1814090"/>
+            <a:ext cx="1603788" cy="954107"/>
+            <a:chOff x="6096000" y="3048001"/>
+            <a:chExt cx="2184400" cy="1028697"/>
+          </a:xfrm>
+        </p:grpSpPr>
+        <p:sp>
+          <p:nvSpPr>
+            <p:cNvPr id="9" name="Diamond 8">
+              <a:extLst>
+                <a:ext uri="{FF2B5EF4-FFF2-40B4-BE49-F238E27FC236}">
+                  <a16:creationId xmlns:a16="http://schemas.microsoft.com/office/drawing/2014/main" id="{51A65AC4-C116-F31D-D075-DD5249920AEE}"/>
+                </a:ext>
+              </a:extLst>
+            </p:cNvPr>
+            <p:cNvSpPr/>
+            <p:nvPr/>
+          </p:nvSpPr>
+          <p:spPr>
+            <a:xfrm>
+              <a:off x="6096000" y="3048001"/>
+              <a:ext cx="2184400" cy="1028697"/>
+            </a:xfrm>
+            <a:prstGeom prst="diamond">
+              <a:avLst/>
+            </a:prstGeom>
+          </p:spPr>
+          <p:style>
+            <a:lnRef idx="2">
+              <a:schemeClr val="accent4">
+                <a:shade val="50000"/>
+              </a:schemeClr>
+            </a:lnRef>
+            <a:fillRef idx="1">
+              <a:schemeClr val="accent4"/>
+            </a:fillRef>
+            <a:effectRef idx="0">
+              <a:schemeClr val="accent4"/>
+            </a:effectRef>
+            <a:fontRef idx="minor">
+              <a:schemeClr val="lt1"/>
+            </a:fontRef>
+          </p:style>
+          <p:txBody>
+            <a:bodyPr rtlCol="0" anchor="ctr"/>
+            <a:lstStyle/>
             <a:p>
               <a:pPr algn="ctr"/>
-              <a:r>
-                <a:rPr lang="en-US" sz="1200" dirty="0">
-                  <a:solidFill>
-                    <a:schemeClr val="bg1"/>
-                  </a:solidFill>
-                  <a:latin typeface="Arial" panose="020B0604020202020204" pitchFamily="34" charset="0"/>
-                  <a:cs typeface="Arial" panose="020B0604020202020204" pitchFamily="34" charset="0"/>
-                </a:rPr>
-                <a:t>2253</a:t>
-              </a:r>
+              <a:endParaRPr lang="en-US" sz="1400" dirty="0">
+                <a:latin typeface="Arial" panose="020B0604020202020204" pitchFamily="34" charset="0"/>
+                <a:cs typeface="Arial" panose="020B0604020202020204" pitchFamily="34" charset="0"/>
+              </a:endParaRPr>
             </a:p>
           </p:txBody>
         </p:sp>
         <p:sp>
           <p:nvSpPr>
-            <p:cNvPr id="43" name="TextBox 42">
+            <p:cNvPr id="10" name="TextBox 9">
               <a:extLst>
                 <a:ext uri="{FF2B5EF4-FFF2-40B4-BE49-F238E27FC236}">
-                  <a16:creationId xmlns:a16="http://schemas.microsoft.com/office/drawing/2014/main" id="{45035D72-97EE-4CF3-9354-B88AC6BF5C0E}"/>
+                  <a16:creationId xmlns:a16="http://schemas.microsoft.com/office/drawing/2014/main" id="{B7074146-AC7A-528F-127D-CE4762BD19F2}"/>
                 </a:ext>
               </a:extLst>
             </p:cNvPr>
@@ -3149,8 +3760,966 @@
           </p:nvSpPr>
           <p:spPr>
             <a:xfrm>
-              <a:off x="9300952" y="483132"/>
-              <a:ext cx="931817" cy="646331"/>
+              <a:off x="6271513" y="3081128"/>
+              <a:ext cx="1872555" cy="880479"/>
+            </a:xfrm>
+            <a:prstGeom prst="rect">
+              <a:avLst/>
+            </a:prstGeom>
+            <a:noFill/>
+          </p:spPr>
+          <p:txBody>
+            <a:bodyPr wrap="square" rtlCol="0" anchor="ctr">
+              <a:spAutoFit/>
+            </a:bodyPr>
+            <a:lstStyle/>
+            <a:p>
+              <a:pPr algn="ctr"/>
+              <a:r>
+                <a:rPr lang="en-US" sz="1400" dirty="0">
+                  <a:solidFill>
+                    <a:schemeClr val="bg1"/>
+                  </a:solidFill>
+                  <a:latin typeface="Arial" panose="020B0604020202020204" pitchFamily="34" charset="0"/>
+                  <a:cs typeface="Arial" panose="020B0604020202020204" pitchFamily="34" charset="0"/>
+                </a:rPr>
+                <a:t>Are 1+ Robot(s) Available?</a:t>
+              </a:r>
+            </a:p>
+          </p:txBody>
+        </p:sp>
+      </p:grpSp>
+      <p:cxnSp>
+        <p:nvCxnSpPr>
+          <p:cNvPr id="15" name="Straight Arrow Connector 14">
+            <a:extLst>
+              <a:ext uri="{FF2B5EF4-FFF2-40B4-BE49-F238E27FC236}">
+                <a16:creationId xmlns:a16="http://schemas.microsoft.com/office/drawing/2014/main" id="{B9CCF232-5C4C-898E-F829-6AEE31709BAA}"/>
+              </a:ext>
+            </a:extLst>
+          </p:cNvPr>
+          <p:cNvCxnSpPr>
+            <a:cxnSpLocks/>
+            <a:stCxn id="9" idx="3"/>
+            <a:endCxn id="22" idx="1"/>
+          </p:cNvCxnSpPr>
+          <p:nvPr/>
+        </p:nvCxnSpPr>
+        <p:spPr>
+          <a:xfrm flipV="1">
+            <a:off x="7022039" y="2286144"/>
+            <a:ext cx="310012" cy="5000"/>
+          </a:xfrm>
+          <a:prstGeom prst="straightConnector1">
+            <a:avLst/>
+          </a:prstGeom>
+          <a:ln>
+            <a:tailEnd type="triangle"/>
+          </a:ln>
+        </p:spPr>
+        <p:style>
+          <a:lnRef idx="1">
+            <a:schemeClr val="dk1"/>
+          </a:lnRef>
+          <a:fillRef idx="0">
+            <a:schemeClr val="dk1"/>
+          </a:fillRef>
+          <a:effectRef idx="0">
+            <a:schemeClr val="dk1"/>
+          </a:effectRef>
+          <a:fontRef idx="minor">
+            <a:schemeClr val="tx1"/>
+          </a:fontRef>
+        </p:style>
+      </p:cxnSp>
+      <p:cxnSp>
+        <p:nvCxnSpPr>
+          <p:cNvPr id="17" name="Connector: Elbow 16">
+            <a:extLst>
+              <a:ext uri="{FF2B5EF4-FFF2-40B4-BE49-F238E27FC236}">
+                <a16:creationId xmlns:a16="http://schemas.microsoft.com/office/drawing/2014/main" id="{54DF18D0-0515-9FFE-2FDD-4F7FC3C077A9}"/>
+              </a:ext>
+            </a:extLst>
+          </p:cNvPr>
+          <p:cNvCxnSpPr>
+            <a:stCxn id="22" idx="0"/>
+            <a:endCxn id="9" idx="0"/>
+          </p:cNvCxnSpPr>
+          <p:nvPr/>
+        </p:nvCxnSpPr>
+        <p:spPr>
+          <a:xfrm rot="16200000" flipV="1">
+            <a:off x="6898217" y="1136019"/>
+            <a:ext cx="185899" cy="1542042"/>
+          </a:xfrm>
+          <a:prstGeom prst="bentConnector3">
+            <a:avLst>
+              <a:gd name="adj1" fmla="val 222970"/>
+            </a:avLst>
+          </a:prstGeom>
+          <a:ln>
+            <a:tailEnd type="triangle"/>
+          </a:ln>
+        </p:spPr>
+        <p:style>
+          <a:lnRef idx="1">
+            <a:schemeClr val="dk1"/>
+          </a:lnRef>
+          <a:fillRef idx="0">
+            <a:schemeClr val="dk1"/>
+          </a:fillRef>
+          <a:effectRef idx="0">
+            <a:schemeClr val="dk1"/>
+          </a:effectRef>
+          <a:fontRef idx="minor">
+            <a:schemeClr val="tx1"/>
+          </a:fontRef>
+        </p:style>
+      </p:cxnSp>
+      <p:grpSp>
+        <p:nvGrpSpPr>
+          <p:cNvPr id="93" name="Group 92">
+            <a:extLst>
+              <a:ext uri="{FF2B5EF4-FFF2-40B4-BE49-F238E27FC236}">
+                <a16:creationId xmlns:a16="http://schemas.microsoft.com/office/drawing/2014/main" id="{6CF39004-88EF-8CD4-A1F8-30C1D6EAE151}"/>
+              </a:ext>
+            </a:extLst>
+          </p:cNvPr>
+          <p:cNvGrpSpPr/>
+          <p:nvPr/>
+        </p:nvGrpSpPr>
+        <p:grpSpPr>
+          <a:xfrm>
+            <a:off x="2209669" y="1665245"/>
+            <a:ext cx="2587419" cy="1249817"/>
+            <a:chOff x="2276139" y="1791974"/>
+            <a:chExt cx="2512410" cy="1129646"/>
+          </a:xfrm>
+        </p:grpSpPr>
+        <p:sp>
+          <p:nvSpPr>
+            <p:cNvPr id="20" name="Diamond 19">
+              <a:extLst>
+                <a:ext uri="{FF2B5EF4-FFF2-40B4-BE49-F238E27FC236}">
+                  <a16:creationId xmlns:a16="http://schemas.microsoft.com/office/drawing/2014/main" id="{C88DAD61-3B48-F514-98D9-089022B05C11}"/>
+                </a:ext>
+              </a:extLst>
+            </p:cNvPr>
+            <p:cNvSpPr/>
+            <p:nvPr/>
+          </p:nvSpPr>
+          <p:spPr>
+            <a:xfrm>
+              <a:off x="2286803" y="1791974"/>
+              <a:ext cx="2471488" cy="1129646"/>
+            </a:xfrm>
+            <a:prstGeom prst="diamond">
+              <a:avLst/>
+            </a:prstGeom>
+          </p:spPr>
+          <p:style>
+            <a:lnRef idx="2">
+              <a:schemeClr val="accent4">
+                <a:shade val="50000"/>
+              </a:schemeClr>
+            </a:lnRef>
+            <a:fillRef idx="1">
+              <a:schemeClr val="accent4"/>
+            </a:fillRef>
+            <a:effectRef idx="0">
+              <a:schemeClr val="accent4"/>
+            </a:effectRef>
+            <a:fontRef idx="minor">
+              <a:schemeClr val="lt1"/>
+            </a:fontRef>
+          </p:style>
+          <p:txBody>
+            <a:bodyPr rtlCol="0" anchor="ctr"/>
+            <a:lstStyle/>
+            <a:p>
+              <a:pPr algn="ctr"/>
+              <a:endParaRPr lang="en-US" sz="1400" dirty="0">
+                <a:latin typeface="Arial" panose="020B0604020202020204" pitchFamily="34" charset="0"/>
+                <a:cs typeface="Arial" panose="020B0604020202020204" pitchFamily="34" charset="0"/>
+              </a:endParaRPr>
+            </a:p>
+          </p:txBody>
+        </p:sp>
+        <p:sp>
+          <p:nvSpPr>
+            <p:cNvPr id="21" name="TextBox 20">
+              <a:extLst>
+                <a:ext uri="{FF2B5EF4-FFF2-40B4-BE49-F238E27FC236}">
+                  <a16:creationId xmlns:a16="http://schemas.microsoft.com/office/drawing/2014/main" id="{85F8E424-E74E-AD28-4348-A7A63AE548BF}"/>
+                </a:ext>
+              </a:extLst>
+            </p:cNvPr>
+            <p:cNvSpPr txBox="1"/>
+            <p:nvPr/>
+          </p:nvSpPr>
+          <p:spPr>
+            <a:xfrm>
+              <a:off x="2276139" y="2031894"/>
+              <a:ext cx="2512410" cy="738664"/>
+            </a:xfrm>
+            <a:prstGeom prst="rect">
+              <a:avLst/>
+            </a:prstGeom>
+            <a:noFill/>
+          </p:spPr>
+          <p:txBody>
+            <a:bodyPr wrap="square" rtlCol="0" anchor="ctr">
+              <a:spAutoFit/>
+            </a:bodyPr>
+            <a:lstStyle/>
+            <a:p>
+              <a:pPr algn="ctr"/>
+              <a:r>
+                <a:rPr lang="en-US" sz="1400" dirty="0">
+                  <a:solidFill>
+                    <a:schemeClr val="bg1"/>
+                  </a:solidFill>
+                  <a:latin typeface="Arial" panose="020B0604020202020204" pitchFamily="34" charset="0"/>
+                  <a:cs typeface="Arial" panose="020B0604020202020204" pitchFamily="34" charset="0"/>
+                </a:rPr>
+                <a:t>Are there Unprinted </a:t>
+              </a:r>
+            </a:p>
+            <a:p>
+              <a:pPr algn="ctr"/>
+              <a:r>
+                <a:rPr lang="en-US" sz="1400" dirty="0">
+                  <a:solidFill>
+                    <a:schemeClr val="bg1"/>
+                  </a:solidFill>
+                  <a:latin typeface="Arial" panose="020B0604020202020204" pitchFamily="34" charset="0"/>
+                  <a:cs typeface="Arial" panose="020B0604020202020204" pitchFamily="34" charset="0"/>
+                </a:rPr>
+                <a:t>Chunk(s) with No Unsolved Dependencies</a:t>
+              </a:r>
+            </a:p>
+          </p:txBody>
+        </p:sp>
+      </p:grpSp>
+      <p:sp>
+        <p:nvSpPr>
+          <p:cNvPr id="26" name="TextBox 25">
+            <a:extLst>
+              <a:ext uri="{FF2B5EF4-FFF2-40B4-BE49-F238E27FC236}">
+                <a16:creationId xmlns:a16="http://schemas.microsoft.com/office/drawing/2014/main" id="{E9CBFC46-DCC1-90E7-9D5B-6B282C292478}"/>
+              </a:ext>
+            </a:extLst>
+          </p:cNvPr>
+          <p:cNvSpPr txBox="1"/>
+          <p:nvPr/>
+        </p:nvSpPr>
+        <p:spPr>
+          <a:xfrm>
+            <a:off x="4459916" y="2023615"/>
+            <a:ext cx="1257300" cy="307777"/>
+          </a:xfrm>
+          <a:prstGeom prst="rect">
+            <a:avLst/>
+          </a:prstGeom>
+          <a:noFill/>
+        </p:spPr>
+        <p:txBody>
+          <a:bodyPr wrap="square" rtlCol="0">
+            <a:spAutoFit/>
+          </a:bodyPr>
+          <a:lstStyle/>
+          <a:p>
+            <a:pPr algn="ctr"/>
+            <a:r>
+              <a:rPr lang="en-US" sz="1400" dirty="0">
+                <a:solidFill>
+                  <a:schemeClr val="accent4"/>
+                </a:solidFill>
+                <a:latin typeface="Arial" panose="020B0604020202020204" pitchFamily="34" charset="0"/>
+                <a:cs typeface="Arial" panose="020B0604020202020204" pitchFamily="34" charset="0"/>
+              </a:rPr>
+              <a:t>Yes</a:t>
+            </a:r>
+          </a:p>
+        </p:txBody>
+      </p:sp>
+      <p:sp>
+        <p:nvSpPr>
+          <p:cNvPr id="29" name="Rectangle 28">
+            <a:extLst>
+              <a:ext uri="{FF2B5EF4-FFF2-40B4-BE49-F238E27FC236}">
+                <a16:creationId xmlns:a16="http://schemas.microsoft.com/office/drawing/2014/main" id="{0C3CE919-5710-782C-80D1-B0640615229B}"/>
+              </a:ext>
+            </a:extLst>
+          </p:cNvPr>
+          <p:cNvSpPr/>
+          <p:nvPr/>
+        </p:nvSpPr>
+        <p:spPr>
+          <a:xfrm>
+            <a:off x="2304867" y="397476"/>
+            <a:ext cx="1243368" cy="826415"/>
+          </a:xfrm>
+          <a:prstGeom prst="rect">
+            <a:avLst/>
+          </a:prstGeom>
+        </p:spPr>
+        <p:style>
+          <a:lnRef idx="2">
+            <a:schemeClr val="accent1">
+              <a:shade val="50000"/>
+            </a:schemeClr>
+          </a:lnRef>
+          <a:fillRef idx="1">
+            <a:schemeClr val="accent1"/>
+          </a:fillRef>
+          <a:effectRef idx="0">
+            <a:schemeClr val="accent1"/>
+          </a:effectRef>
+          <a:fontRef idx="minor">
+            <a:schemeClr val="lt1"/>
+          </a:fontRef>
+        </p:style>
+        <p:txBody>
+          <a:bodyPr rtlCol="0" anchor="ctr"/>
+          <a:lstStyle/>
+          <a:p>
+            <a:pPr algn="ctr"/>
+            <a:r>
+              <a:rPr lang="en-US" sz="1400" dirty="0">
+                <a:latin typeface="Arial" panose="020B0604020202020204" pitchFamily="34" charset="0"/>
+                <a:cs typeface="Arial" panose="020B0604020202020204" pitchFamily="34" charset="0"/>
+              </a:rPr>
+              <a:t>Assign Robot(s) to Nearest Chunk(s)</a:t>
+            </a:r>
+          </a:p>
+        </p:txBody>
+      </p:sp>
+      <p:cxnSp>
+        <p:nvCxnSpPr>
+          <p:cNvPr id="47" name="Straight Arrow Connector 46">
+            <a:extLst>
+              <a:ext uri="{FF2B5EF4-FFF2-40B4-BE49-F238E27FC236}">
+                <a16:creationId xmlns:a16="http://schemas.microsoft.com/office/drawing/2014/main" id="{B8A39623-B681-CB45-4FBA-028FD04B668A}"/>
+              </a:ext>
+            </a:extLst>
+          </p:cNvPr>
+          <p:cNvCxnSpPr>
+            <a:stCxn id="29" idx="3"/>
+            <a:endCxn id="34" idx="1"/>
+          </p:cNvCxnSpPr>
+          <p:nvPr/>
+        </p:nvCxnSpPr>
+        <p:spPr>
+          <a:xfrm flipV="1">
+            <a:off x="3548235" y="810683"/>
+            <a:ext cx="400524" cy="1"/>
+          </a:xfrm>
+          <a:prstGeom prst="straightConnector1">
+            <a:avLst/>
+          </a:prstGeom>
+          <a:ln>
+            <a:tailEnd type="triangle"/>
+          </a:ln>
+        </p:spPr>
+        <p:style>
+          <a:lnRef idx="1">
+            <a:schemeClr val="dk1"/>
+          </a:lnRef>
+          <a:fillRef idx="0">
+            <a:schemeClr val="dk1"/>
+          </a:fillRef>
+          <a:effectRef idx="0">
+            <a:schemeClr val="dk1"/>
+          </a:effectRef>
+          <a:fontRef idx="minor">
+            <a:schemeClr val="tx1"/>
+          </a:fontRef>
+        </p:style>
+      </p:cxnSp>
+      <p:sp>
+        <p:nvSpPr>
+          <p:cNvPr id="49" name="Rectangle 48">
+            <a:extLst>
+              <a:ext uri="{FF2B5EF4-FFF2-40B4-BE49-F238E27FC236}">
+                <a16:creationId xmlns:a16="http://schemas.microsoft.com/office/drawing/2014/main" id="{38F572F0-CF46-9ADA-231E-0B3BDACB8BCB}"/>
+              </a:ext>
+            </a:extLst>
+          </p:cNvPr>
+          <p:cNvSpPr/>
+          <p:nvPr/>
+        </p:nvSpPr>
+        <p:spPr>
+          <a:xfrm>
+            <a:off x="5592651" y="363072"/>
+            <a:ext cx="1243368" cy="895219"/>
+          </a:xfrm>
+          <a:prstGeom prst="rect">
+            <a:avLst/>
+          </a:prstGeom>
+        </p:spPr>
+        <p:style>
+          <a:lnRef idx="2">
+            <a:schemeClr val="accent1">
+              <a:shade val="50000"/>
+            </a:schemeClr>
+          </a:lnRef>
+          <a:fillRef idx="1">
+            <a:schemeClr val="accent1"/>
+          </a:fillRef>
+          <a:effectRef idx="0">
+            <a:schemeClr val="accent1"/>
+          </a:effectRef>
+          <a:fontRef idx="minor">
+            <a:schemeClr val="lt1"/>
+          </a:fontRef>
+        </p:style>
+        <p:txBody>
+          <a:bodyPr rtlCol="0" anchor="ctr"/>
+          <a:lstStyle/>
+          <a:p>
+            <a:pPr algn="ctr"/>
+            <a:r>
+              <a:rPr lang="en-US" sz="1400" dirty="0">
+                <a:latin typeface="Arial" panose="020B0604020202020204" pitchFamily="34" charset="0"/>
+                <a:cs typeface="Arial" panose="020B0604020202020204" pitchFamily="34" charset="0"/>
+              </a:rPr>
+              <a:t>Begin Printing Assigned Chunk(s)</a:t>
+            </a:r>
+          </a:p>
+        </p:txBody>
+      </p:sp>
+      <p:cxnSp>
+        <p:nvCxnSpPr>
+          <p:cNvPr id="56" name="Straight Arrow Connector 55">
+            <a:extLst>
+              <a:ext uri="{FF2B5EF4-FFF2-40B4-BE49-F238E27FC236}">
+                <a16:creationId xmlns:a16="http://schemas.microsoft.com/office/drawing/2014/main" id="{16D923E4-12B0-AE79-0E86-FE125C6A29FB}"/>
+              </a:ext>
+            </a:extLst>
+          </p:cNvPr>
+          <p:cNvCxnSpPr>
+            <a:stCxn id="3" idx="2"/>
+            <a:endCxn id="29" idx="1"/>
+          </p:cNvCxnSpPr>
+          <p:nvPr/>
+        </p:nvCxnSpPr>
+        <p:spPr>
+          <a:xfrm flipV="1">
+            <a:off x="1749379" y="810684"/>
+            <a:ext cx="555488" cy="3931"/>
+          </a:xfrm>
+          <a:prstGeom prst="straightConnector1">
+            <a:avLst/>
+          </a:prstGeom>
+          <a:ln>
+            <a:tailEnd type="triangle"/>
+          </a:ln>
+        </p:spPr>
+        <p:style>
+          <a:lnRef idx="1">
+            <a:schemeClr val="dk1"/>
+          </a:lnRef>
+          <a:fillRef idx="0">
+            <a:schemeClr val="dk1"/>
+          </a:fillRef>
+          <a:effectRef idx="0">
+            <a:schemeClr val="dk1"/>
+          </a:effectRef>
+          <a:fontRef idx="minor">
+            <a:schemeClr val="tx1"/>
+          </a:fontRef>
+        </p:style>
+      </p:cxnSp>
+      <p:cxnSp>
+        <p:nvCxnSpPr>
+          <p:cNvPr id="66" name="Straight Arrow Connector 65">
+            <a:extLst>
+              <a:ext uri="{FF2B5EF4-FFF2-40B4-BE49-F238E27FC236}">
+                <a16:creationId xmlns:a16="http://schemas.microsoft.com/office/drawing/2014/main" id="{E164DF17-DD57-3A7B-F018-46BD477CA036}"/>
+              </a:ext>
+            </a:extLst>
+          </p:cNvPr>
+          <p:cNvCxnSpPr>
+            <a:stCxn id="34" idx="3"/>
+            <a:endCxn id="49" idx="1"/>
+          </p:cNvCxnSpPr>
+          <p:nvPr/>
+        </p:nvCxnSpPr>
+        <p:spPr>
+          <a:xfrm flipV="1">
+            <a:off x="5192127" y="810682"/>
+            <a:ext cx="400524" cy="1"/>
+          </a:xfrm>
+          <a:prstGeom prst="straightConnector1">
+            <a:avLst/>
+          </a:prstGeom>
+          <a:ln>
+            <a:tailEnd type="triangle"/>
+          </a:ln>
+        </p:spPr>
+        <p:style>
+          <a:lnRef idx="1">
+            <a:schemeClr val="dk1"/>
+          </a:lnRef>
+          <a:fillRef idx="0">
+            <a:schemeClr val="dk1"/>
+          </a:fillRef>
+          <a:effectRef idx="0">
+            <a:schemeClr val="dk1"/>
+          </a:effectRef>
+          <a:fontRef idx="minor">
+            <a:schemeClr val="tx1"/>
+          </a:fontRef>
+        </p:style>
+      </p:cxnSp>
+      <p:cxnSp>
+        <p:nvCxnSpPr>
+          <p:cNvPr id="74" name="Straight Arrow Connector 73">
+            <a:extLst>
+              <a:ext uri="{FF2B5EF4-FFF2-40B4-BE49-F238E27FC236}">
+                <a16:creationId xmlns:a16="http://schemas.microsoft.com/office/drawing/2014/main" id="{9E9D744E-5B04-1139-4419-964E31577C3E}"/>
+              </a:ext>
+            </a:extLst>
+          </p:cNvPr>
+          <p:cNvCxnSpPr>
+            <a:stCxn id="49" idx="2"/>
+            <a:endCxn id="9" idx="0"/>
+          </p:cNvCxnSpPr>
+          <p:nvPr/>
+        </p:nvCxnSpPr>
+        <p:spPr>
+          <a:xfrm>
+            <a:off x="6214335" y="1258291"/>
+            <a:ext cx="5810" cy="555799"/>
+          </a:xfrm>
+          <a:prstGeom prst="straightConnector1">
+            <a:avLst/>
+          </a:prstGeom>
+          <a:ln>
+            <a:tailEnd type="triangle"/>
+          </a:ln>
+        </p:spPr>
+        <p:style>
+          <a:lnRef idx="1">
+            <a:schemeClr val="dk1"/>
+          </a:lnRef>
+          <a:fillRef idx="0">
+            <a:schemeClr val="dk1"/>
+          </a:fillRef>
+          <a:effectRef idx="0">
+            <a:schemeClr val="dk1"/>
+          </a:effectRef>
+          <a:fontRef idx="minor">
+            <a:schemeClr val="tx1"/>
+          </a:fontRef>
+        </p:style>
+      </p:cxnSp>
+      <p:cxnSp>
+        <p:nvCxnSpPr>
+          <p:cNvPr id="86" name="Straight Arrow Connector 85">
+            <a:extLst>
+              <a:ext uri="{FF2B5EF4-FFF2-40B4-BE49-F238E27FC236}">
+                <a16:creationId xmlns:a16="http://schemas.microsoft.com/office/drawing/2014/main" id="{48AF8419-FED5-2366-EACA-C6514A637374}"/>
+              </a:ext>
+            </a:extLst>
+          </p:cNvPr>
+          <p:cNvCxnSpPr>
+            <a:cxnSpLocks/>
+            <a:stCxn id="9" idx="1"/>
+            <a:endCxn id="20" idx="3"/>
+          </p:cNvCxnSpPr>
+          <p:nvPr/>
+        </p:nvCxnSpPr>
+        <p:spPr>
+          <a:xfrm flipH="1" flipV="1">
+            <a:off x="4765926" y="2290154"/>
+            <a:ext cx="652325" cy="990"/>
+          </a:xfrm>
+          <a:prstGeom prst="straightConnector1">
+            <a:avLst/>
+          </a:prstGeom>
+          <a:ln>
+            <a:tailEnd type="triangle"/>
+          </a:ln>
+        </p:spPr>
+        <p:style>
+          <a:lnRef idx="1">
+            <a:schemeClr val="dk1"/>
+          </a:lnRef>
+          <a:fillRef idx="0">
+            <a:schemeClr val="dk1"/>
+          </a:fillRef>
+          <a:effectRef idx="0">
+            <a:schemeClr val="dk1"/>
+          </a:effectRef>
+          <a:fontRef idx="minor">
+            <a:schemeClr val="tx1"/>
+          </a:fontRef>
+        </p:style>
+      </p:cxnSp>
+      <p:cxnSp>
+        <p:nvCxnSpPr>
+          <p:cNvPr id="95" name="Connector: Elbow 94">
+            <a:extLst>
+              <a:ext uri="{FF2B5EF4-FFF2-40B4-BE49-F238E27FC236}">
+                <a16:creationId xmlns:a16="http://schemas.microsoft.com/office/drawing/2014/main" id="{3433FF75-A059-E2ED-D4FC-D1DDD585EFDE}"/>
+              </a:ext>
+            </a:extLst>
+          </p:cNvPr>
+          <p:cNvCxnSpPr>
+            <a:stCxn id="20" idx="0"/>
+            <a:endCxn id="29" idx="2"/>
+          </p:cNvCxnSpPr>
+          <p:nvPr/>
+        </p:nvCxnSpPr>
+        <p:spPr>
+          <a:xfrm rot="16200000" flipV="1">
+            <a:off x="2989243" y="1161199"/>
+            <a:ext cx="441354" cy="566738"/>
+          </a:xfrm>
+          <a:prstGeom prst="bentConnector3">
+            <a:avLst/>
+          </a:prstGeom>
+          <a:ln>
+            <a:tailEnd type="triangle"/>
+          </a:ln>
+        </p:spPr>
+        <p:style>
+          <a:lnRef idx="1">
+            <a:schemeClr val="dk1"/>
+          </a:lnRef>
+          <a:fillRef idx="0">
+            <a:schemeClr val="dk1"/>
+          </a:fillRef>
+          <a:effectRef idx="0">
+            <a:schemeClr val="dk1"/>
+          </a:effectRef>
+          <a:fontRef idx="minor">
+            <a:schemeClr val="tx1"/>
+          </a:fontRef>
+        </p:style>
+      </p:cxnSp>
+      <p:sp>
+        <p:nvSpPr>
+          <p:cNvPr id="96" name="TextBox 95">
+            <a:extLst>
+              <a:ext uri="{FF2B5EF4-FFF2-40B4-BE49-F238E27FC236}">
+                <a16:creationId xmlns:a16="http://schemas.microsoft.com/office/drawing/2014/main" id="{0A43A316-94C0-F114-2F59-6F7ADEC8AECD}"/>
+              </a:ext>
+            </a:extLst>
+          </p:cNvPr>
+          <p:cNvSpPr txBox="1"/>
+          <p:nvPr/>
+        </p:nvSpPr>
+        <p:spPr>
+          <a:xfrm>
+            <a:off x="2542668" y="1379457"/>
+            <a:ext cx="1257300" cy="307777"/>
+          </a:xfrm>
+          <a:prstGeom prst="rect">
+            <a:avLst/>
+          </a:prstGeom>
+          <a:noFill/>
+        </p:spPr>
+        <p:txBody>
+          <a:bodyPr wrap="square" rtlCol="0">
+            <a:spAutoFit/>
+          </a:bodyPr>
+          <a:lstStyle/>
+          <a:p>
+            <a:pPr algn="ctr"/>
+            <a:r>
+              <a:rPr lang="en-US" sz="1400" dirty="0">
+                <a:solidFill>
+                  <a:schemeClr val="accent4"/>
+                </a:solidFill>
+                <a:latin typeface="Arial" panose="020B0604020202020204" pitchFamily="34" charset="0"/>
+                <a:cs typeface="Arial" panose="020B0604020202020204" pitchFamily="34" charset="0"/>
+              </a:rPr>
+              <a:t>Yes</a:t>
+            </a:r>
+          </a:p>
+        </p:txBody>
+      </p:sp>
+      <p:grpSp>
+        <p:nvGrpSpPr>
+          <p:cNvPr id="100" name="Group 99">
+            <a:extLst>
+              <a:ext uri="{FF2B5EF4-FFF2-40B4-BE49-F238E27FC236}">
+                <a16:creationId xmlns:a16="http://schemas.microsoft.com/office/drawing/2014/main" id="{0A15787D-F48E-7F92-45AA-6049EA73A1D7}"/>
+              </a:ext>
+            </a:extLst>
+          </p:cNvPr>
+          <p:cNvGrpSpPr/>
+          <p:nvPr/>
+        </p:nvGrpSpPr>
+        <p:grpSpPr>
+          <a:xfrm>
+            <a:off x="2722338" y="3229093"/>
+            <a:ext cx="1541900" cy="1016231"/>
+            <a:chOff x="2286062" y="2958064"/>
+            <a:chExt cx="1541900" cy="1016231"/>
+          </a:xfrm>
+        </p:grpSpPr>
+        <p:sp>
+          <p:nvSpPr>
+            <p:cNvPr id="98" name="Diamond 97">
+              <a:extLst>
+                <a:ext uri="{FF2B5EF4-FFF2-40B4-BE49-F238E27FC236}">
+                  <a16:creationId xmlns:a16="http://schemas.microsoft.com/office/drawing/2014/main" id="{C3D0582F-3CB4-2037-D675-8393271C3862}"/>
+                </a:ext>
+              </a:extLst>
+            </p:cNvPr>
+            <p:cNvSpPr/>
+            <p:nvPr/>
+          </p:nvSpPr>
+          <p:spPr>
+            <a:xfrm>
+              <a:off x="2286062" y="2958064"/>
+              <a:ext cx="1541900" cy="1016231"/>
+            </a:xfrm>
+            <a:prstGeom prst="diamond">
+              <a:avLst/>
+            </a:prstGeom>
+          </p:spPr>
+          <p:style>
+            <a:lnRef idx="2">
+              <a:schemeClr val="accent4">
+                <a:shade val="50000"/>
+              </a:schemeClr>
+            </a:lnRef>
+            <a:fillRef idx="1">
+              <a:schemeClr val="accent4"/>
+            </a:fillRef>
+            <a:effectRef idx="0">
+              <a:schemeClr val="accent4"/>
+            </a:effectRef>
+            <a:fontRef idx="minor">
+              <a:schemeClr val="lt1"/>
+            </a:fontRef>
+          </p:style>
+          <p:txBody>
+            <a:bodyPr rtlCol="0" anchor="ctr"/>
+            <a:lstStyle/>
+            <a:p>
+              <a:pPr algn="ctr"/>
+              <a:endParaRPr lang="en-US" sz="1400" dirty="0">
+                <a:latin typeface="Arial" panose="020B0604020202020204" pitchFamily="34" charset="0"/>
+                <a:cs typeface="Arial" panose="020B0604020202020204" pitchFamily="34" charset="0"/>
+              </a:endParaRPr>
+            </a:p>
+          </p:txBody>
+        </p:sp>
+        <p:sp>
+          <p:nvSpPr>
+            <p:cNvPr id="99" name="TextBox 98">
+              <a:extLst>
+                <a:ext uri="{FF2B5EF4-FFF2-40B4-BE49-F238E27FC236}">
+                  <a16:creationId xmlns:a16="http://schemas.microsoft.com/office/drawing/2014/main" id="{1E70B1DF-4D2B-2F2E-D95A-1B8FC9FA124A}"/>
+                </a:ext>
+              </a:extLst>
+            </p:cNvPr>
+            <p:cNvSpPr txBox="1"/>
+            <p:nvPr/>
+          </p:nvSpPr>
+          <p:spPr>
+            <a:xfrm>
+              <a:off x="2362710" y="3260992"/>
+              <a:ext cx="1379468" cy="523220"/>
+            </a:xfrm>
+            <a:prstGeom prst="rect">
+              <a:avLst/>
+            </a:prstGeom>
+            <a:noFill/>
+          </p:spPr>
+          <p:txBody>
+            <a:bodyPr wrap="square" rtlCol="0" anchor="ctr">
+              <a:spAutoFit/>
+            </a:bodyPr>
+            <a:lstStyle/>
+            <a:p>
+              <a:pPr algn="ctr"/>
+              <a:r>
+                <a:rPr lang="en-US" sz="1400" dirty="0">
+                  <a:solidFill>
+                    <a:schemeClr val="bg1"/>
+                  </a:solidFill>
+                  <a:latin typeface="Arial" panose="020B0604020202020204" pitchFamily="34" charset="0"/>
+                  <a:cs typeface="Arial" panose="020B0604020202020204" pitchFamily="34" charset="0"/>
+                </a:rPr>
+                <a:t>Are All Chunks Printed</a:t>
+              </a:r>
+            </a:p>
+          </p:txBody>
+        </p:sp>
+      </p:grpSp>
+      <p:cxnSp>
+        <p:nvCxnSpPr>
+          <p:cNvPr id="102" name="Straight Arrow Connector 101">
+            <a:extLst>
+              <a:ext uri="{FF2B5EF4-FFF2-40B4-BE49-F238E27FC236}">
+                <a16:creationId xmlns:a16="http://schemas.microsoft.com/office/drawing/2014/main" id="{F4C6EFFE-1A67-20B5-28B2-5A4BE6420B8C}"/>
+              </a:ext>
+            </a:extLst>
+          </p:cNvPr>
+          <p:cNvCxnSpPr>
+            <a:stCxn id="20" idx="2"/>
+            <a:endCxn id="98" idx="0"/>
+          </p:cNvCxnSpPr>
+          <p:nvPr/>
+        </p:nvCxnSpPr>
+        <p:spPr>
+          <a:xfrm flipH="1">
+            <a:off x="3493288" y="2915062"/>
+            <a:ext cx="1" cy="314031"/>
+          </a:xfrm>
+          <a:prstGeom prst="straightConnector1">
+            <a:avLst/>
+          </a:prstGeom>
+          <a:ln>
+            <a:tailEnd type="triangle"/>
+          </a:ln>
+        </p:spPr>
+        <p:style>
+          <a:lnRef idx="1">
+            <a:schemeClr val="dk1"/>
+          </a:lnRef>
+          <a:fillRef idx="0">
+            <a:schemeClr val="dk1"/>
+          </a:fillRef>
+          <a:effectRef idx="0">
+            <a:schemeClr val="dk1"/>
+          </a:effectRef>
+          <a:fontRef idx="minor">
+            <a:schemeClr val="tx1"/>
+          </a:fontRef>
+        </p:style>
+      </p:cxnSp>
+      <p:sp>
+        <p:nvSpPr>
+          <p:cNvPr id="103" name="TextBox 102">
+            <a:extLst>
+              <a:ext uri="{FF2B5EF4-FFF2-40B4-BE49-F238E27FC236}">
+                <a16:creationId xmlns:a16="http://schemas.microsoft.com/office/drawing/2014/main" id="{9D9DB335-B28C-5123-0D54-B304A860D683}"/>
+              </a:ext>
+            </a:extLst>
+          </p:cNvPr>
+          <p:cNvSpPr txBox="1"/>
+          <p:nvPr/>
+        </p:nvSpPr>
+        <p:spPr>
+          <a:xfrm>
+            <a:off x="3034312" y="2930069"/>
+            <a:ext cx="1257300" cy="307777"/>
+          </a:xfrm>
+          <a:prstGeom prst="rect">
+            <a:avLst/>
+          </a:prstGeom>
+          <a:noFill/>
+        </p:spPr>
+        <p:txBody>
+          <a:bodyPr wrap="square" rtlCol="0">
+            <a:spAutoFit/>
+          </a:bodyPr>
+          <a:lstStyle/>
+          <a:p>
+            <a:pPr algn="ctr"/>
+            <a:r>
+              <a:rPr lang="en-US" sz="1400" dirty="0">
+                <a:solidFill>
+                  <a:schemeClr val="accent4"/>
+                </a:solidFill>
+                <a:latin typeface="Arial" panose="020B0604020202020204" pitchFamily="34" charset="0"/>
+                <a:cs typeface="Arial" panose="020B0604020202020204" pitchFamily="34" charset="0"/>
+              </a:rPr>
+              <a:t>No</a:t>
+            </a:r>
+          </a:p>
+        </p:txBody>
+      </p:sp>
+      <p:grpSp>
+        <p:nvGrpSpPr>
+          <p:cNvPr id="104" name="Group 103">
+            <a:extLst>
+              <a:ext uri="{FF2B5EF4-FFF2-40B4-BE49-F238E27FC236}">
+                <a16:creationId xmlns:a16="http://schemas.microsoft.com/office/drawing/2014/main" id="{FDA8C248-2959-E43F-AAA3-DBB32936E78C}"/>
+              </a:ext>
+            </a:extLst>
+          </p:cNvPr>
+          <p:cNvGrpSpPr/>
+          <p:nvPr/>
+        </p:nvGrpSpPr>
+        <p:grpSpPr>
+          <a:xfrm>
+            <a:off x="706452" y="3469402"/>
+            <a:ext cx="1430324" cy="535611"/>
+            <a:chOff x="263170" y="286294"/>
+            <a:chExt cx="1739590" cy="993430"/>
+          </a:xfrm>
+        </p:grpSpPr>
+        <p:sp>
+          <p:nvSpPr>
+            <p:cNvPr id="105" name="Parallelogram 104">
+              <a:extLst>
+                <a:ext uri="{FF2B5EF4-FFF2-40B4-BE49-F238E27FC236}">
+                  <a16:creationId xmlns:a16="http://schemas.microsoft.com/office/drawing/2014/main" id="{C61B9FB6-9A9A-5EC1-F978-7007509A3D93}"/>
+                </a:ext>
+              </a:extLst>
+            </p:cNvPr>
+            <p:cNvSpPr/>
+            <p:nvPr/>
+          </p:nvSpPr>
+          <p:spPr>
+            <a:xfrm>
+              <a:off x="263170" y="325617"/>
+              <a:ext cx="1739590" cy="954107"/>
+            </a:xfrm>
+            <a:prstGeom prst="parallelogram">
+              <a:avLst/>
+            </a:prstGeom>
+          </p:spPr>
+          <p:style>
+            <a:lnRef idx="2">
+              <a:schemeClr val="accent6">
+                <a:shade val="50000"/>
+              </a:schemeClr>
+            </a:lnRef>
+            <a:fillRef idx="1">
+              <a:schemeClr val="accent6"/>
+            </a:fillRef>
+            <a:effectRef idx="0">
+              <a:schemeClr val="accent6"/>
+            </a:effectRef>
+            <a:fontRef idx="minor">
+              <a:schemeClr val="lt1"/>
+            </a:fontRef>
+          </p:style>
+          <p:txBody>
+            <a:bodyPr rtlCol="0" anchor="ctr"/>
+            <a:lstStyle/>
+            <a:p>
+              <a:pPr algn="ctr"/>
+              <a:endParaRPr lang="en-US"/>
+            </a:p>
+          </p:txBody>
+        </p:sp>
+        <p:sp>
+          <p:nvSpPr>
+            <p:cNvPr id="106" name="TextBox 105">
+              <a:extLst>
+                <a:ext uri="{FF2B5EF4-FFF2-40B4-BE49-F238E27FC236}">
+                  <a16:creationId xmlns:a16="http://schemas.microsoft.com/office/drawing/2014/main" id="{CA7ADF94-6C4D-371F-8E97-F2426DAC94DF}"/>
+                </a:ext>
+              </a:extLst>
+            </p:cNvPr>
+            <p:cNvSpPr txBox="1"/>
+            <p:nvPr/>
+          </p:nvSpPr>
+          <p:spPr>
+            <a:xfrm>
+              <a:off x="428573" y="286294"/>
+              <a:ext cx="1416085" cy="523220"/>
             </a:xfrm>
             <a:prstGeom prst="rect">
               <a:avLst/>
@@ -3165,734 +4734,283 @@
             <a:p>
               <a:pPr algn="ctr"/>
               <a:r>
-                <a:rPr lang="en-US" sz="1200" dirty="0">
+                <a:rPr lang="en-US" sz="1400" dirty="0">
                   <a:solidFill>
                     <a:schemeClr val="bg1"/>
                   </a:solidFill>
                   <a:latin typeface="Arial" panose="020B0604020202020204" pitchFamily="34" charset="0"/>
                   <a:cs typeface="Arial" panose="020B0604020202020204" pitchFamily="34" charset="0"/>
                 </a:rPr>
-                <a:t>Chunk 1</a:t>
-              </a:r>
-            </a:p>
-            <a:p>
-              <a:pPr algn="ctr"/>
-              <a:r>
-                <a:rPr lang="en-US" sz="1200" dirty="0">
-                  <a:solidFill>
-                    <a:schemeClr val="bg1"/>
-                  </a:solidFill>
-                  <a:latin typeface="Arial" panose="020B0604020202020204" pitchFamily="34" charset="0"/>
-                  <a:cs typeface="Arial" panose="020B0604020202020204" pitchFamily="34" charset="0"/>
-                </a:rPr>
-                <a:t>Print Time:</a:t>
-              </a:r>
-            </a:p>
-            <a:p>
-              <a:pPr algn="ctr"/>
-              <a:r>
-                <a:rPr lang="en-US" sz="1200" dirty="0">
-                  <a:solidFill>
-                    <a:schemeClr val="bg1"/>
-                  </a:solidFill>
-                  <a:latin typeface="Arial" panose="020B0604020202020204" pitchFamily="34" charset="0"/>
-                  <a:cs typeface="Arial" panose="020B0604020202020204" pitchFamily="34" charset="0"/>
-                </a:rPr>
-                <a:t>1899</a:t>
-              </a:r>
-            </a:p>
-          </p:txBody>
-        </p:sp>
-        <p:sp>
-          <p:nvSpPr>
-            <p:cNvPr id="44" name="TextBox 43">
-              <a:extLst>
-                <a:ext uri="{FF2B5EF4-FFF2-40B4-BE49-F238E27FC236}">
-                  <a16:creationId xmlns:a16="http://schemas.microsoft.com/office/drawing/2014/main" id="{D25D69CE-0D73-44A9-B054-C600A4A9DB68}"/>
-                </a:ext>
-              </a:extLst>
-            </p:cNvPr>
-            <p:cNvSpPr txBox="1"/>
-            <p:nvPr/>
-          </p:nvSpPr>
-          <p:spPr>
-            <a:xfrm>
-              <a:off x="7564580" y="2203217"/>
-              <a:ext cx="931817" cy="646331"/>
-            </a:xfrm>
-            <a:prstGeom prst="rect">
-              <a:avLst/>
-            </a:prstGeom>
-            <a:noFill/>
-          </p:spPr>
-          <p:txBody>
-            <a:bodyPr wrap="square" rtlCol="0">
-              <a:spAutoFit/>
-            </a:bodyPr>
-            <a:lstStyle/>
-            <a:p>
-              <a:pPr algn="ctr"/>
-              <a:r>
-                <a:rPr lang="en-US" sz="1200" dirty="0">
-                  <a:solidFill>
-                    <a:schemeClr val="bg1"/>
-                  </a:solidFill>
-                  <a:latin typeface="Arial" panose="020B0604020202020204" pitchFamily="34" charset="0"/>
-                  <a:cs typeface="Arial" panose="020B0604020202020204" pitchFamily="34" charset="0"/>
-                </a:rPr>
-                <a:t>Chunk 2</a:t>
-              </a:r>
-            </a:p>
-            <a:p>
-              <a:pPr algn="ctr"/>
-              <a:r>
-                <a:rPr lang="en-US" sz="1200" dirty="0">
-                  <a:solidFill>
-                    <a:schemeClr val="bg1"/>
-                  </a:solidFill>
-                  <a:latin typeface="Arial" panose="020B0604020202020204" pitchFamily="34" charset="0"/>
-                  <a:cs typeface="Arial" panose="020B0604020202020204" pitchFamily="34" charset="0"/>
-                </a:rPr>
-                <a:t>Print Time:</a:t>
-              </a:r>
-            </a:p>
-            <a:p>
-              <a:pPr algn="ctr"/>
-              <a:r>
-                <a:rPr lang="en-US" sz="1200" dirty="0">
-                  <a:solidFill>
-                    <a:schemeClr val="bg1"/>
-                  </a:solidFill>
-                  <a:latin typeface="Arial" panose="020B0604020202020204" pitchFamily="34" charset="0"/>
-                  <a:cs typeface="Arial" panose="020B0604020202020204" pitchFamily="34" charset="0"/>
-                </a:rPr>
-                <a:t>2929</a:t>
-              </a:r>
-            </a:p>
-          </p:txBody>
-        </p:sp>
-        <p:sp>
-          <p:nvSpPr>
-            <p:cNvPr id="45" name="TextBox 44">
-              <a:extLst>
-                <a:ext uri="{FF2B5EF4-FFF2-40B4-BE49-F238E27FC236}">
-                  <a16:creationId xmlns:a16="http://schemas.microsoft.com/office/drawing/2014/main" id="{5B6BB447-F194-410A-926A-67FA12713FA2}"/>
-                </a:ext>
-              </a:extLst>
-            </p:cNvPr>
-            <p:cNvSpPr txBox="1"/>
-            <p:nvPr/>
-          </p:nvSpPr>
-          <p:spPr>
-            <a:xfrm>
-              <a:off x="9300952" y="2203217"/>
-              <a:ext cx="931817" cy="646331"/>
-            </a:xfrm>
-            <a:prstGeom prst="rect">
-              <a:avLst/>
-            </a:prstGeom>
-            <a:noFill/>
-          </p:spPr>
-          <p:txBody>
-            <a:bodyPr wrap="square" rtlCol="0">
-              <a:spAutoFit/>
-            </a:bodyPr>
-            <a:lstStyle/>
-            <a:p>
-              <a:pPr algn="ctr"/>
-              <a:r>
-                <a:rPr lang="en-US" sz="1200" dirty="0">
-                  <a:solidFill>
-                    <a:schemeClr val="bg1"/>
-                  </a:solidFill>
-                  <a:latin typeface="Arial" panose="020B0604020202020204" pitchFamily="34" charset="0"/>
-                  <a:cs typeface="Arial" panose="020B0604020202020204" pitchFamily="34" charset="0"/>
-                </a:rPr>
-                <a:t>Chunk 3</a:t>
-              </a:r>
-            </a:p>
-            <a:p>
-              <a:pPr algn="ctr"/>
-              <a:r>
-                <a:rPr lang="en-US" sz="1200" dirty="0">
-                  <a:solidFill>
-                    <a:schemeClr val="bg1"/>
-                  </a:solidFill>
-                  <a:latin typeface="Arial" panose="020B0604020202020204" pitchFamily="34" charset="0"/>
-                  <a:cs typeface="Arial" panose="020B0604020202020204" pitchFamily="34" charset="0"/>
-                </a:rPr>
-                <a:t>Print Time:</a:t>
-              </a:r>
-            </a:p>
-            <a:p>
-              <a:pPr algn="ctr"/>
-              <a:r>
-                <a:rPr lang="en-US" sz="1200" dirty="0">
-                  <a:solidFill>
-                    <a:schemeClr val="bg1"/>
-                  </a:solidFill>
-                  <a:latin typeface="Arial" panose="020B0604020202020204" pitchFamily="34" charset="0"/>
-                  <a:cs typeface="Arial" panose="020B0604020202020204" pitchFamily="34" charset="0"/>
-                </a:rPr>
-                <a:t>2490</a:t>
-              </a:r>
-            </a:p>
-          </p:txBody>
-        </p:sp>
-        <p:sp>
-          <p:nvSpPr>
-            <p:cNvPr id="46" name="TextBox 45">
-              <a:extLst>
-                <a:ext uri="{FF2B5EF4-FFF2-40B4-BE49-F238E27FC236}">
-                  <a16:creationId xmlns:a16="http://schemas.microsoft.com/office/drawing/2014/main" id="{5B3C20FE-914B-44D4-9728-171B59DA01F5}"/>
-                </a:ext>
-              </a:extLst>
-            </p:cNvPr>
-            <p:cNvSpPr txBox="1"/>
-            <p:nvPr/>
-          </p:nvSpPr>
-          <p:spPr>
-            <a:xfrm>
-              <a:off x="7564581" y="3780858"/>
-              <a:ext cx="931817" cy="646331"/>
-            </a:xfrm>
-            <a:prstGeom prst="rect">
-              <a:avLst/>
-            </a:prstGeom>
-            <a:noFill/>
-          </p:spPr>
-          <p:txBody>
-            <a:bodyPr wrap="square" rtlCol="0">
-              <a:spAutoFit/>
-            </a:bodyPr>
-            <a:lstStyle/>
-            <a:p>
-              <a:pPr algn="ctr"/>
-              <a:r>
-                <a:rPr lang="en-US" sz="1200" dirty="0">
-                  <a:solidFill>
-                    <a:schemeClr val="bg1"/>
-                  </a:solidFill>
-                  <a:latin typeface="Arial" panose="020B0604020202020204" pitchFamily="34" charset="0"/>
-                  <a:cs typeface="Arial" panose="020B0604020202020204" pitchFamily="34" charset="0"/>
-                </a:rPr>
-                <a:t>Chunk 4</a:t>
-              </a:r>
-            </a:p>
-            <a:p>
-              <a:pPr algn="ctr"/>
-              <a:r>
-                <a:rPr lang="en-US" sz="1200" dirty="0">
-                  <a:solidFill>
-                    <a:schemeClr val="bg1"/>
-                  </a:solidFill>
-                  <a:latin typeface="Arial" panose="020B0604020202020204" pitchFamily="34" charset="0"/>
-                  <a:cs typeface="Arial" panose="020B0604020202020204" pitchFamily="34" charset="0"/>
-                </a:rPr>
-                <a:t>Print Time:</a:t>
-              </a:r>
-            </a:p>
-            <a:p>
-              <a:pPr algn="ctr"/>
-              <a:r>
-                <a:rPr lang="en-US" sz="1200" dirty="0">
-                  <a:solidFill>
-                    <a:schemeClr val="bg1"/>
-                  </a:solidFill>
-                  <a:latin typeface="Arial" panose="020B0604020202020204" pitchFamily="34" charset="0"/>
-                  <a:cs typeface="Arial" panose="020B0604020202020204" pitchFamily="34" charset="0"/>
-                </a:rPr>
-                <a:t>1429</a:t>
-              </a:r>
-            </a:p>
-          </p:txBody>
-        </p:sp>
-        <p:sp>
-          <p:nvSpPr>
-            <p:cNvPr id="47" name="TextBox 46">
-              <a:extLst>
-                <a:ext uri="{FF2B5EF4-FFF2-40B4-BE49-F238E27FC236}">
-                  <a16:creationId xmlns:a16="http://schemas.microsoft.com/office/drawing/2014/main" id="{583FCF5C-07F8-4723-891B-B80D71B7CB9E}"/>
-                </a:ext>
-              </a:extLst>
-            </p:cNvPr>
-            <p:cNvSpPr txBox="1"/>
-            <p:nvPr/>
-          </p:nvSpPr>
-          <p:spPr>
-            <a:xfrm>
-              <a:off x="9300951" y="3780858"/>
-              <a:ext cx="931817" cy="646331"/>
-            </a:xfrm>
-            <a:prstGeom prst="rect">
-              <a:avLst/>
-            </a:prstGeom>
-            <a:noFill/>
-          </p:spPr>
-          <p:txBody>
-            <a:bodyPr wrap="square" rtlCol="0">
-              <a:spAutoFit/>
-            </a:bodyPr>
-            <a:lstStyle/>
-            <a:p>
-              <a:pPr algn="ctr"/>
-              <a:r>
-                <a:rPr lang="en-US" sz="1200" dirty="0">
-                  <a:solidFill>
-                    <a:schemeClr val="bg1"/>
-                  </a:solidFill>
-                  <a:latin typeface="Arial" panose="020B0604020202020204" pitchFamily="34" charset="0"/>
-                  <a:cs typeface="Arial" panose="020B0604020202020204" pitchFamily="34" charset="0"/>
-                </a:rPr>
-                <a:t>Chunk 5</a:t>
-              </a:r>
-            </a:p>
-            <a:p>
-              <a:pPr algn="ctr"/>
-              <a:r>
-                <a:rPr lang="en-US" sz="1200" dirty="0">
-                  <a:solidFill>
-                    <a:schemeClr val="bg1"/>
-                  </a:solidFill>
-                  <a:latin typeface="Arial" panose="020B0604020202020204" pitchFamily="34" charset="0"/>
-                  <a:cs typeface="Arial" panose="020B0604020202020204" pitchFamily="34" charset="0"/>
-                </a:rPr>
-                <a:t>Print Time:</a:t>
-              </a:r>
-            </a:p>
-            <a:p>
-              <a:pPr algn="ctr"/>
-              <a:r>
-                <a:rPr lang="en-US" sz="1200" dirty="0">
-                  <a:solidFill>
-                    <a:schemeClr val="bg1"/>
-                  </a:solidFill>
-                  <a:latin typeface="Arial" panose="020B0604020202020204" pitchFamily="34" charset="0"/>
-                  <a:cs typeface="Arial" panose="020B0604020202020204" pitchFamily="34" charset="0"/>
-                </a:rPr>
-                <a:t>1236</a:t>
-              </a:r>
-            </a:p>
-          </p:txBody>
-        </p:sp>
-        <p:cxnSp>
-          <p:nvCxnSpPr>
-            <p:cNvPr id="48" name="Straight Arrow Connector 47">
-              <a:extLst>
-                <a:ext uri="{FF2B5EF4-FFF2-40B4-BE49-F238E27FC236}">
-                  <a16:creationId xmlns:a16="http://schemas.microsoft.com/office/drawing/2014/main" id="{599BE48B-0015-4E15-93F7-A4B25E72DBC1}"/>
-                </a:ext>
-              </a:extLst>
-            </p:cNvPr>
-            <p:cNvCxnSpPr>
-              <a:cxnSpLocks/>
-              <a:stCxn id="43" idx="1"/>
-              <a:endCxn id="42" idx="3"/>
-            </p:cNvCxnSpPr>
-            <p:nvPr/>
-          </p:nvCxnSpPr>
-          <p:spPr>
-            <a:xfrm flipH="1">
-              <a:off x="8496398" y="806297"/>
-              <a:ext cx="804554" cy="0"/>
-            </a:xfrm>
-            <a:prstGeom prst="straightConnector1">
-              <a:avLst/>
-            </a:prstGeom>
-            <a:ln>
-              <a:solidFill>
-                <a:srgbClr val="FF0000"/>
-              </a:solidFill>
-              <a:tailEnd type="triangle"/>
-            </a:ln>
-          </p:spPr>
-          <p:style>
-            <a:lnRef idx="1">
-              <a:schemeClr val="accent1"/>
-            </a:lnRef>
-            <a:fillRef idx="0">
-              <a:schemeClr val="accent1"/>
-            </a:fillRef>
-            <a:effectRef idx="0">
-              <a:schemeClr val="accent1"/>
-            </a:effectRef>
-            <a:fontRef idx="minor">
-              <a:schemeClr val="tx1"/>
-            </a:fontRef>
-          </p:style>
-        </p:cxnSp>
-        <p:cxnSp>
-          <p:nvCxnSpPr>
-            <p:cNvPr id="49" name="Straight Arrow Connector 48">
-              <a:extLst>
-                <a:ext uri="{FF2B5EF4-FFF2-40B4-BE49-F238E27FC236}">
-                  <a16:creationId xmlns:a16="http://schemas.microsoft.com/office/drawing/2014/main" id="{798837F7-E3C8-4598-A7C4-2F79FE6E37EA}"/>
-                </a:ext>
-              </a:extLst>
-            </p:cNvPr>
-            <p:cNvCxnSpPr>
-              <a:cxnSpLocks/>
-              <a:stCxn id="45" idx="1"/>
-              <a:endCxn id="44" idx="3"/>
-            </p:cNvCxnSpPr>
-            <p:nvPr/>
-          </p:nvCxnSpPr>
-          <p:spPr>
-            <a:xfrm flipH="1">
-              <a:off x="8496397" y="2526382"/>
-              <a:ext cx="804555" cy="0"/>
-            </a:xfrm>
-            <a:prstGeom prst="straightConnector1">
-              <a:avLst/>
-            </a:prstGeom>
-            <a:ln>
-              <a:solidFill>
-                <a:srgbClr val="FF0000"/>
-              </a:solidFill>
-              <a:tailEnd type="triangle"/>
-            </a:ln>
-          </p:spPr>
-          <p:style>
-            <a:lnRef idx="1">
-              <a:schemeClr val="accent1"/>
-            </a:lnRef>
-            <a:fillRef idx="0">
-              <a:schemeClr val="accent1"/>
-            </a:fillRef>
-            <a:effectRef idx="0">
-              <a:schemeClr val="accent1"/>
-            </a:effectRef>
-            <a:fontRef idx="minor">
-              <a:schemeClr val="tx1"/>
-            </a:fontRef>
-          </p:style>
-        </p:cxnSp>
-        <p:cxnSp>
-          <p:nvCxnSpPr>
-            <p:cNvPr id="50" name="Straight Arrow Connector 49">
-              <a:extLst>
-                <a:ext uri="{FF2B5EF4-FFF2-40B4-BE49-F238E27FC236}">
-                  <a16:creationId xmlns:a16="http://schemas.microsoft.com/office/drawing/2014/main" id="{17A6C106-FE6F-4B53-8B41-61C38371F97A}"/>
-                </a:ext>
-              </a:extLst>
-            </p:cNvPr>
-            <p:cNvCxnSpPr>
-              <a:cxnSpLocks/>
-              <a:stCxn id="47" idx="1"/>
-              <a:endCxn id="46" idx="3"/>
-            </p:cNvCxnSpPr>
-            <p:nvPr/>
-          </p:nvCxnSpPr>
-          <p:spPr>
-            <a:xfrm flipH="1">
-              <a:off x="8496398" y="4104024"/>
-              <a:ext cx="804553" cy="0"/>
-            </a:xfrm>
-            <a:prstGeom prst="straightConnector1">
-              <a:avLst/>
-            </a:prstGeom>
-            <a:ln>
-              <a:solidFill>
-                <a:srgbClr val="FF0000"/>
-              </a:solidFill>
-              <a:tailEnd type="triangle"/>
-            </a:ln>
-          </p:spPr>
-          <p:style>
-            <a:lnRef idx="1">
-              <a:schemeClr val="accent1"/>
-            </a:lnRef>
-            <a:fillRef idx="0">
-              <a:schemeClr val="accent1"/>
-            </a:fillRef>
-            <a:effectRef idx="0">
-              <a:schemeClr val="accent1"/>
-            </a:effectRef>
-            <a:fontRef idx="minor">
-              <a:schemeClr val="tx1"/>
-            </a:fontRef>
-          </p:style>
-        </p:cxnSp>
-        <p:cxnSp>
-          <p:nvCxnSpPr>
-            <p:cNvPr id="51" name="Straight Arrow Connector 50">
-              <a:extLst>
-                <a:ext uri="{FF2B5EF4-FFF2-40B4-BE49-F238E27FC236}">
-                  <a16:creationId xmlns:a16="http://schemas.microsoft.com/office/drawing/2014/main" id="{CCAEB725-399B-4562-B033-02AB680F7262}"/>
-                </a:ext>
-              </a:extLst>
-            </p:cNvPr>
-            <p:cNvCxnSpPr>
-              <a:cxnSpLocks/>
-              <a:stCxn id="46" idx="0"/>
-              <a:endCxn id="44" idx="2"/>
-            </p:cNvCxnSpPr>
-            <p:nvPr/>
-          </p:nvCxnSpPr>
-          <p:spPr>
-            <a:xfrm flipH="1" flipV="1">
-              <a:off x="8030489" y="3134526"/>
-              <a:ext cx="1" cy="646332"/>
-            </a:xfrm>
-            <a:prstGeom prst="straightConnector1">
-              <a:avLst/>
-            </a:prstGeom>
-            <a:ln>
-              <a:solidFill>
-                <a:srgbClr val="FF0000"/>
-              </a:solidFill>
-              <a:tailEnd type="triangle"/>
-            </a:ln>
-          </p:spPr>
-          <p:style>
-            <a:lnRef idx="1">
-              <a:schemeClr val="accent1"/>
-            </a:lnRef>
-            <a:fillRef idx="0">
-              <a:schemeClr val="accent1"/>
-            </a:fillRef>
-            <a:effectRef idx="0">
-              <a:schemeClr val="accent1"/>
-            </a:effectRef>
-            <a:fontRef idx="minor">
-              <a:schemeClr val="tx1"/>
-            </a:fontRef>
-          </p:style>
-        </p:cxnSp>
-        <p:cxnSp>
-          <p:nvCxnSpPr>
-            <p:cNvPr id="52" name="Straight Arrow Connector 51">
-              <a:extLst>
-                <a:ext uri="{FF2B5EF4-FFF2-40B4-BE49-F238E27FC236}">
-                  <a16:creationId xmlns:a16="http://schemas.microsoft.com/office/drawing/2014/main" id="{D93E2D4E-51A7-460D-828F-BB539457AA3B}"/>
-                </a:ext>
-              </a:extLst>
-            </p:cNvPr>
-            <p:cNvCxnSpPr>
-              <a:cxnSpLocks/>
-              <a:stCxn id="47" idx="0"/>
-              <a:endCxn id="45" idx="2"/>
-            </p:cNvCxnSpPr>
-            <p:nvPr/>
-          </p:nvCxnSpPr>
-          <p:spPr>
-            <a:xfrm flipV="1">
-              <a:off x="9766860" y="3134526"/>
-              <a:ext cx="1" cy="646332"/>
-            </a:xfrm>
-            <a:prstGeom prst="straightConnector1">
-              <a:avLst/>
-            </a:prstGeom>
-            <a:ln>
-              <a:solidFill>
-                <a:srgbClr val="FF0000"/>
-              </a:solidFill>
-              <a:tailEnd type="triangle"/>
-            </a:ln>
-          </p:spPr>
-          <p:style>
-            <a:lnRef idx="1">
-              <a:schemeClr val="accent1"/>
-            </a:lnRef>
-            <a:fillRef idx="0">
-              <a:schemeClr val="accent1"/>
-            </a:fillRef>
-            <a:effectRef idx="0">
-              <a:schemeClr val="accent1"/>
-            </a:effectRef>
-            <a:fontRef idx="minor">
-              <a:schemeClr val="tx1"/>
-            </a:fontRef>
-          </p:style>
-        </p:cxnSp>
-        <p:cxnSp>
-          <p:nvCxnSpPr>
-            <p:cNvPr id="53" name="Straight Arrow Connector 52">
-              <a:extLst>
-                <a:ext uri="{FF2B5EF4-FFF2-40B4-BE49-F238E27FC236}">
-                  <a16:creationId xmlns:a16="http://schemas.microsoft.com/office/drawing/2014/main" id="{055F69F8-BC73-40AC-B9A5-6EB8B62F17A7}"/>
-                </a:ext>
-              </a:extLst>
-            </p:cNvPr>
-            <p:cNvCxnSpPr>
-              <a:cxnSpLocks/>
-              <a:stCxn id="44" idx="0"/>
-              <a:endCxn id="42" idx="2"/>
-            </p:cNvCxnSpPr>
-            <p:nvPr/>
-          </p:nvCxnSpPr>
-          <p:spPr>
-            <a:xfrm flipV="1">
-              <a:off x="8030489" y="1129462"/>
-              <a:ext cx="1" cy="1073754"/>
-            </a:xfrm>
-            <a:prstGeom prst="straightConnector1">
-              <a:avLst/>
-            </a:prstGeom>
-            <a:ln>
-              <a:solidFill>
-                <a:srgbClr val="FF0000"/>
-              </a:solidFill>
-              <a:tailEnd type="triangle"/>
-            </a:ln>
-          </p:spPr>
-          <p:style>
-            <a:lnRef idx="1">
-              <a:schemeClr val="accent1"/>
-            </a:lnRef>
-            <a:fillRef idx="0">
-              <a:schemeClr val="accent1"/>
-            </a:fillRef>
-            <a:effectRef idx="0">
-              <a:schemeClr val="accent1"/>
-            </a:effectRef>
-            <a:fontRef idx="minor">
-              <a:schemeClr val="tx1"/>
-            </a:fontRef>
-          </p:style>
-        </p:cxnSp>
-        <p:cxnSp>
-          <p:nvCxnSpPr>
-            <p:cNvPr id="54" name="Straight Arrow Connector 53">
-              <a:extLst>
-                <a:ext uri="{FF2B5EF4-FFF2-40B4-BE49-F238E27FC236}">
-                  <a16:creationId xmlns:a16="http://schemas.microsoft.com/office/drawing/2014/main" id="{13D54304-05BD-4FC5-8DCB-D2075505596F}"/>
-                </a:ext>
-              </a:extLst>
-            </p:cNvPr>
-            <p:cNvCxnSpPr>
-              <a:cxnSpLocks/>
-              <a:stCxn id="45" idx="0"/>
-              <a:endCxn id="43" idx="2"/>
-            </p:cNvCxnSpPr>
-            <p:nvPr/>
-          </p:nvCxnSpPr>
-          <p:spPr>
-            <a:xfrm flipV="1">
-              <a:off x="9766861" y="1129462"/>
-              <a:ext cx="0" cy="1073754"/>
-            </a:xfrm>
-            <a:prstGeom prst="straightConnector1">
-              <a:avLst/>
-            </a:prstGeom>
-            <a:ln>
-              <a:solidFill>
-                <a:srgbClr val="FF0000"/>
-              </a:solidFill>
-              <a:tailEnd type="triangle"/>
-            </a:ln>
-          </p:spPr>
-          <p:style>
-            <a:lnRef idx="1">
-              <a:schemeClr val="accent1"/>
-            </a:lnRef>
-            <a:fillRef idx="0">
-              <a:schemeClr val="accent1"/>
-            </a:fillRef>
-            <a:effectRef idx="0">
-              <a:schemeClr val="accent1"/>
-            </a:effectRef>
-            <a:fontRef idx="minor">
-              <a:schemeClr val="tx1"/>
-            </a:fontRef>
-          </p:style>
-        </p:cxnSp>
-        <p:sp>
-          <p:nvSpPr>
-            <p:cNvPr id="55" name="TextBox 54">
-              <a:extLst>
-                <a:ext uri="{FF2B5EF4-FFF2-40B4-BE49-F238E27FC236}">
-                  <a16:creationId xmlns:a16="http://schemas.microsoft.com/office/drawing/2014/main" id="{853F2E35-564A-4A01-BE52-6BB37539D1B9}"/>
-                </a:ext>
-              </a:extLst>
-            </p:cNvPr>
-            <p:cNvSpPr txBox="1"/>
-            <p:nvPr/>
-          </p:nvSpPr>
-          <p:spPr>
-            <a:xfrm>
-              <a:off x="1750422" y="4901155"/>
-              <a:ext cx="3596640" cy="436614"/>
-            </a:xfrm>
-            <a:prstGeom prst="rect">
-              <a:avLst/>
-            </a:prstGeom>
-            <a:noFill/>
-          </p:spPr>
-          <p:txBody>
-            <a:bodyPr wrap="square" rtlCol="0">
-              <a:spAutoFit/>
-            </a:bodyPr>
-            <a:lstStyle/>
-            <a:p>
-              <a:pPr algn="ctr"/>
-              <a:r>
-                <a:rPr lang="en-US" dirty="0">
-                  <a:latin typeface="Arial" panose="020B0604020202020204" pitchFamily="34" charset="0"/>
-                  <a:cs typeface="Arial" panose="020B0604020202020204" pitchFamily="34" charset="0"/>
-                </a:rPr>
-                <a:t>(A) Tall Box Jobs</a:t>
-              </a:r>
-            </a:p>
-          </p:txBody>
-        </p:sp>
-        <p:sp>
-          <p:nvSpPr>
-            <p:cNvPr id="56" name="TextBox 55">
-              <a:extLst>
-                <a:ext uri="{FF2B5EF4-FFF2-40B4-BE49-F238E27FC236}">
-                  <a16:creationId xmlns:a16="http://schemas.microsoft.com/office/drawing/2014/main" id="{9AD20D12-D7C7-4AEF-A343-B880E5F9B4A2}"/>
-                </a:ext>
-              </a:extLst>
-            </p:cNvPr>
-            <p:cNvSpPr txBox="1"/>
-            <p:nvPr/>
-          </p:nvSpPr>
-          <p:spPr>
-            <a:xfrm>
-              <a:off x="6810102" y="4892800"/>
-              <a:ext cx="4133096" cy="758941"/>
-            </a:xfrm>
-            <a:prstGeom prst="rect">
-              <a:avLst/>
-            </a:prstGeom>
-            <a:noFill/>
-          </p:spPr>
-          <p:txBody>
-            <a:bodyPr wrap="square" rtlCol="0">
-              <a:spAutoFit/>
-            </a:bodyPr>
-            <a:lstStyle/>
-            <a:p>
-              <a:pPr algn="ctr"/>
-              <a:r>
-                <a:rPr lang="en-US" dirty="0">
-                  <a:latin typeface="Arial" panose="020B0604020202020204" pitchFamily="34" charset="0"/>
-                  <a:cs typeface="Arial" panose="020B0604020202020204" pitchFamily="34" charset="0"/>
-                </a:rPr>
-                <a:t>(B) Chunk Configuration </a:t>
-              </a:r>
-            </a:p>
-            <a:p>
-              <a:pPr algn="ctr"/>
-              <a:r>
-                <a:rPr lang="en-US">
-                  <a:latin typeface="Arial" panose="020B0604020202020204" pitchFamily="34" charset="0"/>
-                  <a:cs typeface="Arial" panose="020B0604020202020204" pitchFamily="34" charset="0"/>
-                </a:rPr>
-                <a:t>Jobs </a:t>
-              </a:r>
-              <a:r>
-                <a:rPr lang="en-US" dirty="0">
-                  <a:latin typeface="Arial" panose="020B0604020202020204" pitchFamily="34" charset="0"/>
-                  <a:cs typeface="Arial" panose="020B0604020202020204" pitchFamily="34" charset="0"/>
-                </a:rPr>
-                <a:t>0-3</a:t>
+                <a:t>Export Total Makespan</a:t>
               </a:r>
             </a:p>
           </p:txBody>
         </p:sp>
       </p:grpSp>
+      <p:sp>
+        <p:nvSpPr>
+          <p:cNvPr id="107" name="TextBox 106">
+            <a:extLst>
+              <a:ext uri="{FF2B5EF4-FFF2-40B4-BE49-F238E27FC236}">
+                <a16:creationId xmlns:a16="http://schemas.microsoft.com/office/drawing/2014/main" id="{27414C0D-AA8B-DE51-A4D3-2ECF99D86226}"/>
+              </a:ext>
+            </a:extLst>
+          </p:cNvPr>
+          <p:cNvSpPr txBox="1"/>
+          <p:nvPr/>
+        </p:nvSpPr>
+        <p:spPr>
+          <a:xfrm>
+            <a:off x="1813803" y="3502309"/>
+            <a:ext cx="1257300" cy="307777"/>
+          </a:xfrm>
+          <a:prstGeom prst="rect">
+            <a:avLst/>
+          </a:prstGeom>
+          <a:noFill/>
+        </p:spPr>
+        <p:txBody>
+          <a:bodyPr wrap="square" rtlCol="0">
+            <a:spAutoFit/>
+          </a:bodyPr>
+          <a:lstStyle/>
+          <a:p>
+            <a:pPr algn="ctr"/>
+            <a:r>
+              <a:rPr lang="en-US" sz="1400" dirty="0">
+                <a:solidFill>
+                  <a:schemeClr val="accent4"/>
+                </a:solidFill>
+                <a:latin typeface="Arial" panose="020B0604020202020204" pitchFamily="34" charset="0"/>
+                <a:cs typeface="Arial" panose="020B0604020202020204" pitchFamily="34" charset="0"/>
+              </a:rPr>
+              <a:t>Yes</a:t>
+            </a:r>
+          </a:p>
+        </p:txBody>
+      </p:sp>
+      <p:cxnSp>
+        <p:nvCxnSpPr>
+          <p:cNvPr id="109" name="Straight Arrow Connector 108">
+            <a:extLst>
+              <a:ext uri="{FF2B5EF4-FFF2-40B4-BE49-F238E27FC236}">
+                <a16:creationId xmlns:a16="http://schemas.microsoft.com/office/drawing/2014/main" id="{B3A8B6DF-743A-56B4-9C24-936EC366F6ED}"/>
+              </a:ext>
+            </a:extLst>
+          </p:cNvPr>
+          <p:cNvCxnSpPr>
+            <a:cxnSpLocks/>
+            <a:stCxn id="98" idx="1"/>
+            <a:endCxn id="105" idx="2"/>
+          </p:cNvCxnSpPr>
+          <p:nvPr/>
+        </p:nvCxnSpPr>
+        <p:spPr>
+          <a:xfrm flipH="1">
+            <a:off x="2072475" y="3737209"/>
+            <a:ext cx="649863" cy="10599"/>
+          </a:xfrm>
+          <a:prstGeom prst="straightConnector1">
+            <a:avLst/>
+          </a:prstGeom>
+          <a:ln>
+            <a:tailEnd type="triangle"/>
+          </a:ln>
+        </p:spPr>
+        <p:style>
+          <a:lnRef idx="1">
+            <a:schemeClr val="dk1"/>
+          </a:lnRef>
+          <a:fillRef idx="0">
+            <a:schemeClr val="dk1"/>
+          </a:fillRef>
+          <a:effectRef idx="0">
+            <a:schemeClr val="dk1"/>
+          </a:effectRef>
+          <a:fontRef idx="minor">
+            <a:schemeClr val="tx1"/>
+          </a:fontRef>
+        </p:style>
+      </p:cxnSp>
+      <p:sp>
+        <p:nvSpPr>
+          <p:cNvPr id="110" name="Rectangle 109">
+            <a:extLst>
+              <a:ext uri="{FF2B5EF4-FFF2-40B4-BE49-F238E27FC236}">
+                <a16:creationId xmlns:a16="http://schemas.microsoft.com/office/drawing/2014/main" id="{CFC854D9-1B40-7831-90D7-069C280C1A57}"/>
+              </a:ext>
+            </a:extLst>
+          </p:cNvPr>
+          <p:cNvSpPr/>
+          <p:nvPr/>
+        </p:nvSpPr>
+        <p:spPr>
+          <a:xfrm>
+            <a:off x="5163971" y="3439349"/>
+            <a:ext cx="1358279" cy="595717"/>
+          </a:xfrm>
+          <a:prstGeom prst="rect">
+            <a:avLst/>
+          </a:prstGeom>
+        </p:spPr>
+        <p:style>
+          <a:lnRef idx="2">
+            <a:schemeClr val="accent1">
+              <a:shade val="50000"/>
+            </a:schemeClr>
+          </a:lnRef>
+          <a:fillRef idx="1">
+            <a:schemeClr val="accent1"/>
+          </a:fillRef>
+          <a:effectRef idx="0">
+            <a:schemeClr val="accent1"/>
+          </a:effectRef>
+          <a:fontRef idx="minor">
+            <a:schemeClr val="lt1"/>
+          </a:fontRef>
+        </p:style>
+        <p:txBody>
+          <a:bodyPr rtlCol="0" anchor="ctr"/>
+          <a:lstStyle/>
+          <a:p>
+            <a:pPr algn="ctr"/>
+            <a:r>
+              <a:rPr lang="en-US" sz="1400" dirty="0">
+                <a:latin typeface="Arial" panose="020B0604020202020204" pitchFamily="34" charset="0"/>
+                <a:cs typeface="Arial" panose="020B0604020202020204" pitchFamily="34" charset="0"/>
+              </a:rPr>
+              <a:t>Move Robot(s) Out of Way</a:t>
+            </a:r>
+          </a:p>
+        </p:txBody>
+      </p:sp>
+      <p:sp>
+        <p:nvSpPr>
+          <p:cNvPr id="115" name="TextBox 114">
+            <a:extLst>
+              <a:ext uri="{FF2B5EF4-FFF2-40B4-BE49-F238E27FC236}">
+                <a16:creationId xmlns:a16="http://schemas.microsoft.com/office/drawing/2014/main" id="{F0C6E199-8FB0-2B5B-D848-21183A56648B}"/>
+              </a:ext>
+            </a:extLst>
+          </p:cNvPr>
+          <p:cNvSpPr txBox="1"/>
+          <p:nvPr/>
+        </p:nvSpPr>
+        <p:spPr>
+          <a:xfrm>
+            <a:off x="4042457" y="3493660"/>
+            <a:ext cx="1257300" cy="307777"/>
+          </a:xfrm>
+          <a:prstGeom prst="rect">
+            <a:avLst/>
+          </a:prstGeom>
+          <a:noFill/>
+        </p:spPr>
+        <p:txBody>
+          <a:bodyPr wrap="square" rtlCol="0">
+            <a:spAutoFit/>
+          </a:bodyPr>
+          <a:lstStyle/>
+          <a:p>
+            <a:pPr algn="ctr"/>
+            <a:r>
+              <a:rPr lang="en-US" sz="1400" dirty="0">
+                <a:solidFill>
+                  <a:schemeClr val="accent4"/>
+                </a:solidFill>
+                <a:latin typeface="Arial" panose="020B0604020202020204" pitchFamily="34" charset="0"/>
+                <a:cs typeface="Arial" panose="020B0604020202020204" pitchFamily="34" charset="0"/>
+              </a:rPr>
+              <a:t>No</a:t>
+            </a:r>
+          </a:p>
+        </p:txBody>
+      </p:sp>
+      <p:cxnSp>
+        <p:nvCxnSpPr>
+          <p:cNvPr id="117" name="Straight Arrow Connector 116">
+            <a:extLst>
+              <a:ext uri="{FF2B5EF4-FFF2-40B4-BE49-F238E27FC236}">
+                <a16:creationId xmlns:a16="http://schemas.microsoft.com/office/drawing/2014/main" id="{D28EE978-44DD-316F-16C8-0FAD8DF5E948}"/>
+              </a:ext>
+            </a:extLst>
+          </p:cNvPr>
+          <p:cNvCxnSpPr>
+            <a:cxnSpLocks/>
+            <a:stCxn id="98" idx="3"/>
+          </p:cNvCxnSpPr>
+          <p:nvPr/>
+        </p:nvCxnSpPr>
+        <p:spPr>
+          <a:xfrm>
+            <a:off x="4264238" y="3737209"/>
+            <a:ext cx="899734" cy="0"/>
+          </a:xfrm>
+          <a:prstGeom prst="straightConnector1">
+            <a:avLst/>
+          </a:prstGeom>
+          <a:ln>
+            <a:tailEnd type="triangle"/>
+          </a:ln>
+        </p:spPr>
+        <p:style>
+          <a:lnRef idx="1">
+            <a:schemeClr val="dk1"/>
+          </a:lnRef>
+          <a:fillRef idx="0">
+            <a:schemeClr val="dk1"/>
+          </a:fillRef>
+          <a:effectRef idx="0">
+            <a:schemeClr val="dk1"/>
+          </a:effectRef>
+          <a:fontRef idx="minor">
+            <a:schemeClr val="tx1"/>
+          </a:fontRef>
+        </p:style>
+      </p:cxnSp>
+      <p:cxnSp>
+        <p:nvCxnSpPr>
+          <p:cNvPr id="122" name="Connector: Elbow 121">
+            <a:extLst>
+              <a:ext uri="{FF2B5EF4-FFF2-40B4-BE49-F238E27FC236}">
+                <a16:creationId xmlns:a16="http://schemas.microsoft.com/office/drawing/2014/main" id="{26E0643F-E9B3-F378-CB72-9E2F8F6B6EAE}"/>
+              </a:ext>
+            </a:extLst>
+          </p:cNvPr>
+          <p:cNvCxnSpPr>
+            <a:cxnSpLocks/>
+            <a:stCxn id="110" idx="0"/>
+            <a:endCxn id="9" idx="2"/>
+          </p:cNvCxnSpPr>
+          <p:nvPr/>
+        </p:nvCxnSpPr>
+        <p:spPr>
+          <a:xfrm rot="5400000" flipH="1" flipV="1">
+            <a:off x="5696052" y="2915256"/>
+            <a:ext cx="671152" cy="377034"/>
+          </a:xfrm>
+          <a:prstGeom prst="bentConnector3">
+            <a:avLst/>
+          </a:prstGeom>
+          <a:ln>
+            <a:tailEnd type="triangle"/>
+          </a:ln>
+        </p:spPr>
+        <p:style>
+          <a:lnRef idx="1">
+            <a:schemeClr val="dk1"/>
+          </a:lnRef>
+          <a:fillRef idx="0">
+            <a:schemeClr val="dk1"/>
+          </a:fillRef>
+          <a:effectRef idx="0">
+            <a:schemeClr val="dk1"/>
+          </a:effectRef>
+          <a:fontRef idx="minor">
+            <a:schemeClr val="tx1"/>
+          </a:fontRef>
+        </p:style>
+      </p:cxnSp>
     </p:spTree>
     <p:extLst>
       <p:ext uri="{BB962C8B-B14F-4D97-AF65-F5344CB8AC3E}">
@@ -4165,4 +5283,299 @@
     </a:ext>
   </a:extLst>
 </a:theme>
+</file>
+
+<file path=ppt/theme/theme2.xml><?xml version="1.0" encoding="utf-8"?>
+<a:theme xmlns:a="http://schemas.openxmlformats.org/drawingml/2006/main" name="Office Theme">
+  <a:themeElements>
+    <a:clrScheme name="Office">
+      <a:dk1>
+        <a:sysClr val="windowText" lastClr="000000"/>
+      </a:dk1>
+      <a:lt1>
+        <a:sysClr val="window" lastClr="FFFFFF"/>
+      </a:lt1>
+      <a:dk2>
+        <a:srgbClr val="44546A"/>
+      </a:dk2>
+      <a:lt2>
+        <a:srgbClr val="E7E6E6"/>
+      </a:lt2>
+      <a:accent1>
+        <a:srgbClr val="4472C4"/>
+      </a:accent1>
+      <a:accent2>
+        <a:srgbClr val="ED7D31"/>
+      </a:accent2>
+      <a:accent3>
+        <a:srgbClr val="A5A5A5"/>
+      </a:accent3>
+      <a:accent4>
+        <a:srgbClr val="FFC000"/>
+      </a:accent4>
+      <a:accent5>
+        <a:srgbClr val="5B9BD5"/>
+      </a:accent5>
+      <a:accent6>
+        <a:srgbClr val="70AD47"/>
+      </a:accent6>
+      <a:hlink>
+        <a:srgbClr val="0563C1"/>
+      </a:hlink>
+      <a:folHlink>
+        <a:srgbClr val="954F72"/>
+      </a:folHlink>
+    </a:clrScheme>
+    <a:fontScheme name="Office">
+      <a:majorFont>
+        <a:latin typeface="Calibri Light" panose="020F0302020204030204"/>
+        <a:ea typeface=""/>
+        <a:cs typeface=""/>
+        <a:font script="Jpan" typeface="游ゴシック Light"/>
+        <a:font script="Hang" typeface="맑은 고딕"/>
+        <a:font script="Hans" typeface="等线 Light"/>
+        <a:font script="Hant" typeface="新細明體"/>
+        <a:font script="Arab" typeface="Times New Roman"/>
+        <a:font script="Hebr" typeface="Times New Roman"/>
+        <a:font script="Thai" typeface="Angsana New"/>
+        <a:font script="Ethi" typeface="Nyala"/>
+        <a:font script="Beng" typeface="Vrinda"/>
+        <a:font script="Gujr" typeface="Shruti"/>
+        <a:font script="Khmr" typeface="MoolBoran"/>
+        <a:font script="Knda" typeface="Tunga"/>
+        <a:font script="Guru" typeface="Raavi"/>
+        <a:font script="Cans" typeface="Euphemia"/>
+        <a:font script="Cher" typeface="Plantagenet Cherokee"/>
+        <a:font script="Yiii" typeface="Microsoft Yi Baiti"/>
+        <a:font script="Tibt" typeface="Microsoft Himalaya"/>
+        <a:font script="Thaa" typeface="MV Boli"/>
+        <a:font script="Deva" typeface="Mangal"/>
+        <a:font script="Telu" typeface="Gautami"/>
+        <a:font script="Taml" typeface="Latha"/>
+        <a:font script="Syrc" typeface="Estrangelo Edessa"/>
+        <a:font script="Orya" typeface="Kalinga"/>
+        <a:font script="Mlym" typeface="Kartika"/>
+        <a:font script="Laoo" typeface="DokChampa"/>
+        <a:font script="Sinh" typeface="Iskoola Pota"/>
+        <a:font script="Mong" typeface="Mongolian Baiti"/>
+        <a:font script="Viet" typeface="Times New Roman"/>
+        <a:font script="Uigh" typeface="Microsoft Uighur"/>
+        <a:font script="Geor" typeface="Sylfaen"/>
+        <a:font script="Armn" typeface="Arial"/>
+        <a:font script="Bugi" typeface="Leelawadee UI"/>
+        <a:font script="Bopo" typeface="Microsoft JhengHei"/>
+        <a:font script="Java" typeface="Javanese Text"/>
+        <a:font script="Lisu" typeface="Segoe UI"/>
+        <a:font script="Mymr" typeface="Myanmar Text"/>
+        <a:font script="Nkoo" typeface="Ebrima"/>
+        <a:font script="Olck" typeface="Nirmala UI"/>
+        <a:font script="Osma" typeface="Ebrima"/>
+        <a:font script="Phag" typeface="Phagspa"/>
+        <a:font script="Syrn" typeface="Estrangelo Edessa"/>
+        <a:font script="Syrj" typeface="Estrangelo Edessa"/>
+        <a:font script="Syre" typeface="Estrangelo Edessa"/>
+        <a:font script="Sora" typeface="Nirmala UI"/>
+        <a:font script="Tale" typeface="Microsoft Tai Le"/>
+        <a:font script="Talu" typeface="Microsoft New Tai Lue"/>
+        <a:font script="Tfng" typeface="Ebrima"/>
+      </a:majorFont>
+      <a:minorFont>
+        <a:latin typeface="Calibri" panose="020F0502020204030204"/>
+        <a:ea typeface=""/>
+        <a:cs typeface=""/>
+        <a:font script="Jpan" typeface="游ゴシック"/>
+        <a:font script="Hang" typeface="맑은 고딕"/>
+        <a:font script="Hans" typeface="等线"/>
+        <a:font script="Hant" typeface="新細明體"/>
+        <a:font script="Arab" typeface="Arial"/>
+        <a:font script="Hebr" typeface="Arial"/>
+        <a:font script="Thai" typeface="Cordia New"/>
+        <a:font script="Ethi" typeface="Nyala"/>
+        <a:font script="Beng" typeface="Vrinda"/>
+        <a:font script="Gujr" typeface="Shruti"/>
+        <a:font script="Khmr" typeface="DaunPenh"/>
+        <a:font script="Knda" typeface="Tunga"/>
+        <a:font script="Guru" typeface="Raavi"/>
+        <a:font script="Cans" typeface="Euphemia"/>
+        <a:font script="Cher" typeface="Plantagenet Cherokee"/>
+        <a:font script="Yiii" typeface="Microsoft Yi Baiti"/>
+        <a:font script="Tibt" typeface="Microsoft Himalaya"/>
+        <a:font script="Thaa" typeface="MV Boli"/>
+        <a:font script="Deva" typeface="Mangal"/>
+        <a:font script="Telu" typeface="Gautami"/>
+        <a:font script="Taml" typeface="Latha"/>
+        <a:font script="Syrc" typeface="Estrangelo Edessa"/>
+        <a:font script="Orya" typeface="Kalinga"/>
+        <a:font script="Mlym" typeface="Kartika"/>
+        <a:font script="Laoo" typeface="DokChampa"/>
+        <a:font script="Sinh" typeface="Iskoola Pota"/>
+        <a:font script="Mong" typeface="Mongolian Baiti"/>
+        <a:font script="Viet" typeface="Arial"/>
+        <a:font script="Uigh" typeface="Microsoft Uighur"/>
+        <a:font script="Geor" typeface="Sylfaen"/>
+        <a:font script="Armn" typeface="Arial"/>
+        <a:font script="Bugi" typeface="Leelawadee UI"/>
+        <a:font script="Bopo" typeface="Microsoft JhengHei"/>
+        <a:font script="Java" typeface="Javanese Text"/>
+        <a:font script="Lisu" typeface="Segoe UI"/>
+        <a:font script="Mymr" typeface="Myanmar Text"/>
+        <a:font script="Nkoo" typeface="Ebrima"/>
+        <a:font script="Olck" typeface="Nirmala UI"/>
+        <a:font script="Osma" typeface="Ebrima"/>
+        <a:font script="Phag" typeface="Phagspa"/>
+        <a:font script="Syrn" typeface="Estrangelo Edessa"/>
+        <a:font script="Syrj" typeface="Estrangelo Edessa"/>
+        <a:font script="Syre" typeface="Estrangelo Edessa"/>
+        <a:font script="Sora" typeface="Nirmala UI"/>
+        <a:font script="Tale" typeface="Microsoft Tai Le"/>
+        <a:font script="Talu" typeface="Microsoft New Tai Lue"/>
+        <a:font script="Tfng" typeface="Ebrima"/>
+      </a:minorFont>
+    </a:fontScheme>
+    <a:fmtScheme name="Office">
+      <a:fillStyleLst>
+        <a:solidFill>
+          <a:schemeClr val="phClr"/>
+        </a:solidFill>
+        <a:gradFill rotWithShape="1">
+          <a:gsLst>
+            <a:gs pos="0">
+              <a:schemeClr val="phClr">
+                <a:lumMod val="110000"/>
+                <a:satMod val="105000"/>
+                <a:tint val="67000"/>
+              </a:schemeClr>
+            </a:gs>
+            <a:gs pos="50000">
+              <a:schemeClr val="phClr">
+                <a:lumMod val="105000"/>
+                <a:satMod val="103000"/>
+                <a:tint val="73000"/>
+              </a:schemeClr>
+            </a:gs>
+            <a:gs pos="100000">
+              <a:schemeClr val="phClr">
+                <a:lumMod val="105000"/>
+                <a:satMod val="109000"/>
+                <a:tint val="81000"/>
+              </a:schemeClr>
+            </a:gs>
+          </a:gsLst>
+          <a:lin ang="5400000" scaled="0"/>
+        </a:gradFill>
+        <a:gradFill rotWithShape="1">
+          <a:gsLst>
+            <a:gs pos="0">
+              <a:schemeClr val="phClr">
+                <a:satMod val="103000"/>
+                <a:lumMod val="102000"/>
+                <a:tint val="94000"/>
+              </a:schemeClr>
+            </a:gs>
+            <a:gs pos="50000">
+              <a:schemeClr val="phClr">
+                <a:satMod val="110000"/>
+                <a:lumMod val="100000"/>
+                <a:shade val="100000"/>
+              </a:schemeClr>
+            </a:gs>
+            <a:gs pos="100000">
+              <a:schemeClr val="phClr">
+                <a:lumMod val="99000"/>
+                <a:satMod val="120000"/>
+                <a:shade val="78000"/>
+              </a:schemeClr>
+            </a:gs>
+          </a:gsLst>
+          <a:lin ang="5400000" scaled="0"/>
+        </a:gradFill>
+      </a:fillStyleLst>
+      <a:lnStyleLst>
+        <a:ln w="6350" cap="flat" cmpd="sng" algn="ctr">
+          <a:solidFill>
+            <a:schemeClr val="phClr"/>
+          </a:solidFill>
+          <a:prstDash val="solid"/>
+          <a:miter lim="800000"/>
+        </a:ln>
+        <a:ln w="12700" cap="flat" cmpd="sng" algn="ctr">
+          <a:solidFill>
+            <a:schemeClr val="phClr"/>
+          </a:solidFill>
+          <a:prstDash val="solid"/>
+          <a:miter lim="800000"/>
+        </a:ln>
+        <a:ln w="19050" cap="flat" cmpd="sng" algn="ctr">
+          <a:solidFill>
+            <a:schemeClr val="phClr"/>
+          </a:solidFill>
+          <a:prstDash val="solid"/>
+          <a:miter lim="800000"/>
+        </a:ln>
+      </a:lnStyleLst>
+      <a:effectStyleLst>
+        <a:effectStyle>
+          <a:effectLst/>
+        </a:effectStyle>
+        <a:effectStyle>
+          <a:effectLst/>
+        </a:effectStyle>
+        <a:effectStyle>
+          <a:effectLst>
+            <a:outerShdw blurRad="57150" dist="19050" dir="5400000" algn="ctr" rotWithShape="0">
+              <a:srgbClr val="000000">
+                <a:alpha val="63000"/>
+              </a:srgbClr>
+            </a:outerShdw>
+          </a:effectLst>
+        </a:effectStyle>
+      </a:effectStyleLst>
+      <a:bgFillStyleLst>
+        <a:solidFill>
+          <a:schemeClr val="phClr"/>
+        </a:solidFill>
+        <a:solidFill>
+          <a:schemeClr val="phClr">
+            <a:tint val="95000"/>
+            <a:satMod val="170000"/>
+          </a:schemeClr>
+        </a:solidFill>
+        <a:gradFill rotWithShape="1">
+          <a:gsLst>
+            <a:gs pos="0">
+              <a:schemeClr val="phClr">
+                <a:tint val="93000"/>
+                <a:satMod val="150000"/>
+                <a:shade val="98000"/>
+                <a:lumMod val="102000"/>
+              </a:schemeClr>
+            </a:gs>
+            <a:gs pos="50000">
+              <a:schemeClr val="phClr">
+                <a:tint val="98000"/>
+                <a:satMod val="130000"/>
+                <a:shade val="90000"/>
+                <a:lumMod val="103000"/>
+              </a:schemeClr>
+            </a:gs>
+            <a:gs pos="100000">
+              <a:schemeClr val="phClr">
+                <a:shade val="63000"/>
+                <a:satMod val="120000"/>
+              </a:schemeClr>
+            </a:gs>
+          </a:gsLst>
+          <a:lin ang="5400000" scaled="0"/>
+        </a:gradFill>
+      </a:bgFillStyleLst>
+    </a:fmtScheme>
+  </a:themeElements>
+  <a:objectDefaults/>
+  <a:extraClrSchemeLst/>
+  <a:extLst>
+    <a:ext uri="{05A4C25C-085E-4340-85A3-A5531E510DB2}">
+      <thm15:themeFamily xmlns:thm15="http://schemas.microsoft.com/office/thememl/2012/main" name="Office Theme" id="{62F939B6-93AF-4DB8-9C6B-D6C7DFDC589F}" vid="{4A3C46E8-61CC-4603-A589-7422A47A8E4A}"/>
+    </a:ext>
+  </a:extLst>
+</a:theme>
 </file>